--- a/src/main/java/Core Java.pptx
+++ b/src/main/java/Core Java.pptx
@@ -5,7 +5,7 @@
     <p:sldMasterId id="2147483648" r:id="rId1"/>
   </p:sldMasterIdLst>
   <p:notesMasterIdLst>
-    <p:notesMasterId r:id="rId53"/>
+    <p:notesMasterId r:id="rId71"/>
   </p:notesMasterIdLst>
   <p:sldIdLst>
     <p:sldId id="256" r:id="rId2"/>
@@ -59,6 +59,24 @@
     <p:sldId id="304" r:id="rId50"/>
     <p:sldId id="305" r:id="rId51"/>
     <p:sldId id="306" r:id="rId52"/>
+    <p:sldId id="307" r:id="rId53"/>
+    <p:sldId id="308" r:id="rId54"/>
+    <p:sldId id="309" r:id="rId55"/>
+    <p:sldId id="324" r:id="rId56"/>
+    <p:sldId id="310" r:id="rId57"/>
+    <p:sldId id="311" r:id="rId58"/>
+    <p:sldId id="312" r:id="rId59"/>
+    <p:sldId id="313" r:id="rId60"/>
+    <p:sldId id="314" r:id="rId61"/>
+    <p:sldId id="315" r:id="rId62"/>
+    <p:sldId id="316" r:id="rId63"/>
+    <p:sldId id="317" r:id="rId64"/>
+    <p:sldId id="318" r:id="rId65"/>
+    <p:sldId id="319" r:id="rId66"/>
+    <p:sldId id="320" r:id="rId67"/>
+    <p:sldId id="321" r:id="rId68"/>
+    <p:sldId id="322" r:id="rId69"/>
+    <p:sldId id="323" r:id="rId70"/>
   </p:sldIdLst>
   <p:sldSz cx="12192000" cy="6858000"/>
   <p:notesSz cx="6858000" cy="9144000"/>
@@ -247,7 +265,7 @@
           <a:p>
             <a:fld id="{0AA9DD5E-4794-D049-AAEA-1926E43694E0}" type="datetimeFigureOut">
               <a:rPr lang="en-US" smtClean="0"/>
-              <a:t>10/28/17</a:t>
+              <a:t>11/4/17</a:t>
             </a:fld>
             <a:endParaRPr lang="en-US"/>
           </a:p>
@@ -1906,7 +1924,7 @@
           <a:p>
             <a:fld id="{21FF5051-AF37-334D-851D-B599AB5A72C4}" type="datetimeFigureOut">
               <a:rPr lang="en-US" smtClean="0"/>
-              <a:t>10/28/17</a:t>
+              <a:t>11/4/17</a:t>
             </a:fld>
             <a:endParaRPr lang="en-US"/>
           </a:p>
@@ -2076,7 +2094,7 @@
           <a:p>
             <a:fld id="{21FF5051-AF37-334D-851D-B599AB5A72C4}" type="datetimeFigureOut">
               <a:rPr lang="en-US" smtClean="0"/>
-              <a:t>10/28/17</a:t>
+              <a:t>11/4/17</a:t>
             </a:fld>
             <a:endParaRPr lang="en-US"/>
           </a:p>
@@ -2256,7 +2274,7 @@
           <a:p>
             <a:fld id="{21FF5051-AF37-334D-851D-B599AB5A72C4}" type="datetimeFigureOut">
               <a:rPr lang="en-US" smtClean="0"/>
-              <a:t>10/28/17</a:t>
+              <a:t>11/4/17</a:t>
             </a:fld>
             <a:endParaRPr lang="en-US"/>
           </a:p>
@@ -2426,7 +2444,7 @@
           <a:p>
             <a:fld id="{21FF5051-AF37-334D-851D-B599AB5A72C4}" type="datetimeFigureOut">
               <a:rPr lang="en-US" smtClean="0"/>
-              <a:t>10/28/17</a:t>
+              <a:t>11/4/17</a:t>
             </a:fld>
             <a:endParaRPr lang="en-US"/>
           </a:p>
@@ -2672,7 +2690,7 @@
           <a:p>
             <a:fld id="{21FF5051-AF37-334D-851D-B599AB5A72C4}" type="datetimeFigureOut">
               <a:rPr lang="en-US" smtClean="0"/>
-              <a:t>10/28/17</a:t>
+              <a:t>11/4/17</a:t>
             </a:fld>
             <a:endParaRPr lang="en-US"/>
           </a:p>
@@ -2904,7 +2922,7 @@
           <a:p>
             <a:fld id="{21FF5051-AF37-334D-851D-B599AB5A72C4}" type="datetimeFigureOut">
               <a:rPr lang="en-US" smtClean="0"/>
-              <a:t>10/28/17</a:t>
+              <a:t>11/4/17</a:t>
             </a:fld>
             <a:endParaRPr lang="en-US"/>
           </a:p>
@@ -3271,7 +3289,7 @@
           <a:p>
             <a:fld id="{21FF5051-AF37-334D-851D-B599AB5A72C4}" type="datetimeFigureOut">
               <a:rPr lang="en-US" smtClean="0"/>
-              <a:t>10/28/17</a:t>
+              <a:t>11/4/17</a:t>
             </a:fld>
             <a:endParaRPr lang="en-US"/>
           </a:p>
@@ -3389,7 +3407,7 @@
           <a:p>
             <a:fld id="{21FF5051-AF37-334D-851D-B599AB5A72C4}" type="datetimeFigureOut">
               <a:rPr lang="en-US" smtClean="0"/>
-              <a:t>10/28/17</a:t>
+              <a:t>11/4/17</a:t>
             </a:fld>
             <a:endParaRPr lang="en-US"/>
           </a:p>
@@ -3484,7 +3502,7 @@
           <a:p>
             <a:fld id="{21FF5051-AF37-334D-851D-B599AB5A72C4}" type="datetimeFigureOut">
               <a:rPr lang="en-US" smtClean="0"/>
-              <a:t>10/28/17</a:t>
+              <a:t>11/4/17</a:t>
             </a:fld>
             <a:endParaRPr lang="en-US"/>
           </a:p>
@@ -3761,7 +3779,7 @@
           <a:p>
             <a:fld id="{21FF5051-AF37-334D-851D-B599AB5A72C4}" type="datetimeFigureOut">
               <a:rPr lang="en-US" smtClean="0"/>
-              <a:t>10/28/17</a:t>
+              <a:t>11/4/17</a:t>
             </a:fld>
             <a:endParaRPr lang="en-US"/>
           </a:p>
@@ -4014,7 +4032,7 @@
           <a:p>
             <a:fld id="{21FF5051-AF37-334D-851D-B599AB5A72C4}" type="datetimeFigureOut">
               <a:rPr lang="en-US" smtClean="0"/>
-              <a:t>10/28/17</a:t>
+              <a:t>11/4/17</a:t>
             </a:fld>
             <a:endParaRPr lang="en-US"/>
           </a:p>
@@ -4227,7 +4245,7 @@
           <a:p>
             <a:fld id="{21FF5051-AF37-334D-851D-B599AB5A72C4}" type="datetimeFigureOut">
               <a:rPr lang="en-US" smtClean="0"/>
-              <a:t>10/28/17</a:t>
+              <a:t>11/4/17</a:t>
             </a:fld>
             <a:endParaRPr lang="en-US"/>
           </a:p>
@@ -35252,6 +35270,3660 @@
 </p:sld>
 </file>
 
+<file path=ppt/slides/slide52.xml><?xml version="1.0" encoding="utf-8"?>
+<p:sld xmlns:a="http://schemas.openxmlformats.org/drawingml/2006/main" xmlns:r="http://schemas.openxmlformats.org/officeDocument/2006/relationships" xmlns:p="http://schemas.openxmlformats.org/presentationml/2006/main">
+  <p:cSld>
+    <p:spTree>
+      <p:nvGrpSpPr>
+        <p:cNvPr id="1" name=""/>
+        <p:cNvGrpSpPr/>
+        <p:nvPr/>
+      </p:nvGrpSpPr>
+      <p:grpSpPr>
+        <a:xfrm>
+          <a:off x="0" y="0"/>
+          <a:ext cx="0" cy="0"/>
+          <a:chOff x="0" y="0"/>
+          <a:chExt cx="0" cy="0"/>
+        </a:xfrm>
+      </p:grpSpPr>
+      <p:sp>
+        <p:nvSpPr>
+          <p:cNvPr id="4" name="TextBox 3"/>
+          <p:cNvSpPr txBox="1"/>
+          <p:nvPr/>
+        </p:nvSpPr>
+        <p:spPr>
+          <a:xfrm>
+            <a:off x="597408" y="329184"/>
+            <a:ext cx="6102825" cy="646331"/>
+          </a:xfrm>
+          <a:prstGeom prst="rect">
+            <a:avLst/>
+          </a:prstGeom>
+          <a:noFill/>
+        </p:spPr>
+        <p:txBody>
+          <a:bodyPr wrap="none" rtlCol="0">
+            <a:spAutoFit/>
+          </a:bodyPr>
+          <a:lstStyle/>
+          <a:p>
+            <a:r>
+              <a:rPr lang="en-US" b="1" dirty="0"/>
+              <a:t>Set </a:t>
+            </a:r>
+            <a:r>
+              <a:rPr lang="en-US" b="1" dirty="0" err="1"/>
+              <a:t>entrySet</a:t>
+            </a:r>
+            <a:r>
+              <a:rPr lang="en-US" b="1" dirty="0" smtClean="0"/>
+              <a:t>()</a:t>
+            </a:r>
+          </a:p>
+          <a:p>
+            <a:r>
+              <a:rPr lang="en-US" dirty="0"/>
+              <a:t>It is used to return a set view of the keys contained in this map.</a:t>
+            </a:r>
+          </a:p>
+        </p:txBody>
+      </p:sp>
+      <p:sp>
+        <p:nvSpPr>
+          <p:cNvPr id="5" name="TextBox 4"/>
+          <p:cNvSpPr txBox="1"/>
+          <p:nvPr/>
+        </p:nvSpPr>
+        <p:spPr>
+          <a:xfrm>
+            <a:off x="682752" y="1048822"/>
+            <a:ext cx="7215758" cy="5909310"/>
+          </a:xfrm>
+          <a:prstGeom prst="rect">
+            <a:avLst/>
+          </a:prstGeom>
+          <a:noFill/>
+        </p:spPr>
+        <p:txBody>
+          <a:bodyPr wrap="none" rtlCol="0">
+            <a:spAutoFit/>
+          </a:bodyPr>
+          <a:lstStyle/>
+          <a:p>
+            <a:r>
+              <a:rPr lang="en-US" dirty="0"/>
+              <a:t>import </a:t>
+            </a:r>
+            <a:r>
+              <a:rPr lang="en-US" dirty="0" err="1"/>
+              <a:t>java.util.HashMap</a:t>
+            </a:r>
+            <a:r>
+              <a:rPr lang="en-US" dirty="0"/>
+              <a:t>;</a:t>
+            </a:r>
+          </a:p>
+          <a:p>
+            <a:r>
+              <a:rPr lang="en-US" dirty="0"/>
+              <a:t>import </a:t>
+            </a:r>
+            <a:r>
+              <a:rPr lang="en-US" dirty="0" err="1"/>
+              <a:t>java.util.Map</a:t>
+            </a:r>
+            <a:r>
+              <a:rPr lang="en-US" dirty="0"/>
+              <a:t>;</a:t>
+            </a:r>
+          </a:p>
+          <a:p>
+            <a:endParaRPr lang="en-US" dirty="0"/>
+          </a:p>
+          <a:p>
+            <a:r>
+              <a:rPr lang="en-US" b="1" dirty="0">
+                <a:solidFill>
+                  <a:srgbClr val="7030A0"/>
+                </a:solidFill>
+              </a:rPr>
+              <a:t>public class </a:t>
+            </a:r>
+            <a:r>
+              <a:rPr lang="en-US" b="1" dirty="0" err="1">
+                <a:solidFill>
+                  <a:srgbClr val="7030A0"/>
+                </a:solidFill>
+              </a:rPr>
+              <a:t>EntrySetExample</a:t>
+            </a:r>
+            <a:r>
+              <a:rPr lang="en-US" b="1" dirty="0">
+                <a:solidFill>
+                  <a:srgbClr val="7030A0"/>
+                </a:solidFill>
+              </a:rPr>
+              <a:t> </a:t>
+            </a:r>
+            <a:r>
+              <a:rPr lang="en-US" b="1" dirty="0" smtClean="0">
+                <a:solidFill>
+                  <a:srgbClr val="7030A0"/>
+                </a:solidFill>
+              </a:rPr>
+              <a:t>{</a:t>
+            </a:r>
+            <a:endParaRPr lang="en-US" b="1" dirty="0">
+              <a:solidFill>
+                <a:srgbClr val="7030A0"/>
+              </a:solidFill>
+            </a:endParaRPr>
+          </a:p>
+          <a:p>
+            <a:pPr lvl="1"/>
+            <a:r>
+              <a:rPr lang="en-US" b="1" dirty="0">
+                <a:solidFill>
+                  <a:srgbClr val="00B050"/>
+                </a:solidFill>
+              </a:rPr>
+              <a:t>public static void main(String </a:t>
+            </a:r>
+            <a:r>
+              <a:rPr lang="en-US" b="1" dirty="0" err="1">
+                <a:solidFill>
+                  <a:srgbClr val="00B050"/>
+                </a:solidFill>
+              </a:rPr>
+              <a:t>args</a:t>
+            </a:r>
+            <a:r>
+              <a:rPr lang="en-US" b="1" dirty="0">
+                <a:solidFill>
+                  <a:srgbClr val="00B050"/>
+                </a:solidFill>
+              </a:rPr>
+              <a:t>[]) {</a:t>
+            </a:r>
+          </a:p>
+          <a:p>
+            <a:pPr lvl="2"/>
+            <a:r>
+              <a:rPr lang="en-US" dirty="0" err="1"/>
+              <a:t>HashMap</a:t>
+            </a:r>
+            <a:r>
+              <a:rPr lang="en-US" dirty="0"/>
+              <a:t>&lt;Integer, String&gt; </a:t>
+            </a:r>
+            <a:r>
+              <a:rPr lang="en-US" dirty="0" err="1"/>
+              <a:t>hm</a:t>
+            </a:r>
+            <a:r>
+              <a:rPr lang="en-US" dirty="0"/>
+              <a:t> = new </a:t>
+            </a:r>
+            <a:r>
+              <a:rPr lang="en-US" dirty="0" err="1"/>
+              <a:t>HashMap</a:t>
+            </a:r>
+            <a:r>
+              <a:rPr lang="en-US" dirty="0"/>
+              <a:t>&lt;Integer, String&gt;();</a:t>
+            </a:r>
+          </a:p>
+          <a:p>
+            <a:pPr lvl="2"/>
+            <a:r>
+              <a:rPr lang="en-US" dirty="0" err="1"/>
+              <a:t>hm.put</a:t>
+            </a:r>
+            <a:r>
+              <a:rPr lang="en-US" dirty="0"/>
+              <a:t>(10, "Bhanu1");</a:t>
+            </a:r>
+          </a:p>
+          <a:p>
+            <a:pPr lvl="2"/>
+            <a:r>
+              <a:rPr lang="en-US" dirty="0" err="1"/>
+              <a:t>hm.put</a:t>
+            </a:r>
+            <a:r>
+              <a:rPr lang="en-US" dirty="0"/>
+              <a:t>(11, "Bhanu3");</a:t>
+            </a:r>
+          </a:p>
+          <a:p>
+            <a:pPr lvl="2"/>
+            <a:r>
+              <a:rPr lang="en-US" dirty="0" err="1"/>
+              <a:t>hm.put</a:t>
+            </a:r>
+            <a:r>
+              <a:rPr lang="en-US" dirty="0"/>
+              <a:t>(12, "Bhanu2");</a:t>
+            </a:r>
+          </a:p>
+          <a:p>
+            <a:pPr lvl="2"/>
+            <a:r>
+              <a:rPr lang="en-US" b="1" dirty="0">
+                <a:solidFill>
+                  <a:srgbClr val="00B050"/>
+                </a:solidFill>
+              </a:rPr>
+              <a:t>for (</a:t>
+            </a:r>
+            <a:r>
+              <a:rPr lang="en-US" b="1" u="sng" dirty="0" err="1">
+                <a:solidFill>
+                  <a:srgbClr val="00B050"/>
+                </a:solidFill>
+              </a:rPr>
+              <a:t>Map.Entry</a:t>
+            </a:r>
+            <a:r>
+              <a:rPr lang="en-US" b="1" dirty="0">
+                <a:solidFill>
+                  <a:srgbClr val="00B050"/>
+                </a:solidFill>
+              </a:rPr>
+              <a:t> m : </a:t>
+            </a:r>
+            <a:r>
+              <a:rPr lang="en-US" b="1" dirty="0" err="1">
+                <a:solidFill>
+                  <a:srgbClr val="00B050"/>
+                </a:solidFill>
+              </a:rPr>
+              <a:t>hm.entrySet</a:t>
+            </a:r>
+            <a:r>
+              <a:rPr lang="en-US" b="1" dirty="0">
+                <a:solidFill>
+                  <a:srgbClr val="00B050"/>
+                </a:solidFill>
+              </a:rPr>
+              <a:t>()) {</a:t>
+            </a:r>
+          </a:p>
+          <a:p>
+            <a:pPr lvl="3"/>
+            <a:r>
+              <a:rPr lang="en-US" b="1" dirty="0" err="1">
+                <a:solidFill>
+                  <a:srgbClr val="00B050"/>
+                </a:solidFill>
+              </a:rPr>
+              <a:t>System.out.println</a:t>
+            </a:r>
+            <a:r>
+              <a:rPr lang="en-US" b="1" dirty="0">
+                <a:solidFill>
+                  <a:srgbClr val="00B050"/>
+                </a:solidFill>
+              </a:rPr>
+              <a:t>(</a:t>
+            </a:r>
+            <a:r>
+              <a:rPr lang="en-US" b="1" dirty="0" err="1">
+                <a:solidFill>
+                  <a:srgbClr val="00B050"/>
+                </a:solidFill>
+              </a:rPr>
+              <a:t>m.getKey</a:t>
+            </a:r>
+            <a:r>
+              <a:rPr lang="en-US" b="1" dirty="0">
+                <a:solidFill>
+                  <a:srgbClr val="00B050"/>
+                </a:solidFill>
+              </a:rPr>
+              <a:t>() + " " + </a:t>
+            </a:r>
+            <a:r>
+              <a:rPr lang="en-US" b="1" dirty="0" err="1">
+                <a:solidFill>
+                  <a:srgbClr val="00B050"/>
+                </a:solidFill>
+              </a:rPr>
+              <a:t>m.getValue</a:t>
+            </a:r>
+            <a:r>
+              <a:rPr lang="en-US" b="1" dirty="0">
+                <a:solidFill>
+                  <a:srgbClr val="00B050"/>
+                </a:solidFill>
+              </a:rPr>
+              <a:t>());</a:t>
+            </a:r>
+          </a:p>
+          <a:p>
+            <a:pPr lvl="2"/>
+            <a:r>
+              <a:rPr lang="en-US" b="1" dirty="0" smtClean="0">
+                <a:solidFill>
+                  <a:srgbClr val="00B050"/>
+                </a:solidFill>
+              </a:rPr>
+              <a:t>}</a:t>
+            </a:r>
+          </a:p>
+          <a:p>
+            <a:pPr lvl="2"/>
+            <a:r>
+              <a:rPr lang="en-US" dirty="0" smtClean="0"/>
+              <a:t>}</a:t>
+            </a:r>
+            <a:endParaRPr lang="en-US" dirty="0"/>
+          </a:p>
+          <a:p>
+            <a:r>
+              <a:rPr lang="en-US" dirty="0"/>
+              <a:t>}</a:t>
+            </a:r>
+          </a:p>
+          <a:p>
+            <a:endParaRPr lang="en-US" dirty="0" smtClean="0"/>
+          </a:p>
+          <a:p>
+            <a:r>
+              <a:rPr lang="en-US" b="1" dirty="0" smtClean="0"/>
+              <a:t>Output:</a:t>
+            </a:r>
+          </a:p>
+          <a:p>
+            <a:r>
+              <a:rPr lang="is-IS" dirty="0"/>
+              <a:t>10 Bhanu1</a:t>
+            </a:r>
+          </a:p>
+          <a:p>
+            <a:r>
+              <a:rPr lang="is-IS" dirty="0"/>
+              <a:t>11 Bhanu3</a:t>
+            </a:r>
+          </a:p>
+          <a:p>
+            <a:r>
+              <a:rPr lang="is-IS" dirty="0"/>
+              <a:t>12 Bhanu2</a:t>
+            </a:r>
+          </a:p>
+          <a:p>
+            <a:r>
+              <a:rPr lang="en-US" dirty="0"/>
+              <a:t/>
+            </a:r>
+            <a:br>
+              <a:rPr lang="en-US" dirty="0"/>
+            </a:br>
+            <a:endParaRPr lang="en-US" dirty="0"/>
+          </a:p>
+        </p:txBody>
+      </p:sp>
+    </p:spTree>
+    <p:extLst>
+      <p:ext uri="{BB962C8B-B14F-4D97-AF65-F5344CB8AC3E}">
+        <p14:creationId xmlns:p14="http://schemas.microsoft.com/office/powerpoint/2010/main" val="312315517"/>
+      </p:ext>
+    </p:extLst>
+  </p:cSld>
+  <p:clrMapOvr>
+    <a:masterClrMapping/>
+  </p:clrMapOvr>
+</p:sld>
+</file>
+
+<file path=ppt/slides/slide53.xml><?xml version="1.0" encoding="utf-8"?>
+<p:sld xmlns:a="http://schemas.openxmlformats.org/drawingml/2006/main" xmlns:r="http://schemas.openxmlformats.org/officeDocument/2006/relationships" xmlns:p="http://schemas.openxmlformats.org/presentationml/2006/main">
+  <p:cSld>
+    <p:spTree>
+      <p:nvGrpSpPr>
+        <p:cNvPr id="1" name=""/>
+        <p:cNvGrpSpPr/>
+        <p:nvPr/>
+      </p:nvGrpSpPr>
+      <p:grpSpPr>
+        <a:xfrm>
+          <a:off x="0" y="0"/>
+          <a:ext cx="0" cy="0"/>
+          <a:chOff x="0" y="0"/>
+          <a:chExt cx="0" cy="0"/>
+        </a:xfrm>
+      </p:grpSpPr>
+      <p:sp>
+        <p:nvSpPr>
+          <p:cNvPr id="5" name="TextBox 4"/>
+          <p:cNvSpPr txBox="1"/>
+          <p:nvPr/>
+        </p:nvSpPr>
+        <p:spPr>
+          <a:xfrm>
+            <a:off x="609600" y="524256"/>
+            <a:ext cx="7173952" cy="3970318"/>
+          </a:xfrm>
+          <a:prstGeom prst="rect">
+            <a:avLst/>
+          </a:prstGeom>
+          <a:noFill/>
+        </p:spPr>
+        <p:txBody>
+          <a:bodyPr wrap="none" rtlCol="0">
+            <a:spAutoFit/>
+          </a:bodyPr>
+          <a:lstStyle/>
+          <a:p>
+            <a:r>
+              <a:rPr lang="en-US" dirty="0"/>
+              <a:t>public class A </a:t>
+            </a:r>
+            <a:r>
+              <a:rPr lang="en-US" dirty="0" smtClean="0"/>
+              <a:t>{</a:t>
+            </a:r>
+            <a:endParaRPr lang="en-US" dirty="0"/>
+          </a:p>
+          <a:p>
+            <a:pPr lvl="1"/>
+            <a:r>
+              <a:rPr lang="en-US" dirty="0" err="1"/>
+              <a:t>int</a:t>
+            </a:r>
+            <a:r>
+              <a:rPr lang="en-US" dirty="0"/>
+              <a:t> id;</a:t>
+            </a:r>
+          </a:p>
+          <a:p>
+            <a:pPr lvl="1"/>
+            <a:r>
+              <a:rPr lang="en-US" dirty="0"/>
+              <a:t>String name, author, publisher;</a:t>
+            </a:r>
+          </a:p>
+          <a:p>
+            <a:pPr lvl="1"/>
+            <a:r>
+              <a:rPr lang="en-US" dirty="0" err="1"/>
+              <a:t>int</a:t>
+            </a:r>
+            <a:r>
+              <a:rPr lang="en-US" dirty="0"/>
+              <a:t> quantity;</a:t>
+            </a:r>
+          </a:p>
+          <a:p>
+            <a:endParaRPr lang="en-US" dirty="0"/>
+          </a:p>
+          <a:p>
+            <a:r>
+              <a:rPr lang="en-US" b="1" dirty="0">
+                <a:solidFill>
+                  <a:srgbClr val="00B050"/>
+                </a:solidFill>
+              </a:rPr>
+              <a:t>public A(</a:t>
+            </a:r>
+            <a:r>
+              <a:rPr lang="en-US" b="1" dirty="0" err="1">
+                <a:solidFill>
+                  <a:srgbClr val="00B050"/>
+                </a:solidFill>
+              </a:rPr>
+              <a:t>int</a:t>
+            </a:r>
+            <a:r>
+              <a:rPr lang="en-US" b="1" dirty="0">
+                <a:solidFill>
+                  <a:srgbClr val="00B050"/>
+                </a:solidFill>
+              </a:rPr>
+              <a:t> id, String name, String author, String publisher, </a:t>
+            </a:r>
+            <a:r>
+              <a:rPr lang="en-US" b="1" dirty="0" err="1">
+                <a:solidFill>
+                  <a:srgbClr val="00B050"/>
+                </a:solidFill>
+              </a:rPr>
+              <a:t>int</a:t>
+            </a:r>
+            <a:r>
+              <a:rPr lang="en-US" b="1" dirty="0">
+                <a:solidFill>
+                  <a:srgbClr val="00B050"/>
+                </a:solidFill>
+              </a:rPr>
+              <a:t> quantity) {</a:t>
+            </a:r>
+          </a:p>
+          <a:p>
+            <a:pPr lvl="1"/>
+            <a:r>
+              <a:rPr lang="en-US" dirty="0" err="1"/>
+              <a:t>this.id</a:t>
+            </a:r>
+            <a:r>
+              <a:rPr lang="en-US" dirty="0"/>
+              <a:t> = id;</a:t>
+            </a:r>
+          </a:p>
+          <a:p>
+            <a:pPr lvl="1"/>
+            <a:r>
+              <a:rPr lang="en-US" dirty="0" err="1"/>
+              <a:t>this.name</a:t>
+            </a:r>
+            <a:r>
+              <a:rPr lang="en-US" dirty="0"/>
+              <a:t> = name;</a:t>
+            </a:r>
+          </a:p>
+          <a:p>
+            <a:pPr lvl="1"/>
+            <a:r>
+              <a:rPr lang="en-US" dirty="0" err="1"/>
+              <a:t>this.author</a:t>
+            </a:r>
+            <a:r>
+              <a:rPr lang="en-US" dirty="0"/>
+              <a:t> = author;</a:t>
+            </a:r>
+          </a:p>
+          <a:p>
+            <a:pPr lvl="1"/>
+            <a:r>
+              <a:rPr lang="en-US" dirty="0" err="1"/>
+              <a:t>this.publisher</a:t>
+            </a:r>
+            <a:r>
+              <a:rPr lang="en-US" dirty="0"/>
+              <a:t> = publisher;</a:t>
+            </a:r>
+          </a:p>
+          <a:p>
+            <a:pPr lvl="1"/>
+            <a:r>
+              <a:rPr lang="en-US" dirty="0" err="1"/>
+              <a:t>this.quantity</a:t>
+            </a:r>
+            <a:r>
+              <a:rPr lang="en-US" dirty="0"/>
+              <a:t> = quantity;</a:t>
+            </a:r>
+          </a:p>
+          <a:p>
+            <a:r>
+              <a:rPr lang="en-US" dirty="0"/>
+              <a:t>}</a:t>
+            </a:r>
+          </a:p>
+          <a:p>
+            <a:r>
+              <a:rPr lang="en-US" dirty="0"/>
+              <a:t>}</a:t>
+            </a:r>
+          </a:p>
+          <a:p>
+            <a:endParaRPr lang="en-US" dirty="0"/>
+          </a:p>
+        </p:txBody>
+      </p:sp>
+    </p:spTree>
+    <p:extLst>
+      <p:ext uri="{BB962C8B-B14F-4D97-AF65-F5344CB8AC3E}">
+        <p14:creationId xmlns:p14="http://schemas.microsoft.com/office/powerpoint/2010/main" val="1460648327"/>
+      </p:ext>
+    </p:extLst>
+  </p:cSld>
+  <p:clrMapOvr>
+    <a:masterClrMapping/>
+  </p:clrMapOvr>
+</p:sld>
+</file>
+
+<file path=ppt/slides/slide54.xml><?xml version="1.0" encoding="utf-8"?>
+<p:sld xmlns:a="http://schemas.openxmlformats.org/drawingml/2006/main" xmlns:r="http://schemas.openxmlformats.org/officeDocument/2006/relationships" xmlns:p="http://schemas.openxmlformats.org/presentationml/2006/main">
+  <p:cSld>
+    <p:spTree>
+      <p:nvGrpSpPr>
+        <p:cNvPr id="1" name=""/>
+        <p:cNvGrpSpPr/>
+        <p:nvPr/>
+      </p:nvGrpSpPr>
+      <p:grpSpPr>
+        <a:xfrm>
+          <a:off x="0" y="0"/>
+          <a:ext cx="0" cy="0"/>
+          <a:chOff x="0" y="0"/>
+          <a:chExt cx="0" cy="0"/>
+        </a:xfrm>
+      </p:grpSpPr>
+      <p:sp>
+        <p:nvSpPr>
+          <p:cNvPr id="4" name="TextBox 3"/>
+          <p:cNvSpPr txBox="1"/>
+          <p:nvPr/>
+        </p:nvSpPr>
+        <p:spPr>
+          <a:xfrm>
+            <a:off x="1133856" y="304800"/>
+            <a:ext cx="8680966" cy="6740307"/>
+          </a:xfrm>
+          <a:prstGeom prst="rect">
+            <a:avLst/>
+          </a:prstGeom>
+          <a:noFill/>
+        </p:spPr>
+        <p:txBody>
+          <a:bodyPr wrap="none" rtlCol="0">
+            <a:spAutoFit/>
+          </a:bodyPr>
+          <a:lstStyle/>
+          <a:p>
+            <a:r>
+              <a:rPr lang="en-US" dirty="0" smtClean="0"/>
+              <a:t>import </a:t>
+            </a:r>
+            <a:r>
+              <a:rPr lang="en-US" dirty="0" err="1"/>
+              <a:t>java.util.HashMap</a:t>
+            </a:r>
+            <a:r>
+              <a:rPr lang="en-US" dirty="0"/>
+              <a:t>;</a:t>
+            </a:r>
+          </a:p>
+          <a:p>
+            <a:r>
+              <a:rPr lang="en-US" dirty="0"/>
+              <a:t>import </a:t>
+            </a:r>
+            <a:r>
+              <a:rPr lang="en-US" dirty="0" err="1"/>
+              <a:t>java.util.Map</a:t>
+            </a:r>
+            <a:r>
+              <a:rPr lang="en-US" dirty="0"/>
+              <a:t>;</a:t>
+            </a:r>
+          </a:p>
+          <a:p>
+            <a:r>
+              <a:rPr lang="en-US" dirty="0" smtClean="0"/>
+              <a:t>public </a:t>
+            </a:r>
+            <a:r>
+              <a:rPr lang="en-US" dirty="0"/>
+              <a:t>class </a:t>
+            </a:r>
+            <a:r>
+              <a:rPr lang="en-US" dirty="0" err="1"/>
+              <a:t>MapExample</a:t>
+            </a:r>
+            <a:r>
+              <a:rPr lang="en-US" dirty="0"/>
+              <a:t> {</a:t>
+            </a:r>
+          </a:p>
+          <a:p>
+            <a:r>
+              <a:rPr lang="en-US" b="1" dirty="0" smtClean="0">
+                <a:solidFill>
+                  <a:srgbClr val="00B050"/>
+                </a:solidFill>
+              </a:rPr>
+              <a:t>public </a:t>
+            </a:r>
+            <a:r>
+              <a:rPr lang="en-US" b="1" dirty="0">
+                <a:solidFill>
+                  <a:srgbClr val="00B050"/>
+                </a:solidFill>
+              </a:rPr>
+              <a:t>static void main(String[] </a:t>
+            </a:r>
+            <a:r>
+              <a:rPr lang="en-US" b="1" dirty="0" err="1">
+                <a:solidFill>
+                  <a:srgbClr val="00B050"/>
+                </a:solidFill>
+              </a:rPr>
+              <a:t>args</a:t>
+            </a:r>
+            <a:r>
+              <a:rPr lang="en-US" b="1" dirty="0">
+                <a:solidFill>
+                  <a:srgbClr val="00B050"/>
+                </a:solidFill>
+              </a:rPr>
+              <a:t>) {   </a:t>
+            </a:r>
+            <a:r>
+              <a:rPr lang="en-US" dirty="0"/>
+              <a:t> </a:t>
+            </a:r>
+          </a:p>
+          <a:p>
+            <a:pPr lvl="1"/>
+            <a:r>
+              <a:rPr lang="en-US" dirty="0"/>
+              <a:t>    //Creating map of A    </a:t>
+            </a:r>
+          </a:p>
+          <a:p>
+            <a:pPr lvl="1"/>
+            <a:r>
+              <a:rPr lang="en-US" dirty="0"/>
+              <a:t>    Map&lt;</a:t>
+            </a:r>
+            <a:r>
+              <a:rPr lang="en-US" dirty="0" err="1"/>
+              <a:t>Integer,A</a:t>
+            </a:r>
+            <a:r>
+              <a:rPr lang="en-US" dirty="0"/>
+              <a:t>&gt; map=new </a:t>
+            </a:r>
+            <a:r>
+              <a:rPr lang="en-US" dirty="0" err="1"/>
+              <a:t>HashMap</a:t>
+            </a:r>
+            <a:r>
+              <a:rPr lang="en-US" dirty="0"/>
+              <a:t>&lt;</a:t>
+            </a:r>
+            <a:r>
+              <a:rPr lang="en-US" dirty="0" err="1"/>
+              <a:t>Integer,A</a:t>
+            </a:r>
+            <a:r>
+              <a:rPr lang="en-US" dirty="0"/>
+              <a:t>&gt;();    </a:t>
+            </a:r>
+          </a:p>
+          <a:p>
+            <a:pPr lvl="1"/>
+            <a:r>
+              <a:rPr lang="en-US" dirty="0"/>
+              <a:t>    //Creating A    </a:t>
+            </a:r>
+          </a:p>
+          <a:p>
+            <a:pPr lvl="1"/>
+            <a:r>
+              <a:rPr lang="en-US" dirty="0"/>
+              <a:t>    A b1=new A(101,"Test1","AAA","BPB",8);    </a:t>
+            </a:r>
+          </a:p>
+          <a:p>
+            <a:pPr lvl="1"/>
+            <a:r>
+              <a:rPr lang="en-US" dirty="0"/>
+              <a:t>    A b2=new A(102,"Test2","BBB","yes",4);    </a:t>
+            </a:r>
+          </a:p>
+          <a:p>
+            <a:pPr lvl="1"/>
+            <a:r>
+              <a:rPr lang="en-US" dirty="0"/>
+              <a:t>    A b3=new A(103,"Test3","CCC","Wiley",6);    </a:t>
+            </a:r>
+          </a:p>
+          <a:p>
+            <a:pPr lvl="1"/>
+            <a:r>
+              <a:rPr lang="en-US" dirty="0"/>
+              <a:t>    //Adding A to map   </a:t>
+            </a:r>
+          </a:p>
+          <a:p>
+            <a:pPr lvl="1"/>
+            <a:r>
+              <a:rPr lang="en-US" dirty="0"/>
+              <a:t>    </a:t>
+            </a:r>
+            <a:r>
+              <a:rPr lang="en-US" dirty="0" err="1"/>
+              <a:t>map.put</a:t>
+            </a:r>
+            <a:r>
+              <a:rPr lang="en-US" dirty="0"/>
+              <a:t>(1,b1);  </a:t>
+            </a:r>
+          </a:p>
+          <a:p>
+            <a:pPr lvl="1"/>
+            <a:r>
+              <a:rPr lang="en-US" dirty="0"/>
+              <a:t>    </a:t>
+            </a:r>
+            <a:r>
+              <a:rPr lang="en-US" dirty="0" err="1"/>
+              <a:t>map.put</a:t>
+            </a:r>
+            <a:r>
+              <a:rPr lang="en-US" dirty="0"/>
+              <a:t>(2,b2);  </a:t>
+            </a:r>
+          </a:p>
+          <a:p>
+            <a:pPr lvl="1"/>
+            <a:r>
+              <a:rPr lang="en-US" dirty="0"/>
+              <a:t>    </a:t>
+            </a:r>
+            <a:r>
+              <a:rPr lang="en-US" dirty="0" err="1"/>
+              <a:t>map.put</a:t>
+            </a:r>
+            <a:r>
+              <a:rPr lang="en-US" dirty="0"/>
+              <a:t>(3,b3);  </a:t>
+            </a:r>
+          </a:p>
+          <a:p>
+            <a:pPr lvl="1"/>
+            <a:r>
+              <a:rPr lang="en-US" dirty="0"/>
+              <a:t>     </a:t>
+            </a:r>
+          </a:p>
+          <a:p>
+            <a:r>
+              <a:rPr lang="en-US" b="1" dirty="0">
+                <a:solidFill>
+                  <a:srgbClr val="7030A0"/>
+                </a:solidFill>
+              </a:rPr>
+              <a:t>    //Traversing map  </a:t>
+            </a:r>
+          </a:p>
+          <a:p>
+            <a:r>
+              <a:rPr lang="en-US" b="1" dirty="0"/>
+              <a:t>    for(</a:t>
+            </a:r>
+            <a:r>
+              <a:rPr lang="en-US" b="1" dirty="0" err="1"/>
+              <a:t>Map.Entry</a:t>
+            </a:r>
+            <a:r>
+              <a:rPr lang="en-US" b="1" dirty="0"/>
+              <a:t>&lt;Integer, A&gt; </a:t>
+            </a:r>
+            <a:r>
+              <a:rPr lang="en-US" b="1" dirty="0" err="1"/>
+              <a:t>entry:map.entrySet</a:t>
+            </a:r>
+            <a:r>
+              <a:rPr lang="en-US" b="1" dirty="0"/>
+              <a:t>()){    </a:t>
+            </a:r>
+          </a:p>
+          <a:p>
+            <a:r>
+              <a:rPr lang="en-US" b="1" dirty="0"/>
+              <a:t>        </a:t>
+            </a:r>
+            <a:r>
+              <a:rPr lang="en-US" b="1" dirty="0" err="1"/>
+              <a:t>int</a:t>
+            </a:r>
+            <a:r>
+              <a:rPr lang="en-US" b="1" dirty="0"/>
+              <a:t> key=</a:t>
+            </a:r>
+            <a:r>
+              <a:rPr lang="en-US" b="1" dirty="0" err="1"/>
+              <a:t>entry.getKey</a:t>
+            </a:r>
+            <a:r>
+              <a:rPr lang="en-US" b="1" dirty="0"/>
+              <a:t>();  </a:t>
+            </a:r>
+          </a:p>
+          <a:p>
+            <a:r>
+              <a:rPr lang="en-US" b="1" dirty="0"/>
+              <a:t>        A b=</a:t>
+            </a:r>
+            <a:r>
+              <a:rPr lang="en-US" b="1" dirty="0" err="1"/>
+              <a:t>entry.getValue</a:t>
+            </a:r>
+            <a:r>
+              <a:rPr lang="en-US" b="1" dirty="0"/>
+              <a:t>();  </a:t>
+            </a:r>
+          </a:p>
+          <a:p>
+            <a:r>
+              <a:rPr lang="en-US" b="1" dirty="0"/>
+              <a:t>        </a:t>
+            </a:r>
+            <a:r>
+              <a:rPr lang="en-US" b="1" dirty="0" err="1"/>
+              <a:t>System.out.println</a:t>
+            </a:r>
+            <a:r>
+              <a:rPr lang="en-US" b="1" dirty="0"/>
+              <a:t>(key+" Details:");  </a:t>
+            </a:r>
+          </a:p>
+          <a:p>
+            <a:r>
+              <a:rPr lang="en-US" b="1" dirty="0"/>
+              <a:t>        </a:t>
+            </a:r>
+            <a:r>
+              <a:rPr lang="en-US" b="1" dirty="0" err="1"/>
+              <a:t>System.out.println</a:t>
+            </a:r>
+            <a:r>
+              <a:rPr lang="en-US" b="1" dirty="0"/>
+              <a:t>(</a:t>
+            </a:r>
+            <a:r>
+              <a:rPr lang="en-US" b="1" dirty="0" err="1"/>
+              <a:t>b.id</a:t>
+            </a:r>
+            <a:r>
+              <a:rPr lang="en-US" b="1" dirty="0"/>
+              <a:t>+" "+</a:t>
+            </a:r>
+            <a:r>
+              <a:rPr lang="en-US" b="1" dirty="0" err="1"/>
+              <a:t>b.name</a:t>
+            </a:r>
+            <a:r>
+              <a:rPr lang="en-US" b="1" dirty="0"/>
+              <a:t>+" "+</a:t>
+            </a:r>
+            <a:r>
+              <a:rPr lang="en-US" b="1" dirty="0" err="1"/>
+              <a:t>b.author</a:t>
+            </a:r>
+            <a:r>
+              <a:rPr lang="en-US" b="1" dirty="0"/>
+              <a:t>+" "+</a:t>
+            </a:r>
+            <a:r>
+              <a:rPr lang="en-US" b="1" dirty="0" err="1"/>
+              <a:t>b.publisher</a:t>
+            </a:r>
+            <a:r>
+              <a:rPr lang="en-US" b="1" dirty="0"/>
+              <a:t>+" "+</a:t>
+            </a:r>
+            <a:r>
+              <a:rPr lang="en-US" b="1" dirty="0" err="1"/>
+              <a:t>b.quantity</a:t>
+            </a:r>
+            <a:r>
+              <a:rPr lang="en-US" b="1" dirty="0"/>
+              <a:t>);   </a:t>
+            </a:r>
+          </a:p>
+          <a:p>
+            <a:r>
+              <a:rPr lang="en-US" b="1" dirty="0"/>
+              <a:t>    }    </a:t>
+            </a:r>
+          </a:p>
+          <a:p>
+            <a:r>
+              <a:rPr lang="en-US" dirty="0"/>
+              <a:t>}  </a:t>
+            </a:r>
+            <a:r>
+              <a:rPr lang="en-US" dirty="0" smtClean="0"/>
+              <a:t>}</a:t>
+            </a:r>
+            <a:endParaRPr lang="en-US" dirty="0"/>
+          </a:p>
+          <a:p>
+            <a:endParaRPr lang="en-US" dirty="0"/>
+          </a:p>
+        </p:txBody>
+      </p:sp>
+      <p:sp>
+        <p:nvSpPr>
+          <p:cNvPr id="5" name="TextBox 4"/>
+          <p:cNvSpPr txBox="1"/>
+          <p:nvPr/>
+        </p:nvSpPr>
+        <p:spPr>
+          <a:xfrm>
+            <a:off x="7656576" y="2255520"/>
+            <a:ext cx="2252283" cy="2308324"/>
+          </a:xfrm>
+          <a:prstGeom prst="rect">
+            <a:avLst/>
+          </a:prstGeom>
+          <a:noFill/>
+        </p:spPr>
+        <p:txBody>
+          <a:bodyPr wrap="none" rtlCol="0">
+            <a:spAutoFit/>
+          </a:bodyPr>
+          <a:lstStyle/>
+          <a:p>
+            <a:r>
+              <a:rPr lang="en-US" b="1" dirty="0" smtClean="0"/>
+              <a:t>Output:</a:t>
+            </a:r>
+            <a:endParaRPr lang="en-US" dirty="0"/>
+          </a:p>
+          <a:p>
+            <a:r>
+              <a:rPr lang="en-US" dirty="0"/>
+              <a:t>1 Details:</a:t>
+            </a:r>
+          </a:p>
+          <a:p>
+            <a:r>
+              <a:rPr lang="en-US" dirty="0"/>
+              <a:t>101 Test1 AAA BPB 8</a:t>
+            </a:r>
+          </a:p>
+          <a:p>
+            <a:r>
+              <a:rPr lang="en-US" dirty="0"/>
+              <a:t>2 Details:</a:t>
+            </a:r>
+          </a:p>
+          <a:p>
+            <a:r>
+              <a:rPr lang="en-US" dirty="0"/>
+              <a:t>102 Test2 BBB yes 4</a:t>
+            </a:r>
+          </a:p>
+          <a:p>
+            <a:r>
+              <a:rPr lang="en-US" dirty="0"/>
+              <a:t>3 Details:</a:t>
+            </a:r>
+          </a:p>
+          <a:p>
+            <a:r>
+              <a:rPr lang="en-US" dirty="0"/>
+              <a:t>103 Test3 CCC Wiley 6</a:t>
+            </a:r>
+          </a:p>
+          <a:p>
+            <a:endParaRPr lang="en-US" dirty="0"/>
+          </a:p>
+        </p:txBody>
+      </p:sp>
+    </p:spTree>
+    <p:extLst>
+      <p:ext uri="{BB962C8B-B14F-4D97-AF65-F5344CB8AC3E}">
+        <p14:creationId xmlns:p14="http://schemas.microsoft.com/office/powerpoint/2010/main" val="13951732"/>
+      </p:ext>
+    </p:extLst>
+  </p:cSld>
+  <p:clrMapOvr>
+    <a:masterClrMapping/>
+  </p:clrMapOvr>
+</p:sld>
+</file>
+
+<file path=ppt/slides/slide55.xml><?xml version="1.0" encoding="utf-8"?>
+<p:sld xmlns:a="http://schemas.openxmlformats.org/drawingml/2006/main" xmlns:r="http://schemas.openxmlformats.org/officeDocument/2006/relationships" xmlns:p="http://schemas.openxmlformats.org/presentationml/2006/main">
+  <p:cSld>
+    <p:spTree>
+      <p:nvGrpSpPr>
+        <p:cNvPr id="1" name=""/>
+        <p:cNvGrpSpPr/>
+        <p:nvPr/>
+      </p:nvGrpSpPr>
+      <p:grpSpPr>
+        <a:xfrm>
+          <a:off x="0" y="0"/>
+          <a:ext cx="0" cy="0"/>
+          <a:chOff x="0" y="0"/>
+          <a:chExt cx="0" cy="0"/>
+        </a:xfrm>
+      </p:grpSpPr>
+      <p:sp>
+        <p:nvSpPr>
+          <p:cNvPr id="4" name="TextBox 3"/>
+          <p:cNvSpPr txBox="1"/>
+          <p:nvPr/>
+        </p:nvSpPr>
+        <p:spPr>
+          <a:xfrm>
+            <a:off x="475488" y="353568"/>
+            <a:ext cx="7660880" cy="369332"/>
+          </a:xfrm>
+          <a:prstGeom prst="rect">
+            <a:avLst/>
+          </a:prstGeom>
+          <a:noFill/>
+        </p:spPr>
+        <p:txBody>
+          <a:bodyPr wrap="none" rtlCol="0">
+            <a:spAutoFit/>
+          </a:bodyPr>
+          <a:lstStyle/>
+          <a:p>
+            <a:r>
+              <a:rPr lang="en-US" dirty="0"/>
+              <a:t>The </a:t>
+            </a:r>
+            <a:r>
+              <a:rPr lang="en-US" b="1" dirty="0" err="1"/>
+              <a:t>keySet</a:t>
+            </a:r>
+            <a:r>
+              <a:rPr lang="en-US" b="1" dirty="0"/>
+              <a:t>()</a:t>
+            </a:r>
+            <a:r>
+              <a:rPr lang="en-US" dirty="0"/>
+              <a:t> method is used to get a Set view of the keys contained in this map.</a:t>
+            </a:r>
+            <a:endParaRPr lang="en-US" dirty="0"/>
+          </a:p>
+        </p:txBody>
+      </p:sp>
+      <p:sp>
+        <p:nvSpPr>
+          <p:cNvPr id="5" name="TextBox 4"/>
+          <p:cNvSpPr txBox="1"/>
+          <p:nvPr/>
+        </p:nvSpPr>
+        <p:spPr>
+          <a:xfrm>
+            <a:off x="633984" y="1011936"/>
+            <a:ext cx="5825826" cy="5909310"/>
+          </a:xfrm>
+          <a:prstGeom prst="rect">
+            <a:avLst/>
+          </a:prstGeom>
+          <a:noFill/>
+        </p:spPr>
+        <p:txBody>
+          <a:bodyPr wrap="none" rtlCol="0">
+            <a:spAutoFit/>
+          </a:bodyPr>
+          <a:lstStyle/>
+          <a:p>
+            <a:r>
+              <a:rPr lang="en-US" dirty="0"/>
+              <a:t>import </a:t>
+            </a:r>
+            <a:r>
+              <a:rPr lang="en-US" dirty="0" err="1"/>
+              <a:t>java.util.HashMap</a:t>
+            </a:r>
+            <a:r>
+              <a:rPr lang="en-US" dirty="0"/>
+              <a:t>;</a:t>
+            </a:r>
+          </a:p>
+          <a:p>
+            <a:r>
+              <a:rPr lang="en-US" dirty="0"/>
+              <a:t>import </a:t>
+            </a:r>
+            <a:r>
+              <a:rPr lang="en-US" dirty="0" err="1"/>
+              <a:t>java.util.Set</a:t>
+            </a:r>
+            <a:r>
+              <a:rPr lang="en-US" dirty="0"/>
+              <a:t>;</a:t>
+            </a:r>
+          </a:p>
+          <a:p>
+            <a:endParaRPr lang="en-US" dirty="0"/>
+          </a:p>
+          <a:p>
+            <a:r>
+              <a:rPr lang="en-US" b="1" dirty="0">
+                <a:solidFill>
+                  <a:srgbClr val="7030A0"/>
+                </a:solidFill>
+              </a:rPr>
+              <a:t>public class </a:t>
+            </a:r>
+            <a:r>
+              <a:rPr lang="en-US" b="1" dirty="0" err="1">
+                <a:solidFill>
+                  <a:srgbClr val="7030A0"/>
+                </a:solidFill>
+              </a:rPr>
+              <a:t>EntrySetDemo</a:t>
+            </a:r>
+            <a:r>
+              <a:rPr lang="en-US" b="1" dirty="0">
+                <a:solidFill>
+                  <a:srgbClr val="7030A0"/>
+                </a:solidFill>
+              </a:rPr>
+              <a:t> {</a:t>
+            </a:r>
+          </a:p>
+          <a:p>
+            <a:pPr lvl="1"/>
+            <a:r>
+              <a:rPr lang="en-US" b="1" dirty="0">
+                <a:solidFill>
+                  <a:srgbClr val="00B050"/>
+                </a:solidFill>
+              </a:rPr>
+              <a:t>public static void main(String </a:t>
+            </a:r>
+            <a:r>
+              <a:rPr lang="en-US" b="1" dirty="0" err="1">
+                <a:solidFill>
+                  <a:srgbClr val="00B050"/>
+                </a:solidFill>
+              </a:rPr>
+              <a:t>args</a:t>
+            </a:r>
+            <a:r>
+              <a:rPr lang="en-US" b="1" dirty="0">
+                <a:solidFill>
+                  <a:srgbClr val="00B050"/>
+                </a:solidFill>
+              </a:rPr>
+              <a:t>[]) {</a:t>
+            </a:r>
+          </a:p>
+          <a:p>
+            <a:pPr lvl="2"/>
+            <a:r>
+              <a:rPr lang="en-US" dirty="0"/>
+              <a:t>// create hash map</a:t>
+            </a:r>
+          </a:p>
+          <a:p>
+            <a:pPr lvl="2"/>
+            <a:r>
+              <a:rPr lang="en-US" u="sng" dirty="0" err="1"/>
+              <a:t>HashMap</a:t>
+            </a:r>
+            <a:r>
+              <a:rPr lang="en-US" dirty="0"/>
+              <a:t> </a:t>
+            </a:r>
+            <a:r>
+              <a:rPr lang="en-US" dirty="0" err="1"/>
+              <a:t>newmap</a:t>
+            </a:r>
+            <a:r>
+              <a:rPr lang="en-US" dirty="0"/>
+              <a:t> = new </a:t>
+            </a:r>
+            <a:r>
+              <a:rPr lang="en-US" u="sng" dirty="0" err="1"/>
+              <a:t>HashMap</a:t>
+            </a:r>
+            <a:r>
+              <a:rPr lang="en-US" dirty="0"/>
+              <a:t>();</a:t>
+            </a:r>
+          </a:p>
+          <a:p>
+            <a:pPr lvl="2"/>
+            <a:r>
+              <a:rPr lang="en-US" dirty="0"/>
+              <a:t/>
+            </a:r>
+            <a:br>
+              <a:rPr lang="en-US" dirty="0"/>
+            </a:br>
+            <a:r>
+              <a:rPr lang="en-US" dirty="0" smtClean="0"/>
+              <a:t>// </a:t>
+            </a:r>
+            <a:r>
+              <a:rPr lang="en-US" dirty="0"/>
+              <a:t>populate hash map</a:t>
+            </a:r>
+          </a:p>
+          <a:p>
+            <a:pPr lvl="2"/>
+            <a:r>
+              <a:rPr lang="en-US" u="sng" dirty="0" err="1"/>
+              <a:t>newmap.put</a:t>
+            </a:r>
+            <a:r>
+              <a:rPr lang="en-US" u="sng" dirty="0"/>
+              <a:t>(1, "Test1")</a:t>
+            </a:r>
+            <a:r>
+              <a:rPr lang="en-US" dirty="0"/>
+              <a:t>;</a:t>
+            </a:r>
+          </a:p>
+          <a:p>
+            <a:pPr lvl="2"/>
+            <a:r>
+              <a:rPr lang="en-US" u="sng" dirty="0" err="1"/>
+              <a:t>newmap.put</a:t>
+            </a:r>
+            <a:r>
+              <a:rPr lang="en-US" u="sng" dirty="0"/>
+              <a:t>(2, "Test2")</a:t>
+            </a:r>
+            <a:r>
+              <a:rPr lang="en-US" dirty="0"/>
+              <a:t>;</a:t>
+            </a:r>
+          </a:p>
+          <a:p>
+            <a:pPr lvl="2"/>
+            <a:r>
+              <a:rPr lang="en-US" u="sng" dirty="0" err="1"/>
+              <a:t>newmap.put</a:t>
+            </a:r>
+            <a:r>
+              <a:rPr lang="en-US" u="sng" dirty="0"/>
+              <a:t>(3, "is best")</a:t>
+            </a:r>
+            <a:r>
+              <a:rPr lang="en-US" dirty="0"/>
+              <a:t>;</a:t>
+            </a:r>
+          </a:p>
+          <a:p>
+            <a:pPr lvl="2"/>
+            <a:endParaRPr lang="en-US" dirty="0"/>
+          </a:p>
+          <a:p>
+            <a:pPr lvl="2"/>
+            <a:r>
+              <a:rPr lang="en-US" dirty="0"/>
+              <a:t>// get </a:t>
+            </a:r>
+            <a:r>
+              <a:rPr lang="en-US" u="sng" dirty="0"/>
+              <a:t>keyset</a:t>
+            </a:r>
+            <a:r>
+              <a:rPr lang="en-US" dirty="0"/>
+              <a:t> value from map</a:t>
+            </a:r>
+          </a:p>
+          <a:p>
+            <a:pPr lvl="2"/>
+            <a:r>
+              <a:rPr lang="en-US" u="sng" dirty="0"/>
+              <a:t>Set</a:t>
+            </a:r>
+            <a:r>
+              <a:rPr lang="en-US" dirty="0"/>
+              <a:t> keyset = </a:t>
+            </a:r>
+            <a:r>
+              <a:rPr lang="en-US" dirty="0" err="1"/>
+              <a:t>newmap.keySet</a:t>
+            </a:r>
+            <a:r>
+              <a:rPr lang="en-US" dirty="0"/>
+              <a:t>();</a:t>
+            </a:r>
+          </a:p>
+          <a:p>
+            <a:pPr lvl="2"/>
+            <a:endParaRPr lang="en-US" dirty="0"/>
+          </a:p>
+          <a:p>
+            <a:pPr lvl="2"/>
+            <a:r>
+              <a:rPr lang="en-US" dirty="0"/>
+              <a:t>// check key set values</a:t>
+            </a:r>
+          </a:p>
+          <a:p>
+            <a:pPr lvl="2"/>
+            <a:r>
+              <a:rPr lang="en-US" dirty="0" err="1"/>
+              <a:t>System.out.println</a:t>
+            </a:r>
+            <a:r>
+              <a:rPr lang="en-US" dirty="0"/>
+              <a:t>("Key set values are: " + keyset);</a:t>
+            </a:r>
+          </a:p>
+          <a:p>
+            <a:pPr lvl="2"/>
+            <a:r>
+              <a:rPr lang="en-US" dirty="0"/>
+              <a:t>}</a:t>
+            </a:r>
+          </a:p>
+          <a:p>
+            <a:r>
+              <a:rPr lang="en-US" dirty="0"/>
+              <a:t>}</a:t>
+            </a:r>
+          </a:p>
+          <a:p>
+            <a:endParaRPr lang="en-US" dirty="0"/>
+          </a:p>
+        </p:txBody>
+      </p:sp>
+      <p:sp>
+        <p:nvSpPr>
+          <p:cNvPr id="6" name="TextBox 5"/>
+          <p:cNvSpPr txBox="1"/>
+          <p:nvPr/>
+        </p:nvSpPr>
+        <p:spPr>
+          <a:xfrm>
+            <a:off x="6864096" y="1914144"/>
+            <a:ext cx="2682016" cy="923330"/>
+          </a:xfrm>
+          <a:prstGeom prst="rect">
+            <a:avLst/>
+          </a:prstGeom>
+          <a:noFill/>
+        </p:spPr>
+        <p:txBody>
+          <a:bodyPr wrap="none" rtlCol="0">
+            <a:spAutoFit/>
+          </a:bodyPr>
+          <a:lstStyle/>
+          <a:p>
+            <a:r>
+              <a:rPr lang="en-US" b="1" dirty="0" smtClean="0"/>
+              <a:t>Output</a:t>
+            </a:r>
+          </a:p>
+          <a:p>
+            <a:r>
+              <a:rPr lang="en-US" dirty="0"/>
+              <a:t>Key set values are: [1, 2, 3]</a:t>
+            </a:r>
+          </a:p>
+          <a:p>
+            <a:endParaRPr lang="en-US" dirty="0"/>
+          </a:p>
+        </p:txBody>
+      </p:sp>
+    </p:spTree>
+    <p:extLst>
+      <p:ext uri="{BB962C8B-B14F-4D97-AF65-F5344CB8AC3E}">
+        <p14:creationId xmlns:p14="http://schemas.microsoft.com/office/powerpoint/2010/main" val="1651542531"/>
+      </p:ext>
+    </p:extLst>
+  </p:cSld>
+  <p:clrMapOvr>
+    <a:masterClrMapping/>
+  </p:clrMapOvr>
+</p:sld>
+</file>
+
+<file path=ppt/slides/slide56.xml><?xml version="1.0" encoding="utf-8"?>
+<p:sld xmlns:a="http://schemas.openxmlformats.org/drawingml/2006/main" xmlns:r="http://schemas.openxmlformats.org/officeDocument/2006/relationships" xmlns:p="http://schemas.openxmlformats.org/presentationml/2006/main">
+  <p:cSld>
+    <p:spTree>
+      <p:nvGrpSpPr>
+        <p:cNvPr id="1" name=""/>
+        <p:cNvGrpSpPr/>
+        <p:nvPr/>
+      </p:nvGrpSpPr>
+      <p:grpSpPr>
+        <a:xfrm>
+          <a:off x="0" y="0"/>
+          <a:ext cx="0" cy="0"/>
+          <a:chOff x="0" y="0"/>
+          <a:chExt cx="0" cy="0"/>
+        </a:xfrm>
+      </p:grpSpPr>
+      <p:sp>
+        <p:nvSpPr>
+          <p:cNvPr id="4" name="TextBox 3"/>
+          <p:cNvSpPr txBox="1"/>
+          <p:nvPr/>
+        </p:nvSpPr>
+        <p:spPr>
+          <a:xfrm>
+            <a:off x="621792" y="219456"/>
+            <a:ext cx="10997184" cy="2031325"/>
+          </a:xfrm>
+          <a:prstGeom prst="rect">
+            <a:avLst/>
+          </a:prstGeom>
+          <a:noFill/>
+        </p:spPr>
+        <p:txBody>
+          <a:bodyPr wrap="square" rtlCol="0">
+            <a:spAutoFit/>
+          </a:bodyPr>
+          <a:lstStyle/>
+          <a:p>
+            <a:r>
+              <a:rPr lang="en-US" b="1" dirty="0"/>
+              <a:t>Java Stack</a:t>
+            </a:r>
+          </a:p>
+          <a:p>
+            <a:r>
+              <a:rPr lang="en-US" dirty="0"/>
+              <a:t>Java Stack is LIFO object. It extends Vector class, but supports only five operations. Java Stack class has only one constructor which is empty or default constructor. So, when we create a Stack, initially it contains no items that means Stack is empty.</a:t>
+            </a:r>
+          </a:p>
+          <a:p>
+            <a:r>
+              <a:rPr lang="en-US" dirty="0"/>
+              <a:t>Stack internally has a pointer: TOP, which refers to the top of the Stack element. If Stack is empty, TOP refers to the before first element location. If Stack is not empty, TOP refers to the top element.</a:t>
+            </a:r>
+          </a:p>
+          <a:p>
+            <a:endParaRPr lang="en-US" dirty="0"/>
+          </a:p>
+        </p:txBody>
+      </p:sp>
+      <p:sp>
+        <p:nvSpPr>
+          <p:cNvPr id="5" name="TextBox 4"/>
+          <p:cNvSpPr txBox="1"/>
+          <p:nvPr/>
+        </p:nvSpPr>
+        <p:spPr>
+          <a:xfrm>
+            <a:off x="621792" y="2294810"/>
+            <a:ext cx="9956508" cy="2308324"/>
+          </a:xfrm>
+          <a:prstGeom prst="rect">
+            <a:avLst/>
+          </a:prstGeom>
+          <a:noFill/>
+        </p:spPr>
+        <p:txBody>
+          <a:bodyPr wrap="none" rtlCol="0">
+            <a:spAutoFit/>
+          </a:bodyPr>
+          <a:lstStyle/>
+          <a:p>
+            <a:r>
+              <a:rPr lang="en-US" b="1" dirty="0"/>
+              <a:t>Java Stack Methods</a:t>
+            </a:r>
+          </a:p>
+          <a:p>
+            <a:r>
+              <a:rPr lang="en-US" dirty="0"/>
+              <a:t>Java Stack extends Vector class with the following five operations only.</a:t>
+            </a:r>
+          </a:p>
+          <a:p>
+            <a:r>
+              <a:rPr lang="en-US" dirty="0" err="1"/>
+              <a:t>boolean</a:t>
+            </a:r>
+            <a:r>
+              <a:rPr lang="en-US" dirty="0"/>
+              <a:t> empty(): Tests if this stack is empty.</a:t>
+            </a:r>
+          </a:p>
+          <a:p>
+            <a:r>
+              <a:rPr lang="en-US" dirty="0"/>
+              <a:t>E peek(): Looks at the object at the top of this stack without removing it from the stack.</a:t>
+            </a:r>
+          </a:p>
+          <a:p>
+            <a:r>
+              <a:rPr lang="en-US" dirty="0"/>
+              <a:t>E pop() : Removes the object at the top of this stack and returns that object as the value of this function.</a:t>
+            </a:r>
+          </a:p>
+          <a:p>
+            <a:r>
+              <a:rPr lang="en-US" dirty="0"/>
+              <a:t>E push(E item) : Pushes an item onto the top of this stack.</a:t>
+            </a:r>
+          </a:p>
+          <a:p>
+            <a:r>
+              <a:rPr lang="en-US" dirty="0" err="1"/>
+              <a:t>int</a:t>
+            </a:r>
+            <a:r>
+              <a:rPr lang="en-US" dirty="0"/>
+              <a:t> search(Object o) : Returns the 1-based position where an object is on this stack.</a:t>
+            </a:r>
+          </a:p>
+          <a:p>
+            <a:endParaRPr lang="en-US" dirty="0"/>
+          </a:p>
+        </p:txBody>
+      </p:sp>
+    </p:spTree>
+    <p:extLst>
+      <p:ext uri="{BB962C8B-B14F-4D97-AF65-F5344CB8AC3E}">
+        <p14:creationId xmlns:p14="http://schemas.microsoft.com/office/powerpoint/2010/main" val="1325989524"/>
+      </p:ext>
+    </p:extLst>
+  </p:cSld>
+  <p:clrMapOvr>
+    <a:masterClrMapping/>
+  </p:clrMapOvr>
+</p:sld>
+</file>
+
+<file path=ppt/slides/slide57.xml><?xml version="1.0" encoding="utf-8"?>
+<p:sld xmlns:a="http://schemas.openxmlformats.org/drawingml/2006/main" xmlns:r="http://schemas.openxmlformats.org/officeDocument/2006/relationships" xmlns:p="http://schemas.openxmlformats.org/presentationml/2006/main">
+  <p:cSld>
+    <p:spTree>
+      <p:nvGrpSpPr>
+        <p:cNvPr id="1" name=""/>
+        <p:cNvGrpSpPr/>
+        <p:nvPr/>
+      </p:nvGrpSpPr>
+      <p:grpSpPr>
+        <a:xfrm>
+          <a:off x="0" y="0"/>
+          <a:ext cx="0" cy="0"/>
+          <a:chOff x="0" y="0"/>
+          <a:chExt cx="0" cy="0"/>
+        </a:xfrm>
+      </p:grpSpPr>
+      <p:sp>
+        <p:nvSpPr>
+          <p:cNvPr id="4" name="TextBox 3"/>
+          <p:cNvSpPr txBox="1"/>
+          <p:nvPr/>
+        </p:nvSpPr>
+        <p:spPr>
+          <a:xfrm>
+            <a:off x="377952" y="182880"/>
+            <a:ext cx="8432629" cy="5909310"/>
+          </a:xfrm>
+          <a:prstGeom prst="rect">
+            <a:avLst/>
+          </a:prstGeom>
+          <a:noFill/>
+        </p:spPr>
+        <p:txBody>
+          <a:bodyPr wrap="none" rtlCol="0">
+            <a:spAutoFit/>
+          </a:bodyPr>
+          <a:lstStyle/>
+          <a:p>
+            <a:r>
+              <a:rPr lang="en-US" dirty="0"/>
+              <a:t>import </a:t>
+            </a:r>
+            <a:r>
+              <a:rPr lang="en-US" dirty="0" err="1"/>
+              <a:t>java.util.Stack</a:t>
+            </a:r>
+            <a:r>
+              <a:rPr lang="en-US" dirty="0"/>
+              <a:t>;</a:t>
+            </a:r>
+          </a:p>
+          <a:p>
+            <a:r>
+              <a:rPr lang="en-US" b="1" dirty="0" smtClean="0">
+                <a:solidFill>
+                  <a:srgbClr val="7030A0"/>
+                </a:solidFill>
+              </a:rPr>
+              <a:t>public </a:t>
+            </a:r>
+            <a:r>
+              <a:rPr lang="en-US" b="1" dirty="0">
+                <a:solidFill>
+                  <a:srgbClr val="7030A0"/>
+                </a:solidFill>
+              </a:rPr>
+              <a:t>class </a:t>
+            </a:r>
+            <a:r>
+              <a:rPr lang="en-US" b="1" dirty="0" err="1">
+                <a:solidFill>
+                  <a:srgbClr val="7030A0"/>
+                </a:solidFill>
+              </a:rPr>
+              <a:t>StackBasicExample</a:t>
+            </a:r>
+            <a:r>
+              <a:rPr lang="en-US" b="1" dirty="0">
+                <a:solidFill>
+                  <a:srgbClr val="7030A0"/>
+                </a:solidFill>
+              </a:rPr>
+              <a:t> {</a:t>
+            </a:r>
+          </a:p>
+          <a:p>
+            <a:endParaRPr lang="en-US" dirty="0"/>
+          </a:p>
+          <a:p>
+            <a:r>
+              <a:rPr lang="en-US" b="1" dirty="0">
+                <a:solidFill>
+                  <a:srgbClr val="00B050"/>
+                </a:solidFill>
+              </a:rPr>
+              <a:t>  public static void main(String a[]){</a:t>
+            </a:r>
+          </a:p>
+          <a:p>
+            <a:r>
+              <a:rPr lang="en-US" dirty="0"/>
+              <a:t>        Stack&lt;Integer&gt; stack = new Stack&lt;&gt;();</a:t>
+            </a:r>
+          </a:p>
+          <a:p>
+            <a:r>
+              <a:rPr lang="en-US" dirty="0"/>
+              <a:t>        </a:t>
+            </a:r>
+            <a:r>
+              <a:rPr lang="en-US" dirty="0" err="1"/>
+              <a:t>System.out.println</a:t>
+            </a:r>
+            <a:r>
+              <a:rPr lang="en-US" dirty="0"/>
+              <a:t>("Empty stack : "  + stack);</a:t>
+            </a:r>
+          </a:p>
+          <a:p>
+            <a:r>
+              <a:rPr lang="en-US" dirty="0"/>
+              <a:t>        </a:t>
+            </a:r>
+            <a:r>
+              <a:rPr lang="en-US" dirty="0" err="1"/>
+              <a:t>System.out.println</a:t>
+            </a:r>
+            <a:r>
+              <a:rPr lang="en-US" dirty="0"/>
+              <a:t>("Empty stack : "  + </a:t>
+            </a:r>
+            <a:r>
+              <a:rPr lang="en-US" dirty="0" err="1"/>
+              <a:t>stack.isEmpty</a:t>
+            </a:r>
+            <a:r>
+              <a:rPr lang="en-US" dirty="0"/>
+              <a:t>());</a:t>
+            </a:r>
+          </a:p>
+          <a:p>
+            <a:r>
+              <a:rPr lang="en-US" b="1" dirty="0">
+                <a:solidFill>
+                  <a:schemeClr val="accent2"/>
+                </a:solidFill>
+              </a:rPr>
+              <a:t>        // Exception in thread "main" </a:t>
+            </a:r>
+            <a:r>
+              <a:rPr lang="en-US" b="1" dirty="0" err="1">
+                <a:solidFill>
+                  <a:schemeClr val="accent2"/>
+                </a:solidFill>
+              </a:rPr>
+              <a:t>java.util.EmptyStackException</a:t>
+            </a:r>
+            <a:endParaRPr lang="en-US" b="1" dirty="0">
+              <a:solidFill>
+                <a:schemeClr val="accent2"/>
+              </a:solidFill>
+            </a:endParaRPr>
+          </a:p>
+          <a:p>
+            <a:r>
+              <a:rPr lang="en-US" b="1" dirty="0">
+                <a:solidFill>
+                  <a:schemeClr val="accent2"/>
+                </a:solidFill>
+              </a:rPr>
+              <a:t>        // </a:t>
+            </a:r>
+            <a:r>
+              <a:rPr lang="en-US" b="1" dirty="0" err="1">
+                <a:solidFill>
+                  <a:schemeClr val="accent2"/>
+                </a:solidFill>
+              </a:rPr>
+              <a:t>System.out.println</a:t>
+            </a:r>
+            <a:r>
+              <a:rPr lang="en-US" b="1" dirty="0">
+                <a:solidFill>
+                  <a:schemeClr val="accent2"/>
+                </a:solidFill>
+              </a:rPr>
+              <a:t>("Empty stack : Pop Operation : "  + </a:t>
+            </a:r>
+            <a:r>
+              <a:rPr lang="en-US" b="1" dirty="0" err="1">
+                <a:solidFill>
+                  <a:schemeClr val="accent2"/>
+                </a:solidFill>
+              </a:rPr>
+              <a:t>stack.pop</a:t>
+            </a:r>
+            <a:r>
+              <a:rPr lang="en-US" b="1" dirty="0">
+                <a:solidFill>
+                  <a:schemeClr val="accent2"/>
+                </a:solidFill>
+              </a:rPr>
+              <a:t>());</a:t>
+            </a:r>
+          </a:p>
+          <a:p>
+            <a:r>
+              <a:rPr lang="en-US" dirty="0"/>
+              <a:t>        </a:t>
+            </a:r>
+            <a:r>
+              <a:rPr lang="en-US" dirty="0" err="1"/>
+              <a:t>stack.push</a:t>
+            </a:r>
+            <a:r>
+              <a:rPr lang="en-US" dirty="0"/>
+              <a:t>(1001);</a:t>
+            </a:r>
+          </a:p>
+          <a:p>
+            <a:r>
+              <a:rPr lang="en-US" dirty="0"/>
+              <a:t>        </a:t>
+            </a:r>
+            <a:r>
+              <a:rPr lang="en-US" dirty="0" err="1"/>
+              <a:t>stack.push</a:t>
+            </a:r>
+            <a:r>
+              <a:rPr lang="en-US" dirty="0"/>
+              <a:t>(1002);</a:t>
+            </a:r>
+          </a:p>
+          <a:p>
+            <a:r>
+              <a:rPr lang="en-US" dirty="0"/>
+              <a:t>        </a:t>
+            </a:r>
+            <a:r>
+              <a:rPr lang="en-US" dirty="0" err="1"/>
+              <a:t>stack.push</a:t>
+            </a:r>
+            <a:r>
+              <a:rPr lang="en-US" dirty="0"/>
+              <a:t>(1003);</a:t>
+            </a:r>
+          </a:p>
+          <a:p>
+            <a:r>
+              <a:rPr lang="en-US" dirty="0"/>
+              <a:t>        </a:t>
+            </a:r>
+            <a:r>
+              <a:rPr lang="en-US" dirty="0" err="1"/>
+              <a:t>stack.push</a:t>
+            </a:r>
+            <a:r>
+              <a:rPr lang="en-US" dirty="0"/>
+              <a:t>(1004);</a:t>
+            </a:r>
+          </a:p>
+          <a:p>
+            <a:r>
+              <a:rPr lang="en-US" dirty="0"/>
+              <a:t>        </a:t>
+            </a:r>
+            <a:r>
+              <a:rPr lang="en-US" dirty="0" err="1"/>
+              <a:t>System.out.println</a:t>
+            </a:r>
+            <a:r>
+              <a:rPr lang="en-US" dirty="0"/>
+              <a:t>("Non-Empty stack : "  + stack);</a:t>
+            </a:r>
+          </a:p>
+          <a:p>
+            <a:r>
+              <a:rPr lang="en-US" dirty="0"/>
+              <a:t>        </a:t>
+            </a:r>
+            <a:r>
+              <a:rPr lang="en-US" dirty="0" err="1"/>
+              <a:t>System.out.println</a:t>
+            </a:r>
+            <a:r>
+              <a:rPr lang="en-US" dirty="0"/>
+              <a:t>("Non-Empty stack: Pop Operation : "  + </a:t>
+            </a:r>
+            <a:r>
+              <a:rPr lang="en-US" dirty="0" err="1"/>
+              <a:t>stack.pop</a:t>
+            </a:r>
+            <a:r>
+              <a:rPr lang="en-US" dirty="0"/>
+              <a:t>());</a:t>
+            </a:r>
+          </a:p>
+          <a:p>
+            <a:r>
+              <a:rPr lang="en-US" dirty="0"/>
+              <a:t>        </a:t>
+            </a:r>
+            <a:r>
+              <a:rPr lang="en-US" dirty="0" err="1"/>
+              <a:t>System.out.println</a:t>
+            </a:r>
+            <a:r>
+              <a:rPr lang="en-US" dirty="0"/>
+              <a:t>("Non-Empty stack : After Pop Operation : "  + stack);</a:t>
+            </a:r>
+          </a:p>
+          <a:p>
+            <a:r>
+              <a:rPr lang="en-US" dirty="0"/>
+              <a:t>        </a:t>
+            </a:r>
+            <a:r>
+              <a:rPr lang="en-US" dirty="0" err="1"/>
+              <a:t>System.out.println</a:t>
+            </a:r>
+            <a:r>
+              <a:rPr lang="en-US" dirty="0"/>
+              <a:t>("Non-Empty stack : search() Operation : "  + </a:t>
+            </a:r>
+            <a:r>
+              <a:rPr lang="en-US" dirty="0" err="1"/>
+              <a:t>stack.search</a:t>
+            </a:r>
+            <a:r>
+              <a:rPr lang="en-US" dirty="0"/>
+              <a:t>(1002));</a:t>
+            </a:r>
+          </a:p>
+          <a:p>
+            <a:r>
+              <a:rPr lang="en-US" dirty="0"/>
+              <a:t>        </a:t>
+            </a:r>
+            <a:r>
+              <a:rPr lang="en-US" dirty="0" err="1"/>
+              <a:t>System.out.println</a:t>
+            </a:r>
+            <a:r>
+              <a:rPr lang="en-US" dirty="0"/>
+              <a:t>("Non-Empty stack : "  + </a:t>
+            </a:r>
+            <a:r>
+              <a:rPr lang="en-US" dirty="0" err="1"/>
+              <a:t>stack.isEmpty</a:t>
+            </a:r>
+            <a:r>
+              <a:rPr lang="en-US" dirty="0"/>
+              <a:t>());</a:t>
+            </a:r>
+          </a:p>
+          <a:p>
+            <a:r>
+              <a:rPr lang="en-US" dirty="0"/>
+              <a:t>    }</a:t>
+            </a:r>
+          </a:p>
+          <a:p>
+            <a:r>
+              <a:rPr lang="en-US" dirty="0"/>
+              <a:t>}</a:t>
+            </a:r>
+          </a:p>
+          <a:p>
+            <a:endParaRPr lang="en-US" dirty="0"/>
+          </a:p>
+        </p:txBody>
+      </p:sp>
+      <p:sp>
+        <p:nvSpPr>
+          <p:cNvPr id="5" name="TextBox 4"/>
+          <p:cNvSpPr txBox="1"/>
+          <p:nvPr/>
+        </p:nvSpPr>
+        <p:spPr>
+          <a:xfrm>
+            <a:off x="6534912" y="0"/>
+            <a:ext cx="5760936" cy="2585323"/>
+          </a:xfrm>
+          <a:prstGeom prst="rect">
+            <a:avLst/>
+          </a:prstGeom>
+          <a:noFill/>
+        </p:spPr>
+        <p:txBody>
+          <a:bodyPr wrap="none" rtlCol="0">
+            <a:spAutoFit/>
+          </a:bodyPr>
+          <a:lstStyle/>
+          <a:p>
+            <a:r>
+              <a:rPr lang="en-US" b="1" dirty="0" smtClean="0"/>
+              <a:t>Output:</a:t>
+            </a:r>
+          </a:p>
+          <a:p>
+            <a:r>
+              <a:rPr lang="en-US" dirty="0" smtClean="0"/>
+              <a:t>Empty </a:t>
+            </a:r>
+            <a:r>
+              <a:rPr lang="en-US" dirty="0"/>
+              <a:t>stack : []</a:t>
+            </a:r>
+          </a:p>
+          <a:p>
+            <a:r>
+              <a:rPr lang="en-US" dirty="0"/>
+              <a:t>Empty stack : true</a:t>
+            </a:r>
+          </a:p>
+          <a:p>
+            <a:r>
+              <a:rPr lang="en-US" dirty="0"/>
+              <a:t>Non-Empty stack : [1001, 1002, 1003, 1004]</a:t>
+            </a:r>
+          </a:p>
+          <a:p>
+            <a:r>
+              <a:rPr lang="en-US" dirty="0"/>
+              <a:t>Non-Empty stack: Pop Operation : 1004</a:t>
+            </a:r>
+          </a:p>
+          <a:p>
+            <a:r>
+              <a:rPr lang="en-US" dirty="0"/>
+              <a:t>Non-Empty stack : After Pop Operation : [1001, 1002, 1003]</a:t>
+            </a:r>
+          </a:p>
+          <a:p>
+            <a:r>
+              <a:rPr lang="en-US" dirty="0"/>
+              <a:t>Non-Empty stack : search() Operation : 2</a:t>
+            </a:r>
+          </a:p>
+          <a:p>
+            <a:r>
+              <a:rPr lang="en-US" dirty="0"/>
+              <a:t>Non-Empty stack : false</a:t>
+            </a:r>
+          </a:p>
+          <a:p>
+            <a:endParaRPr lang="en-US" dirty="0"/>
+          </a:p>
+        </p:txBody>
+      </p:sp>
+    </p:spTree>
+    <p:extLst>
+      <p:ext uri="{BB962C8B-B14F-4D97-AF65-F5344CB8AC3E}">
+        <p14:creationId xmlns:p14="http://schemas.microsoft.com/office/powerpoint/2010/main" val="188913813"/>
+      </p:ext>
+    </p:extLst>
+  </p:cSld>
+  <p:clrMapOvr>
+    <a:masterClrMapping/>
+  </p:clrMapOvr>
+</p:sld>
+</file>
+
+<file path=ppt/slides/slide58.xml><?xml version="1.0" encoding="utf-8"?>
+<p:sld xmlns:a="http://schemas.openxmlformats.org/drawingml/2006/main" xmlns:r="http://schemas.openxmlformats.org/officeDocument/2006/relationships" xmlns:p="http://schemas.openxmlformats.org/presentationml/2006/main">
+  <p:cSld>
+    <p:spTree>
+      <p:nvGrpSpPr>
+        <p:cNvPr id="1" name=""/>
+        <p:cNvGrpSpPr/>
+        <p:nvPr/>
+      </p:nvGrpSpPr>
+      <p:grpSpPr>
+        <a:xfrm>
+          <a:off x="0" y="0"/>
+          <a:ext cx="0" cy="0"/>
+          <a:chOff x="0" y="0"/>
+          <a:chExt cx="0" cy="0"/>
+        </a:xfrm>
+      </p:grpSpPr>
+      <p:sp>
+        <p:nvSpPr>
+          <p:cNvPr id="4" name="TextBox 3"/>
+          <p:cNvSpPr txBox="1"/>
+          <p:nvPr/>
+        </p:nvSpPr>
+        <p:spPr>
+          <a:xfrm>
+            <a:off x="707136" y="341376"/>
+            <a:ext cx="10460736" cy="1200329"/>
+          </a:xfrm>
+          <a:prstGeom prst="rect">
+            <a:avLst/>
+          </a:prstGeom>
+          <a:noFill/>
+        </p:spPr>
+        <p:txBody>
+          <a:bodyPr wrap="square" rtlCol="0">
+            <a:spAutoFit/>
+          </a:bodyPr>
+          <a:lstStyle/>
+          <a:p>
+            <a:r>
+              <a:rPr lang="en-US" b="1" dirty="0"/>
+              <a:t>Java Queue Interface</a:t>
+            </a:r>
+          </a:p>
+          <a:p>
+            <a:pPr lvl="1"/>
+            <a:r>
+              <a:rPr lang="en-US" dirty="0"/>
+              <a:t>Java Queue interface orders the element in FIFO(First In First Out) manner. In FIFO, first element is removed first and last element is removed at last.</a:t>
+            </a:r>
+          </a:p>
+          <a:p>
+            <a:endParaRPr lang="en-US" dirty="0"/>
+          </a:p>
+        </p:txBody>
+      </p:sp>
+      <p:graphicFrame>
+        <p:nvGraphicFramePr>
+          <p:cNvPr id="6" name="Table 5"/>
+          <p:cNvGraphicFramePr>
+            <a:graphicFrameLocks noGrp="1"/>
+          </p:cNvGraphicFramePr>
+          <p:nvPr>
+            <p:extLst>
+              <p:ext uri="{D42A27DB-BD31-4B8C-83A1-F6EECF244321}">
+                <p14:modId xmlns:p14="http://schemas.microsoft.com/office/powerpoint/2010/main" val="698953704"/>
+              </p:ext>
+            </p:extLst>
+          </p:nvPr>
+        </p:nvGraphicFramePr>
+        <p:xfrm>
+          <a:off x="707136" y="1541705"/>
+          <a:ext cx="8215558" cy="4852416"/>
+        </p:xfrm>
+        <a:graphic>
+          <a:graphicData uri="http://schemas.openxmlformats.org/drawingml/2006/table">
+            <a:tbl>
+              <a:tblPr/>
+              <a:tblGrid>
+                <a:gridCol w="4107779"/>
+                <a:gridCol w="4107779"/>
+              </a:tblGrid>
+              <a:tr h="279685">
+                <a:tc>
+                  <a:txBody>
+                    <a:bodyPr/>
+                    <a:lstStyle/>
+                    <a:p>
+                      <a:pPr algn="l" fontAlgn="t"/>
+                      <a:r>
+                        <a:rPr lang="en-US" sz="1200">
+                          <a:solidFill>
+                            <a:srgbClr val="000000"/>
+                          </a:solidFill>
+                          <a:effectLst/>
+                          <a:latin typeface="times new roman" charset="0"/>
+                        </a:rPr>
+                        <a:t>Method</a:t>
+                      </a:r>
+                    </a:p>
+                  </a:txBody>
+                  <a:tcPr marL="45138" marR="45138" marT="45138" marB="45138">
+                    <a:lnL w="6350" cap="flat" cmpd="sng" algn="ctr">
+                      <a:solidFill>
+                        <a:srgbClr val="C02992"/>
+                      </a:solidFill>
+                      <a:prstDash val="solid"/>
+                      <a:round/>
+                      <a:headEnd type="none" w="med" len="med"/>
+                      <a:tailEnd type="none" w="med" len="med"/>
+                    </a:lnL>
+                    <a:lnR w="6350" cap="flat" cmpd="sng" algn="ctr">
+                      <a:solidFill>
+                        <a:srgbClr val="C02992"/>
+                      </a:solidFill>
+                      <a:prstDash val="solid"/>
+                      <a:round/>
+                      <a:headEnd type="none" w="med" len="med"/>
+                      <a:tailEnd type="none" w="med" len="med"/>
+                    </a:lnR>
+                    <a:lnT w="6350" cap="flat" cmpd="sng" algn="ctr">
+                      <a:solidFill>
+                        <a:srgbClr val="C02992"/>
+                      </a:solidFill>
+                      <a:prstDash val="solid"/>
+                      <a:round/>
+                      <a:headEnd type="none" w="med" len="med"/>
+                      <a:tailEnd type="none" w="med" len="med"/>
+                    </a:lnT>
+                    <a:lnB w="6350" cap="flat" cmpd="sng" algn="ctr">
+                      <a:solidFill>
+                        <a:srgbClr val="C7CCBE"/>
+                      </a:solidFill>
+                      <a:prstDash val="solid"/>
+                      <a:round/>
+                      <a:headEnd type="none" w="med" len="med"/>
+                      <a:tailEnd type="none" w="med" len="med"/>
+                    </a:lnB>
+                    <a:solidFill>
+                      <a:schemeClr val="bg1"/>
+                    </a:solidFill>
+                  </a:tcPr>
+                </a:tc>
+                <a:tc>
+                  <a:txBody>
+                    <a:bodyPr/>
+                    <a:lstStyle/>
+                    <a:p>
+                      <a:pPr algn="l" fontAlgn="t"/>
+                      <a:r>
+                        <a:rPr lang="en-US" sz="1200">
+                          <a:solidFill>
+                            <a:srgbClr val="000000"/>
+                          </a:solidFill>
+                          <a:effectLst/>
+                          <a:latin typeface="times new roman" charset="0"/>
+                        </a:rPr>
+                        <a:t>Description</a:t>
+                      </a:r>
+                    </a:p>
+                  </a:txBody>
+                  <a:tcPr marL="45138" marR="45138" marT="45138" marB="45138">
+                    <a:lnL w="6350" cap="flat" cmpd="sng" algn="ctr">
+                      <a:solidFill>
+                        <a:srgbClr val="C02992"/>
+                      </a:solidFill>
+                      <a:prstDash val="solid"/>
+                      <a:round/>
+                      <a:headEnd type="none" w="med" len="med"/>
+                      <a:tailEnd type="none" w="med" len="med"/>
+                    </a:lnL>
+                    <a:lnR w="6350" cap="flat" cmpd="sng" algn="ctr">
+                      <a:solidFill>
+                        <a:srgbClr val="C02992"/>
+                      </a:solidFill>
+                      <a:prstDash val="solid"/>
+                      <a:round/>
+                      <a:headEnd type="none" w="med" len="med"/>
+                      <a:tailEnd type="none" w="med" len="med"/>
+                    </a:lnR>
+                    <a:lnT w="6350" cap="flat" cmpd="sng" algn="ctr">
+                      <a:solidFill>
+                        <a:srgbClr val="C02992"/>
+                      </a:solidFill>
+                      <a:prstDash val="solid"/>
+                      <a:round/>
+                      <a:headEnd type="none" w="med" len="med"/>
+                      <a:tailEnd type="none" w="med" len="med"/>
+                    </a:lnT>
+                    <a:lnB w="6350" cap="flat" cmpd="sng" algn="ctr">
+                      <a:solidFill>
+                        <a:srgbClr val="C7CCBE"/>
+                      </a:solidFill>
+                      <a:prstDash val="solid"/>
+                      <a:round/>
+                      <a:headEnd type="none" w="med" len="med"/>
+                      <a:tailEnd type="none" w="med" len="med"/>
+                    </a:lnB>
+                    <a:solidFill>
+                      <a:schemeClr val="bg1"/>
+                    </a:solidFill>
+                  </a:tcPr>
+                </a:tc>
+              </a:tr>
+              <a:tr h="792420">
+                <a:tc>
+                  <a:txBody>
+                    <a:bodyPr/>
+                    <a:lstStyle/>
+                    <a:p>
+                      <a:pPr algn="just" fontAlgn="t"/>
+                      <a:r>
+                        <a:rPr lang="en-US" sz="1200" b="0" i="0">
+                          <a:solidFill>
+                            <a:srgbClr val="000000"/>
+                          </a:solidFill>
+                          <a:effectLst/>
+                          <a:latin typeface="verdana" charset="0"/>
+                        </a:rPr>
+                        <a:t>boolean add(object)</a:t>
+                      </a:r>
+                    </a:p>
+                  </a:txBody>
+                  <a:tcPr marL="30092" marR="30092" marT="30092" marB="30092">
+                    <a:lnL w="6350" cap="flat" cmpd="sng" algn="ctr">
+                      <a:solidFill>
+                        <a:srgbClr val="C7CCBE"/>
+                      </a:solidFill>
+                      <a:prstDash val="solid"/>
+                      <a:round/>
+                      <a:headEnd type="none" w="med" len="med"/>
+                      <a:tailEnd type="none" w="med" len="med"/>
+                    </a:lnL>
+                    <a:lnR w="6350" cap="flat" cmpd="sng" algn="ctr">
+                      <a:solidFill>
+                        <a:srgbClr val="C7CCBE"/>
+                      </a:solidFill>
+                      <a:prstDash val="solid"/>
+                      <a:round/>
+                      <a:headEnd type="none" w="med" len="med"/>
+                      <a:tailEnd type="none" w="med" len="med"/>
+                    </a:lnR>
+                    <a:lnT w="6350" cap="flat" cmpd="sng" algn="ctr">
+                      <a:solidFill>
+                        <a:srgbClr val="C7CCBE"/>
+                      </a:solidFill>
+                      <a:prstDash val="solid"/>
+                      <a:round/>
+                      <a:headEnd type="none" w="med" len="med"/>
+                      <a:tailEnd type="none" w="med" len="med"/>
+                    </a:lnT>
+                    <a:lnB w="6350" cap="flat" cmpd="sng" algn="ctr">
+                      <a:solidFill>
+                        <a:srgbClr val="C7CCBE"/>
+                      </a:solidFill>
+                      <a:prstDash val="solid"/>
+                      <a:round/>
+                      <a:headEnd type="none" w="med" len="med"/>
+                      <a:tailEnd type="none" w="med" len="med"/>
+                    </a:lnB>
+                    <a:solidFill>
+                      <a:schemeClr val="bg1"/>
+                    </a:solidFill>
+                  </a:tcPr>
+                </a:tc>
+                <a:tc>
+                  <a:txBody>
+                    <a:bodyPr/>
+                    <a:lstStyle/>
+                    <a:p>
+                      <a:pPr algn="just" fontAlgn="t"/>
+                      <a:r>
+                        <a:rPr lang="en-US" sz="1200" b="0" i="0">
+                          <a:solidFill>
+                            <a:srgbClr val="000000"/>
+                          </a:solidFill>
+                          <a:effectLst/>
+                          <a:latin typeface="verdana" charset="0"/>
+                        </a:rPr>
+                        <a:t>It is used to insert the specified element into this queue and return true upon success.</a:t>
+                      </a:r>
+                    </a:p>
+                  </a:txBody>
+                  <a:tcPr marL="30092" marR="30092" marT="30092" marB="30092">
+                    <a:lnL w="6350" cap="flat" cmpd="sng" algn="ctr">
+                      <a:solidFill>
+                        <a:srgbClr val="C7CCBE"/>
+                      </a:solidFill>
+                      <a:prstDash val="solid"/>
+                      <a:round/>
+                      <a:headEnd type="none" w="med" len="med"/>
+                      <a:tailEnd type="none" w="med" len="med"/>
+                    </a:lnL>
+                    <a:lnR w="6350" cap="flat" cmpd="sng" algn="ctr">
+                      <a:solidFill>
+                        <a:srgbClr val="C7CCBE"/>
+                      </a:solidFill>
+                      <a:prstDash val="solid"/>
+                      <a:round/>
+                      <a:headEnd type="none" w="med" len="med"/>
+                      <a:tailEnd type="none" w="med" len="med"/>
+                    </a:lnR>
+                    <a:lnT w="6350" cap="flat" cmpd="sng" algn="ctr">
+                      <a:solidFill>
+                        <a:srgbClr val="C7CCBE"/>
+                      </a:solidFill>
+                      <a:prstDash val="solid"/>
+                      <a:round/>
+                      <a:headEnd type="none" w="med" len="med"/>
+                      <a:tailEnd type="none" w="med" len="med"/>
+                    </a:lnT>
+                    <a:lnB w="6350" cap="flat" cmpd="sng" algn="ctr">
+                      <a:solidFill>
+                        <a:srgbClr val="C7CCBE"/>
+                      </a:solidFill>
+                      <a:prstDash val="solid"/>
+                      <a:round/>
+                      <a:headEnd type="none" w="med" len="med"/>
+                      <a:tailEnd type="none" w="med" len="med"/>
+                    </a:lnB>
+                    <a:solidFill>
+                      <a:schemeClr val="bg1"/>
+                    </a:solidFill>
+                  </a:tcPr>
+                </a:tc>
+              </a:tr>
+              <a:tr h="610631">
+                <a:tc>
+                  <a:txBody>
+                    <a:bodyPr/>
+                    <a:lstStyle/>
+                    <a:p>
+                      <a:pPr algn="just" fontAlgn="t"/>
+                      <a:r>
+                        <a:rPr lang="en-US" sz="1200" b="0" i="0" dirty="0" err="1">
+                          <a:solidFill>
+                            <a:srgbClr val="000000"/>
+                          </a:solidFill>
+                          <a:effectLst/>
+                          <a:latin typeface="verdana" charset="0"/>
+                        </a:rPr>
+                        <a:t>boolean</a:t>
+                      </a:r>
+                      <a:r>
+                        <a:rPr lang="en-US" sz="1200" b="0" i="0" dirty="0">
+                          <a:solidFill>
+                            <a:srgbClr val="000000"/>
+                          </a:solidFill>
+                          <a:effectLst/>
+                          <a:latin typeface="verdana" charset="0"/>
+                        </a:rPr>
+                        <a:t> offer(object)</a:t>
+                      </a:r>
+                    </a:p>
+                  </a:txBody>
+                  <a:tcPr marL="30092" marR="30092" marT="30092" marB="30092">
+                    <a:lnL w="6350" cap="flat" cmpd="sng" algn="ctr">
+                      <a:solidFill>
+                        <a:srgbClr val="C7CCBE"/>
+                      </a:solidFill>
+                      <a:prstDash val="solid"/>
+                      <a:round/>
+                      <a:headEnd type="none" w="med" len="med"/>
+                      <a:tailEnd type="none" w="med" len="med"/>
+                    </a:lnL>
+                    <a:lnR w="6350" cap="flat" cmpd="sng" algn="ctr">
+                      <a:solidFill>
+                        <a:srgbClr val="C7CCBE"/>
+                      </a:solidFill>
+                      <a:prstDash val="solid"/>
+                      <a:round/>
+                      <a:headEnd type="none" w="med" len="med"/>
+                      <a:tailEnd type="none" w="med" len="med"/>
+                    </a:lnR>
+                    <a:lnT w="6350" cap="flat" cmpd="sng" algn="ctr">
+                      <a:solidFill>
+                        <a:srgbClr val="C7CCBE"/>
+                      </a:solidFill>
+                      <a:prstDash val="solid"/>
+                      <a:round/>
+                      <a:headEnd type="none" w="med" len="med"/>
+                      <a:tailEnd type="none" w="med" len="med"/>
+                    </a:lnT>
+                    <a:lnB w="6350" cap="flat" cmpd="sng" algn="ctr">
+                      <a:solidFill>
+                        <a:srgbClr val="C7CCBE"/>
+                      </a:solidFill>
+                      <a:prstDash val="solid"/>
+                      <a:round/>
+                      <a:headEnd type="none" w="med" len="med"/>
+                      <a:tailEnd type="none" w="med" len="med"/>
+                    </a:lnB>
+                    <a:solidFill>
+                      <a:schemeClr val="bg1"/>
+                    </a:solidFill>
+                  </a:tcPr>
+                </a:tc>
+                <a:tc>
+                  <a:txBody>
+                    <a:bodyPr/>
+                    <a:lstStyle/>
+                    <a:p>
+                      <a:pPr algn="just" fontAlgn="t"/>
+                      <a:r>
+                        <a:rPr lang="en-US" sz="1200" b="0" i="0">
+                          <a:solidFill>
+                            <a:srgbClr val="000000"/>
+                          </a:solidFill>
+                          <a:effectLst/>
+                          <a:latin typeface="verdana" charset="0"/>
+                        </a:rPr>
+                        <a:t>It is used to insert the specified element into this queue.</a:t>
+                      </a:r>
+                    </a:p>
+                  </a:txBody>
+                  <a:tcPr marL="30092" marR="30092" marT="30092" marB="30092">
+                    <a:lnL w="6350" cap="flat" cmpd="sng" algn="ctr">
+                      <a:solidFill>
+                        <a:srgbClr val="C7CCBE"/>
+                      </a:solidFill>
+                      <a:prstDash val="solid"/>
+                      <a:round/>
+                      <a:headEnd type="none" w="med" len="med"/>
+                      <a:tailEnd type="none" w="med" len="med"/>
+                    </a:lnL>
+                    <a:lnR w="6350" cap="flat" cmpd="sng" algn="ctr">
+                      <a:solidFill>
+                        <a:srgbClr val="C7CCBE"/>
+                      </a:solidFill>
+                      <a:prstDash val="solid"/>
+                      <a:round/>
+                      <a:headEnd type="none" w="med" len="med"/>
+                      <a:tailEnd type="none" w="med" len="med"/>
+                    </a:lnR>
+                    <a:lnT w="6350" cap="flat" cmpd="sng" algn="ctr">
+                      <a:solidFill>
+                        <a:srgbClr val="C7CCBE"/>
+                      </a:solidFill>
+                      <a:prstDash val="solid"/>
+                      <a:round/>
+                      <a:headEnd type="none" w="med" len="med"/>
+                      <a:tailEnd type="none" w="med" len="med"/>
+                    </a:lnT>
+                    <a:lnB w="6350" cap="flat" cmpd="sng" algn="ctr">
+                      <a:solidFill>
+                        <a:srgbClr val="C7CCBE"/>
+                      </a:solidFill>
+                      <a:prstDash val="solid"/>
+                      <a:round/>
+                      <a:headEnd type="none" w="med" len="med"/>
+                      <a:tailEnd type="none" w="med" len="med"/>
+                    </a:lnB>
+                    <a:solidFill>
+                      <a:schemeClr val="bg1"/>
+                    </a:solidFill>
+                  </a:tcPr>
+                </a:tc>
+              </a:tr>
+              <a:tr h="610631">
+                <a:tc>
+                  <a:txBody>
+                    <a:bodyPr/>
+                    <a:lstStyle/>
+                    <a:p>
+                      <a:pPr algn="just" fontAlgn="t"/>
+                      <a:r>
+                        <a:rPr lang="en-US" sz="1200" b="0" i="0">
+                          <a:solidFill>
+                            <a:srgbClr val="000000"/>
+                          </a:solidFill>
+                          <a:effectLst/>
+                          <a:latin typeface="verdana" charset="0"/>
+                        </a:rPr>
+                        <a:t>Object remove()</a:t>
+                      </a:r>
+                    </a:p>
+                  </a:txBody>
+                  <a:tcPr marL="30092" marR="30092" marT="30092" marB="30092">
+                    <a:lnL w="6350" cap="flat" cmpd="sng" algn="ctr">
+                      <a:solidFill>
+                        <a:srgbClr val="C7CCBE"/>
+                      </a:solidFill>
+                      <a:prstDash val="solid"/>
+                      <a:round/>
+                      <a:headEnd type="none" w="med" len="med"/>
+                      <a:tailEnd type="none" w="med" len="med"/>
+                    </a:lnL>
+                    <a:lnR w="6350" cap="flat" cmpd="sng" algn="ctr">
+                      <a:solidFill>
+                        <a:srgbClr val="C7CCBE"/>
+                      </a:solidFill>
+                      <a:prstDash val="solid"/>
+                      <a:round/>
+                      <a:headEnd type="none" w="med" len="med"/>
+                      <a:tailEnd type="none" w="med" len="med"/>
+                    </a:lnR>
+                    <a:lnT w="6350" cap="flat" cmpd="sng" algn="ctr">
+                      <a:solidFill>
+                        <a:srgbClr val="C7CCBE"/>
+                      </a:solidFill>
+                      <a:prstDash val="solid"/>
+                      <a:round/>
+                      <a:headEnd type="none" w="med" len="med"/>
+                      <a:tailEnd type="none" w="med" len="med"/>
+                    </a:lnT>
+                    <a:lnB w="6350" cap="flat" cmpd="sng" algn="ctr">
+                      <a:solidFill>
+                        <a:srgbClr val="C7CCBE"/>
+                      </a:solidFill>
+                      <a:prstDash val="solid"/>
+                      <a:round/>
+                      <a:headEnd type="none" w="med" len="med"/>
+                      <a:tailEnd type="none" w="med" len="med"/>
+                    </a:lnB>
+                    <a:solidFill>
+                      <a:schemeClr val="bg1"/>
+                    </a:solidFill>
+                  </a:tcPr>
+                </a:tc>
+                <a:tc>
+                  <a:txBody>
+                    <a:bodyPr/>
+                    <a:lstStyle/>
+                    <a:p>
+                      <a:pPr algn="just" fontAlgn="t"/>
+                      <a:r>
+                        <a:rPr lang="en-US" sz="1200" b="0" i="0">
+                          <a:solidFill>
+                            <a:srgbClr val="000000"/>
+                          </a:solidFill>
+                          <a:effectLst/>
+                          <a:latin typeface="verdana" charset="0"/>
+                        </a:rPr>
+                        <a:t>It is used to retrieves and removes the head of this queue.</a:t>
+                      </a:r>
+                    </a:p>
+                  </a:txBody>
+                  <a:tcPr marL="30092" marR="30092" marT="30092" marB="30092">
+                    <a:lnL w="6350" cap="flat" cmpd="sng" algn="ctr">
+                      <a:solidFill>
+                        <a:srgbClr val="C7CCBE"/>
+                      </a:solidFill>
+                      <a:prstDash val="solid"/>
+                      <a:round/>
+                      <a:headEnd type="none" w="med" len="med"/>
+                      <a:tailEnd type="none" w="med" len="med"/>
+                    </a:lnL>
+                    <a:lnR w="6350" cap="flat" cmpd="sng" algn="ctr">
+                      <a:solidFill>
+                        <a:srgbClr val="C7CCBE"/>
+                      </a:solidFill>
+                      <a:prstDash val="solid"/>
+                      <a:round/>
+                      <a:headEnd type="none" w="med" len="med"/>
+                      <a:tailEnd type="none" w="med" len="med"/>
+                    </a:lnR>
+                    <a:lnT w="6350" cap="flat" cmpd="sng" algn="ctr">
+                      <a:solidFill>
+                        <a:srgbClr val="C7CCBE"/>
+                      </a:solidFill>
+                      <a:prstDash val="solid"/>
+                      <a:round/>
+                      <a:headEnd type="none" w="med" len="med"/>
+                      <a:tailEnd type="none" w="med" len="med"/>
+                    </a:lnT>
+                    <a:lnB w="6350" cap="flat" cmpd="sng" algn="ctr">
+                      <a:solidFill>
+                        <a:srgbClr val="C7CCBE"/>
+                      </a:solidFill>
+                      <a:prstDash val="solid"/>
+                      <a:round/>
+                      <a:headEnd type="none" w="med" len="med"/>
+                      <a:tailEnd type="none" w="med" len="med"/>
+                    </a:lnB>
+                    <a:solidFill>
+                      <a:schemeClr val="bg1"/>
+                    </a:solidFill>
+                  </a:tcPr>
+                </a:tc>
+              </a:tr>
+              <a:tr h="974209">
+                <a:tc>
+                  <a:txBody>
+                    <a:bodyPr/>
+                    <a:lstStyle/>
+                    <a:p>
+                      <a:pPr algn="just" fontAlgn="t"/>
+                      <a:r>
+                        <a:rPr lang="en-US" sz="1200" b="0" i="0">
+                          <a:solidFill>
+                            <a:srgbClr val="000000"/>
+                          </a:solidFill>
+                          <a:effectLst/>
+                          <a:latin typeface="verdana" charset="0"/>
+                        </a:rPr>
+                        <a:t>Object poll()</a:t>
+                      </a:r>
+                    </a:p>
+                  </a:txBody>
+                  <a:tcPr marL="30092" marR="30092" marT="30092" marB="30092">
+                    <a:lnL w="6350" cap="flat" cmpd="sng" algn="ctr">
+                      <a:solidFill>
+                        <a:srgbClr val="C7CCBE"/>
+                      </a:solidFill>
+                      <a:prstDash val="solid"/>
+                      <a:round/>
+                      <a:headEnd type="none" w="med" len="med"/>
+                      <a:tailEnd type="none" w="med" len="med"/>
+                    </a:lnL>
+                    <a:lnR w="6350" cap="flat" cmpd="sng" algn="ctr">
+                      <a:solidFill>
+                        <a:srgbClr val="C7CCBE"/>
+                      </a:solidFill>
+                      <a:prstDash val="solid"/>
+                      <a:round/>
+                      <a:headEnd type="none" w="med" len="med"/>
+                      <a:tailEnd type="none" w="med" len="med"/>
+                    </a:lnR>
+                    <a:lnT w="6350" cap="flat" cmpd="sng" algn="ctr">
+                      <a:solidFill>
+                        <a:srgbClr val="C7CCBE"/>
+                      </a:solidFill>
+                      <a:prstDash val="solid"/>
+                      <a:round/>
+                      <a:headEnd type="none" w="med" len="med"/>
+                      <a:tailEnd type="none" w="med" len="med"/>
+                    </a:lnT>
+                    <a:lnB w="6350" cap="flat" cmpd="sng" algn="ctr">
+                      <a:solidFill>
+                        <a:srgbClr val="C7CCBE"/>
+                      </a:solidFill>
+                      <a:prstDash val="solid"/>
+                      <a:round/>
+                      <a:headEnd type="none" w="med" len="med"/>
+                      <a:tailEnd type="none" w="med" len="med"/>
+                    </a:lnB>
+                    <a:solidFill>
+                      <a:schemeClr val="bg1"/>
+                    </a:solidFill>
+                  </a:tcPr>
+                </a:tc>
+                <a:tc>
+                  <a:txBody>
+                    <a:bodyPr/>
+                    <a:lstStyle/>
+                    <a:p>
+                      <a:pPr algn="just" fontAlgn="t"/>
+                      <a:r>
+                        <a:rPr lang="en-US" sz="1200" b="0" i="0" dirty="0">
+                          <a:solidFill>
+                            <a:srgbClr val="000000"/>
+                          </a:solidFill>
+                          <a:effectLst/>
+                          <a:latin typeface="verdana" charset="0"/>
+                        </a:rPr>
+                        <a:t>It is used to retrieves and removes the head of this queue, or returns null if this queue is empty.</a:t>
+                      </a:r>
+                    </a:p>
+                  </a:txBody>
+                  <a:tcPr marL="30092" marR="30092" marT="30092" marB="30092">
+                    <a:lnL w="6350" cap="flat" cmpd="sng" algn="ctr">
+                      <a:solidFill>
+                        <a:srgbClr val="C7CCBE"/>
+                      </a:solidFill>
+                      <a:prstDash val="solid"/>
+                      <a:round/>
+                      <a:headEnd type="none" w="med" len="med"/>
+                      <a:tailEnd type="none" w="med" len="med"/>
+                    </a:lnL>
+                    <a:lnR w="6350" cap="flat" cmpd="sng" algn="ctr">
+                      <a:solidFill>
+                        <a:srgbClr val="C7CCBE"/>
+                      </a:solidFill>
+                      <a:prstDash val="solid"/>
+                      <a:round/>
+                      <a:headEnd type="none" w="med" len="med"/>
+                      <a:tailEnd type="none" w="med" len="med"/>
+                    </a:lnR>
+                    <a:lnT w="6350" cap="flat" cmpd="sng" algn="ctr">
+                      <a:solidFill>
+                        <a:srgbClr val="C7CCBE"/>
+                      </a:solidFill>
+                      <a:prstDash val="solid"/>
+                      <a:round/>
+                      <a:headEnd type="none" w="med" len="med"/>
+                      <a:tailEnd type="none" w="med" len="med"/>
+                    </a:lnT>
+                    <a:lnB w="6350" cap="flat" cmpd="sng" algn="ctr">
+                      <a:solidFill>
+                        <a:srgbClr val="C7CCBE"/>
+                      </a:solidFill>
+                      <a:prstDash val="solid"/>
+                      <a:round/>
+                      <a:headEnd type="none" w="med" len="med"/>
+                      <a:tailEnd type="none" w="med" len="med"/>
+                    </a:lnB>
+                    <a:solidFill>
+                      <a:schemeClr val="bg1"/>
+                    </a:solidFill>
+                  </a:tcPr>
+                </a:tc>
+              </a:tr>
+              <a:tr h="610631">
+                <a:tc>
+                  <a:txBody>
+                    <a:bodyPr/>
+                    <a:lstStyle/>
+                    <a:p>
+                      <a:pPr algn="just" fontAlgn="t"/>
+                      <a:r>
+                        <a:rPr lang="en-US" sz="1200" b="0" i="0">
+                          <a:solidFill>
+                            <a:srgbClr val="000000"/>
+                          </a:solidFill>
+                          <a:effectLst/>
+                          <a:latin typeface="verdana" charset="0"/>
+                        </a:rPr>
+                        <a:t>Object element()</a:t>
+                      </a:r>
+                    </a:p>
+                  </a:txBody>
+                  <a:tcPr marL="30092" marR="30092" marT="30092" marB="30092">
+                    <a:lnL w="6350" cap="flat" cmpd="sng" algn="ctr">
+                      <a:solidFill>
+                        <a:srgbClr val="C7CCBE"/>
+                      </a:solidFill>
+                      <a:prstDash val="solid"/>
+                      <a:round/>
+                      <a:headEnd type="none" w="med" len="med"/>
+                      <a:tailEnd type="none" w="med" len="med"/>
+                    </a:lnL>
+                    <a:lnR w="6350" cap="flat" cmpd="sng" algn="ctr">
+                      <a:solidFill>
+                        <a:srgbClr val="C7CCBE"/>
+                      </a:solidFill>
+                      <a:prstDash val="solid"/>
+                      <a:round/>
+                      <a:headEnd type="none" w="med" len="med"/>
+                      <a:tailEnd type="none" w="med" len="med"/>
+                    </a:lnR>
+                    <a:lnT w="6350" cap="flat" cmpd="sng" algn="ctr">
+                      <a:solidFill>
+                        <a:srgbClr val="C7CCBE"/>
+                      </a:solidFill>
+                      <a:prstDash val="solid"/>
+                      <a:round/>
+                      <a:headEnd type="none" w="med" len="med"/>
+                      <a:tailEnd type="none" w="med" len="med"/>
+                    </a:lnT>
+                    <a:lnB w="6350" cap="flat" cmpd="sng" algn="ctr">
+                      <a:solidFill>
+                        <a:srgbClr val="C7CCBE"/>
+                      </a:solidFill>
+                      <a:prstDash val="solid"/>
+                      <a:round/>
+                      <a:headEnd type="none" w="med" len="med"/>
+                      <a:tailEnd type="none" w="med" len="med"/>
+                    </a:lnB>
+                    <a:solidFill>
+                      <a:schemeClr val="bg1"/>
+                    </a:solidFill>
+                  </a:tcPr>
+                </a:tc>
+                <a:tc>
+                  <a:txBody>
+                    <a:bodyPr/>
+                    <a:lstStyle/>
+                    <a:p>
+                      <a:pPr algn="just" fontAlgn="t"/>
+                      <a:r>
+                        <a:rPr lang="en-US" sz="1200" b="0" i="0">
+                          <a:solidFill>
+                            <a:srgbClr val="000000"/>
+                          </a:solidFill>
+                          <a:effectLst/>
+                          <a:latin typeface="verdana" charset="0"/>
+                        </a:rPr>
+                        <a:t>It is used to retrieves, but does not remove, the head of this queue.</a:t>
+                      </a:r>
+                    </a:p>
+                  </a:txBody>
+                  <a:tcPr marL="30092" marR="30092" marT="30092" marB="30092">
+                    <a:lnL w="6350" cap="flat" cmpd="sng" algn="ctr">
+                      <a:solidFill>
+                        <a:srgbClr val="C7CCBE"/>
+                      </a:solidFill>
+                      <a:prstDash val="solid"/>
+                      <a:round/>
+                      <a:headEnd type="none" w="med" len="med"/>
+                      <a:tailEnd type="none" w="med" len="med"/>
+                    </a:lnL>
+                    <a:lnR w="6350" cap="flat" cmpd="sng" algn="ctr">
+                      <a:solidFill>
+                        <a:srgbClr val="C7CCBE"/>
+                      </a:solidFill>
+                      <a:prstDash val="solid"/>
+                      <a:round/>
+                      <a:headEnd type="none" w="med" len="med"/>
+                      <a:tailEnd type="none" w="med" len="med"/>
+                    </a:lnR>
+                    <a:lnT w="6350" cap="flat" cmpd="sng" algn="ctr">
+                      <a:solidFill>
+                        <a:srgbClr val="C7CCBE"/>
+                      </a:solidFill>
+                      <a:prstDash val="solid"/>
+                      <a:round/>
+                      <a:headEnd type="none" w="med" len="med"/>
+                      <a:tailEnd type="none" w="med" len="med"/>
+                    </a:lnT>
+                    <a:lnB w="6350" cap="flat" cmpd="sng" algn="ctr">
+                      <a:solidFill>
+                        <a:srgbClr val="C7CCBE"/>
+                      </a:solidFill>
+                      <a:prstDash val="solid"/>
+                      <a:round/>
+                      <a:headEnd type="none" w="med" len="med"/>
+                      <a:tailEnd type="none" w="med" len="med"/>
+                    </a:lnB>
+                    <a:solidFill>
+                      <a:schemeClr val="bg1"/>
+                    </a:solidFill>
+                  </a:tcPr>
+                </a:tc>
+              </a:tr>
+              <a:tr h="974209">
+                <a:tc>
+                  <a:txBody>
+                    <a:bodyPr/>
+                    <a:lstStyle/>
+                    <a:p>
+                      <a:pPr algn="just" fontAlgn="t"/>
+                      <a:r>
+                        <a:rPr lang="en-US" sz="1200" b="0" i="0">
+                          <a:solidFill>
+                            <a:srgbClr val="000000"/>
+                          </a:solidFill>
+                          <a:effectLst/>
+                          <a:latin typeface="verdana" charset="0"/>
+                        </a:rPr>
+                        <a:t>Object peek()</a:t>
+                      </a:r>
+                    </a:p>
+                  </a:txBody>
+                  <a:tcPr marL="30092" marR="30092" marT="30092" marB="30092">
+                    <a:lnL w="6350" cap="flat" cmpd="sng" algn="ctr">
+                      <a:solidFill>
+                        <a:srgbClr val="C7CCBE"/>
+                      </a:solidFill>
+                      <a:prstDash val="solid"/>
+                      <a:round/>
+                      <a:headEnd type="none" w="med" len="med"/>
+                      <a:tailEnd type="none" w="med" len="med"/>
+                    </a:lnL>
+                    <a:lnR w="6350" cap="flat" cmpd="sng" algn="ctr">
+                      <a:solidFill>
+                        <a:srgbClr val="C7CCBE"/>
+                      </a:solidFill>
+                      <a:prstDash val="solid"/>
+                      <a:round/>
+                      <a:headEnd type="none" w="med" len="med"/>
+                      <a:tailEnd type="none" w="med" len="med"/>
+                    </a:lnR>
+                    <a:lnT w="6350" cap="flat" cmpd="sng" algn="ctr">
+                      <a:solidFill>
+                        <a:srgbClr val="C7CCBE"/>
+                      </a:solidFill>
+                      <a:prstDash val="solid"/>
+                      <a:round/>
+                      <a:headEnd type="none" w="med" len="med"/>
+                      <a:tailEnd type="none" w="med" len="med"/>
+                    </a:lnT>
+                    <a:lnB w="6350" cap="flat" cmpd="sng" algn="ctr">
+                      <a:solidFill>
+                        <a:srgbClr val="C7CCBE"/>
+                      </a:solidFill>
+                      <a:prstDash val="solid"/>
+                      <a:round/>
+                      <a:headEnd type="none" w="med" len="med"/>
+                      <a:tailEnd type="none" w="med" len="med"/>
+                    </a:lnB>
+                    <a:solidFill>
+                      <a:schemeClr val="bg1"/>
+                    </a:solidFill>
+                  </a:tcPr>
+                </a:tc>
+                <a:tc>
+                  <a:txBody>
+                    <a:bodyPr/>
+                    <a:lstStyle/>
+                    <a:p>
+                      <a:pPr algn="just" fontAlgn="t"/>
+                      <a:r>
+                        <a:rPr lang="en-US" sz="1200" b="0" i="0" dirty="0">
+                          <a:solidFill>
+                            <a:srgbClr val="000000"/>
+                          </a:solidFill>
+                          <a:effectLst/>
+                          <a:latin typeface="verdana" charset="0"/>
+                        </a:rPr>
+                        <a:t>It is used to retrieves, but does not remove, the head of this queue, or returns null if this queue is empty.</a:t>
+                      </a:r>
+                    </a:p>
+                  </a:txBody>
+                  <a:tcPr marL="30092" marR="30092" marT="30092" marB="30092">
+                    <a:lnL w="6350" cap="flat" cmpd="sng" algn="ctr">
+                      <a:solidFill>
+                        <a:srgbClr val="C7CCBE"/>
+                      </a:solidFill>
+                      <a:prstDash val="solid"/>
+                      <a:round/>
+                      <a:headEnd type="none" w="med" len="med"/>
+                      <a:tailEnd type="none" w="med" len="med"/>
+                    </a:lnL>
+                    <a:lnR w="6350" cap="flat" cmpd="sng" algn="ctr">
+                      <a:solidFill>
+                        <a:srgbClr val="C7CCBE"/>
+                      </a:solidFill>
+                      <a:prstDash val="solid"/>
+                      <a:round/>
+                      <a:headEnd type="none" w="med" len="med"/>
+                      <a:tailEnd type="none" w="med" len="med"/>
+                    </a:lnR>
+                    <a:lnT w="6350" cap="flat" cmpd="sng" algn="ctr">
+                      <a:solidFill>
+                        <a:srgbClr val="C7CCBE"/>
+                      </a:solidFill>
+                      <a:prstDash val="solid"/>
+                      <a:round/>
+                      <a:headEnd type="none" w="med" len="med"/>
+                      <a:tailEnd type="none" w="med" len="med"/>
+                    </a:lnT>
+                    <a:lnB w="6350" cap="flat" cmpd="sng" algn="ctr">
+                      <a:solidFill>
+                        <a:srgbClr val="C7CCBE"/>
+                      </a:solidFill>
+                      <a:prstDash val="solid"/>
+                      <a:round/>
+                      <a:headEnd type="none" w="med" len="med"/>
+                      <a:tailEnd type="none" w="med" len="med"/>
+                    </a:lnB>
+                    <a:solidFill>
+                      <a:schemeClr val="bg1"/>
+                    </a:solidFill>
+                  </a:tcPr>
+                </a:tc>
+              </a:tr>
+            </a:tbl>
+          </a:graphicData>
+        </a:graphic>
+      </p:graphicFrame>
+    </p:spTree>
+    <p:extLst>
+      <p:ext uri="{BB962C8B-B14F-4D97-AF65-F5344CB8AC3E}">
+        <p14:creationId xmlns:p14="http://schemas.microsoft.com/office/powerpoint/2010/main" val="375293280"/>
+      </p:ext>
+    </p:extLst>
+  </p:cSld>
+  <p:clrMapOvr>
+    <a:masterClrMapping/>
+  </p:clrMapOvr>
+</p:sld>
+</file>
+
+<file path=ppt/slides/slide59.xml><?xml version="1.0" encoding="utf-8"?>
+<p:sld xmlns:a="http://schemas.openxmlformats.org/drawingml/2006/main" xmlns:r="http://schemas.openxmlformats.org/officeDocument/2006/relationships" xmlns:p="http://schemas.openxmlformats.org/presentationml/2006/main">
+  <p:cSld>
+    <p:spTree>
+      <p:nvGrpSpPr>
+        <p:cNvPr id="1" name=""/>
+        <p:cNvGrpSpPr/>
+        <p:nvPr/>
+      </p:nvGrpSpPr>
+      <p:grpSpPr>
+        <a:xfrm>
+          <a:off x="0" y="0"/>
+          <a:ext cx="0" cy="0"/>
+          <a:chOff x="0" y="0"/>
+          <a:chExt cx="0" cy="0"/>
+        </a:xfrm>
+      </p:grpSpPr>
+      <p:sp>
+        <p:nvSpPr>
+          <p:cNvPr id="4" name="TextBox 3"/>
+          <p:cNvSpPr txBox="1"/>
+          <p:nvPr/>
+        </p:nvSpPr>
+        <p:spPr>
+          <a:xfrm>
+            <a:off x="621792" y="97536"/>
+            <a:ext cx="6826612" cy="7017306"/>
+          </a:xfrm>
+          <a:prstGeom prst="rect">
+            <a:avLst/>
+          </a:prstGeom>
+          <a:noFill/>
+        </p:spPr>
+        <p:txBody>
+          <a:bodyPr wrap="none" rtlCol="0">
+            <a:spAutoFit/>
+          </a:bodyPr>
+          <a:lstStyle/>
+          <a:p>
+            <a:r>
+              <a:rPr lang="en-US" dirty="0"/>
+              <a:t>import </a:t>
+            </a:r>
+            <a:r>
+              <a:rPr lang="en-US" dirty="0" err="1"/>
+              <a:t>java.util.Iterator</a:t>
+            </a:r>
+            <a:r>
+              <a:rPr lang="en-US" dirty="0"/>
+              <a:t>;</a:t>
+            </a:r>
+          </a:p>
+          <a:p>
+            <a:r>
+              <a:rPr lang="en-US" dirty="0"/>
+              <a:t>import </a:t>
+            </a:r>
+            <a:r>
+              <a:rPr lang="en-US" dirty="0" err="1"/>
+              <a:t>java.util.PriorityQueue</a:t>
+            </a:r>
+            <a:r>
+              <a:rPr lang="en-US" dirty="0"/>
+              <a:t>;</a:t>
+            </a:r>
+          </a:p>
+          <a:p>
+            <a:r>
+              <a:rPr lang="en-US" b="1" dirty="0" smtClean="0">
+                <a:solidFill>
+                  <a:schemeClr val="accent2"/>
+                </a:solidFill>
+              </a:rPr>
+              <a:t>public </a:t>
+            </a:r>
+            <a:r>
+              <a:rPr lang="en-US" b="1" dirty="0">
+                <a:solidFill>
+                  <a:schemeClr val="accent2"/>
+                </a:solidFill>
+              </a:rPr>
+              <a:t>class </a:t>
+            </a:r>
+            <a:r>
+              <a:rPr lang="en-US" b="1" dirty="0" err="1">
+                <a:solidFill>
+                  <a:schemeClr val="accent2"/>
+                </a:solidFill>
+              </a:rPr>
+              <a:t>PriorityQueueExample</a:t>
+            </a:r>
+            <a:r>
+              <a:rPr lang="en-US" b="1" dirty="0">
+                <a:solidFill>
+                  <a:schemeClr val="accent2"/>
+                </a:solidFill>
+              </a:rPr>
+              <a:t> {</a:t>
+            </a:r>
+          </a:p>
+          <a:p>
+            <a:pPr lvl="1"/>
+            <a:r>
+              <a:rPr lang="en-US" b="1" dirty="0" smtClean="0">
+                <a:solidFill>
+                  <a:srgbClr val="00B050"/>
+                </a:solidFill>
+              </a:rPr>
+              <a:t>public </a:t>
+            </a:r>
+            <a:r>
+              <a:rPr lang="en-US" b="1" dirty="0">
+                <a:solidFill>
+                  <a:srgbClr val="00B050"/>
+                </a:solidFill>
+              </a:rPr>
+              <a:t>static void main(String </a:t>
+            </a:r>
+            <a:r>
+              <a:rPr lang="en-US" b="1" dirty="0" err="1">
+                <a:solidFill>
+                  <a:srgbClr val="00B050"/>
+                </a:solidFill>
+              </a:rPr>
+              <a:t>args</a:t>
+            </a:r>
+            <a:r>
+              <a:rPr lang="en-US" b="1" dirty="0">
+                <a:solidFill>
+                  <a:srgbClr val="00B050"/>
+                </a:solidFill>
+              </a:rPr>
+              <a:t>[]){  </a:t>
+            </a:r>
+          </a:p>
+          <a:p>
+            <a:pPr lvl="2"/>
+            <a:r>
+              <a:rPr lang="en-US" dirty="0" err="1"/>
+              <a:t>PriorityQueue</a:t>
+            </a:r>
+            <a:r>
+              <a:rPr lang="en-US" dirty="0"/>
+              <a:t>&lt;String&gt; queue=new </a:t>
+            </a:r>
+            <a:r>
+              <a:rPr lang="en-US" dirty="0" err="1"/>
+              <a:t>PriorityQueue</a:t>
+            </a:r>
+            <a:r>
+              <a:rPr lang="en-US" dirty="0"/>
+              <a:t>&lt;String&gt;();  </a:t>
+            </a:r>
+          </a:p>
+          <a:p>
+            <a:pPr lvl="2"/>
+            <a:r>
+              <a:rPr lang="en-US" dirty="0" err="1"/>
+              <a:t>queue.add</a:t>
+            </a:r>
+            <a:r>
+              <a:rPr lang="en-US" dirty="0"/>
+              <a:t>("Test1");  </a:t>
+            </a:r>
+          </a:p>
+          <a:p>
+            <a:pPr lvl="2"/>
+            <a:r>
+              <a:rPr lang="en-US" dirty="0" err="1"/>
+              <a:t>queue.add</a:t>
+            </a:r>
+            <a:r>
+              <a:rPr lang="en-US" dirty="0"/>
+              <a:t>("Test2");  </a:t>
+            </a:r>
+          </a:p>
+          <a:p>
+            <a:pPr lvl="2"/>
+            <a:r>
+              <a:rPr lang="en-US" dirty="0" err="1"/>
+              <a:t>queue.add</a:t>
+            </a:r>
+            <a:r>
+              <a:rPr lang="en-US" dirty="0"/>
+              <a:t>("Test3");  </a:t>
+            </a:r>
+          </a:p>
+          <a:p>
+            <a:pPr lvl="2"/>
+            <a:r>
+              <a:rPr lang="en-US" dirty="0" err="1"/>
+              <a:t>queue.add</a:t>
+            </a:r>
+            <a:r>
+              <a:rPr lang="en-US" dirty="0"/>
+              <a:t>("Test4");  </a:t>
+            </a:r>
+          </a:p>
+          <a:p>
+            <a:pPr lvl="2"/>
+            <a:r>
+              <a:rPr lang="en-US" dirty="0" err="1"/>
+              <a:t>queue.add</a:t>
+            </a:r>
+            <a:r>
+              <a:rPr lang="en-US" dirty="0"/>
+              <a:t>("Test5");  </a:t>
+            </a:r>
+          </a:p>
+          <a:p>
+            <a:pPr lvl="2"/>
+            <a:r>
+              <a:rPr lang="en-US" b="1" dirty="0" err="1">
+                <a:solidFill>
+                  <a:srgbClr val="92D050"/>
+                </a:solidFill>
+              </a:rPr>
+              <a:t>System.out.println</a:t>
+            </a:r>
+            <a:r>
+              <a:rPr lang="en-US" b="1" dirty="0">
+                <a:solidFill>
+                  <a:srgbClr val="92D050"/>
+                </a:solidFill>
+              </a:rPr>
+              <a:t>("head:"+</a:t>
+            </a:r>
+            <a:r>
+              <a:rPr lang="en-US" b="1" dirty="0" err="1">
+                <a:solidFill>
+                  <a:srgbClr val="92D050"/>
+                </a:solidFill>
+              </a:rPr>
+              <a:t>queue.element</a:t>
+            </a:r>
+            <a:r>
+              <a:rPr lang="en-US" b="1" dirty="0">
+                <a:solidFill>
+                  <a:srgbClr val="92D050"/>
+                </a:solidFill>
+              </a:rPr>
+              <a:t>());  </a:t>
+            </a:r>
+          </a:p>
+          <a:p>
+            <a:pPr lvl="2"/>
+            <a:r>
+              <a:rPr lang="en-US" b="1" dirty="0" err="1">
+                <a:solidFill>
+                  <a:srgbClr val="92D050"/>
+                </a:solidFill>
+              </a:rPr>
+              <a:t>System.out.println</a:t>
+            </a:r>
+            <a:r>
+              <a:rPr lang="en-US" b="1" dirty="0">
+                <a:solidFill>
+                  <a:srgbClr val="92D050"/>
+                </a:solidFill>
+              </a:rPr>
+              <a:t>("head:"+</a:t>
+            </a:r>
+            <a:r>
+              <a:rPr lang="en-US" b="1" dirty="0" err="1">
+                <a:solidFill>
+                  <a:srgbClr val="92D050"/>
+                </a:solidFill>
+              </a:rPr>
+              <a:t>queue.peek</a:t>
+            </a:r>
+            <a:r>
+              <a:rPr lang="en-US" b="1" dirty="0">
+                <a:solidFill>
+                  <a:srgbClr val="92D050"/>
+                </a:solidFill>
+              </a:rPr>
+              <a:t>());  </a:t>
+            </a:r>
+          </a:p>
+          <a:p>
+            <a:pPr lvl="2"/>
+            <a:r>
+              <a:rPr lang="en-US" dirty="0" err="1"/>
+              <a:t>System.out.println</a:t>
+            </a:r>
+            <a:r>
+              <a:rPr lang="en-US" dirty="0"/>
+              <a:t>("iterating the queue elements:");  </a:t>
+            </a:r>
+          </a:p>
+          <a:p>
+            <a:pPr lvl="2"/>
+            <a:r>
+              <a:rPr lang="en-US" u="sng" dirty="0"/>
+              <a:t>Iterator</a:t>
+            </a:r>
+            <a:r>
+              <a:rPr lang="en-US" dirty="0"/>
+              <a:t> </a:t>
+            </a:r>
+            <a:r>
+              <a:rPr lang="en-US" dirty="0" err="1"/>
+              <a:t>itr</a:t>
+            </a:r>
+            <a:r>
+              <a:rPr lang="en-US" dirty="0"/>
+              <a:t>=</a:t>
+            </a:r>
+            <a:r>
+              <a:rPr lang="en-US" dirty="0" err="1"/>
+              <a:t>queue.iterator</a:t>
+            </a:r>
+            <a:r>
+              <a:rPr lang="en-US" dirty="0"/>
+              <a:t>();  </a:t>
+            </a:r>
+          </a:p>
+          <a:p>
+            <a:pPr lvl="2"/>
+            <a:r>
+              <a:rPr lang="en-US" dirty="0"/>
+              <a:t>while(</a:t>
+            </a:r>
+            <a:r>
+              <a:rPr lang="en-US" dirty="0" err="1"/>
+              <a:t>itr.hasNext</a:t>
+            </a:r>
+            <a:r>
+              <a:rPr lang="en-US" dirty="0"/>
+              <a:t>()){  </a:t>
+            </a:r>
+          </a:p>
+          <a:p>
+            <a:pPr lvl="2"/>
+            <a:r>
+              <a:rPr lang="en-US" dirty="0" err="1"/>
+              <a:t>System.out.println</a:t>
+            </a:r>
+            <a:r>
+              <a:rPr lang="en-US" dirty="0"/>
+              <a:t>(</a:t>
+            </a:r>
+            <a:r>
+              <a:rPr lang="en-US" dirty="0" err="1"/>
+              <a:t>itr.next</a:t>
+            </a:r>
+            <a:r>
+              <a:rPr lang="en-US" dirty="0"/>
+              <a:t>());  </a:t>
+            </a:r>
+          </a:p>
+          <a:p>
+            <a:pPr lvl="2"/>
+            <a:r>
+              <a:rPr lang="en-US" dirty="0"/>
+              <a:t>}  </a:t>
+            </a:r>
+          </a:p>
+          <a:p>
+            <a:pPr lvl="2"/>
+            <a:r>
+              <a:rPr lang="en-US" b="1" dirty="0" err="1">
+                <a:solidFill>
+                  <a:srgbClr val="92D050"/>
+                </a:solidFill>
+              </a:rPr>
+              <a:t>queue.remove</a:t>
+            </a:r>
+            <a:r>
+              <a:rPr lang="en-US" b="1" dirty="0">
+                <a:solidFill>
+                  <a:srgbClr val="92D050"/>
+                </a:solidFill>
+              </a:rPr>
+              <a:t>();  </a:t>
+            </a:r>
+          </a:p>
+          <a:p>
+            <a:pPr lvl="2"/>
+            <a:r>
+              <a:rPr lang="en-US" b="1" dirty="0" err="1">
+                <a:solidFill>
+                  <a:srgbClr val="92D050"/>
+                </a:solidFill>
+              </a:rPr>
+              <a:t>queue.poll</a:t>
+            </a:r>
+            <a:r>
+              <a:rPr lang="en-US" b="1" dirty="0">
+                <a:solidFill>
+                  <a:srgbClr val="92D050"/>
+                </a:solidFill>
+              </a:rPr>
+              <a:t>();  </a:t>
+            </a:r>
+          </a:p>
+          <a:p>
+            <a:pPr lvl="2"/>
+            <a:r>
+              <a:rPr lang="en-US" dirty="0" err="1"/>
+              <a:t>System.out.println</a:t>
+            </a:r>
+            <a:r>
+              <a:rPr lang="en-US" dirty="0"/>
+              <a:t>("after removing two elements:");  </a:t>
+            </a:r>
+          </a:p>
+          <a:p>
+            <a:pPr lvl="2"/>
+            <a:r>
+              <a:rPr lang="en-US" dirty="0"/>
+              <a:t>Iterator&lt;String&gt; itr2=</a:t>
+            </a:r>
+            <a:r>
+              <a:rPr lang="en-US" dirty="0" err="1"/>
+              <a:t>queue.iterator</a:t>
+            </a:r>
+            <a:r>
+              <a:rPr lang="en-US" dirty="0"/>
+              <a:t>();  </a:t>
+            </a:r>
+          </a:p>
+          <a:p>
+            <a:pPr lvl="2"/>
+            <a:r>
+              <a:rPr lang="en-US" dirty="0"/>
+              <a:t>while(itr2.hasNext()){  </a:t>
+            </a:r>
+          </a:p>
+          <a:p>
+            <a:pPr lvl="2"/>
+            <a:r>
+              <a:rPr lang="en-US" dirty="0" err="1"/>
+              <a:t>System.out.println</a:t>
+            </a:r>
+            <a:r>
+              <a:rPr lang="en-US" dirty="0"/>
+              <a:t>(itr2.next());  </a:t>
+            </a:r>
+          </a:p>
+          <a:p>
+            <a:pPr lvl="2"/>
+            <a:r>
+              <a:rPr lang="en-US" dirty="0"/>
+              <a:t>}  </a:t>
+            </a:r>
+            <a:r>
+              <a:rPr lang="en-US" dirty="0" smtClean="0"/>
+              <a:t>} </a:t>
+            </a:r>
+            <a:r>
+              <a:rPr lang="en-US" dirty="0"/>
+              <a:t> </a:t>
+            </a:r>
+            <a:r>
+              <a:rPr lang="en-US" dirty="0" smtClean="0"/>
+              <a:t>}</a:t>
+            </a:r>
+            <a:endParaRPr lang="en-US" dirty="0"/>
+          </a:p>
+          <a:p>
+            <a:endParaRPr lang="en-US" dirty="0"/>
+          </a:p>
+        </p:txBody>
+      </p:sp>
+      <p:sp>
+        <p:nvSpPr>
+          <p:cNvPr id="5" name="TextBox 4"/>
+          <p:cNvSpPr txBox="1"/>
+          <p:nvPr/>
+        </p:nvSpPr>
+        <p:spPr>
+          <a:xfrm>
+            <a:off x="7266432" y="1670304"/>
+            <a:ext cx="2974084" cy="3970318"/>
+          </a:xfrm>
+          <a:prstGeom prst="rect">
+            <a:avLst/>
+          </a:prstGeom>
+          <a:noFill/>
+        </p:spPr>
+        <p:txBody>
+          <a:bodyPr wrap="none" rtlCol="0">
+            <a:spAutoFit/>
+          </a:bodyPr>
+          <a:lstStyle/>
+          <a:p>
+            <a:r>
+              <a:rPr lang="en-US" b="1" dirty="0" smtClean="0"/>
+              <a:t>Output:</a:t>
+            </a:r>
+          </a:p>
+          <a:p>
+            <a:r>
+              <a:rPr lang="en-US" dirty="0" smtClean="0"/>
+              <a:t>head:Test1</a:t>
+            </a:r>
+            <a:endParaRPr lang="en-US" dirty="0"/>
+          </a:p>
+          <a:p>
+            <a:r>
+              <a:rPr lang="en-US" dirty="0"/>
+              <a:t>head:Test1</a:t>
+            </a:r>
+          </a:p>
+          <a:p>
+            <a:r>
+              <a:rPr lang="en-US" dirty="0"/>
+              <a:t>iterating the queue elements:</a:t>
+            </a:r>
+          </a:p>
+          <a:p>
+            <a:r>
+              <a:rPr lang="en-US" dirty="0"/>
+              <a:t>Test1</a:t>
+            </a:r>
+          </a:p>
+          <a:p>
+            <a:r>
+              <a:rPr lang="en-US" dirty="0"/>
+              <a:t>Test2</a:t>
+            </a:r>
+          </a:p>
+          <a:p>
+            <a:r>
+              <a:rPr lang="en-US" dirty="0"/>
+              <a:t>Test3</a:t>
+            </a:r>
+          </a:p>
+          <a:p>
+            <a:r>
+              <a:rPr lang="en-US" dirty="0"/>
+              <a:t>Test4</a:t>
+            </a:r>
+          </a:p>
+          <a:p>
+            <a:r>
+              <a:rPr lang="en-US" dirty="0"/>
+              <a:t>Test5</a:t>
+            </a:r>
+          </a:p>
+          <a:p>
+            <a:r>
+              <a:rPr lang="en-US" dirty="0"/>
+              <a:t>after removing two elements:</a:t>
+            </a:r>
+          </a:p>
+          <a:p>
+            <a:r>
+              <a:rPr lang="en-US" dirty="0"/>
+              <a:t>Test3</a:t>
+            </a:r>
+          </a:p>
+          <a:p>
+            <a:r>
+              <a:rPr lang="en-US" dirty="0"/>
+              <a:t>Test4</a:t>
+            </a:r>
+          </a:p>
+          <a:p>
+            <a:r>
+              <a:rPr lang="en-US" dirty="0"/>
+              <a:t>Test5</a:t>
+            </a:r>
+          </a:p>
+          <a:p>
+            <a:endParaRPr lang="en-US" dirty="0"/>
+          </a:p>
+        </p:txBody>
+      </p:sp>
+    </p:spTree>
+    <p:extLst>
+      <p:ext uri="{BB962C8B-B14F-4D97-AF65-F5344CB8AC3E}">
+        <p14:creationId xmlns:p14="http://schemas.microsoft.com/office/powerpoint/2010/main" val="579354038"/>
+      </p:ext>
+    </p:extLst>
+  </p:cSld>
+  <p:clrMapOvr>
+    <a:masterClrMapping/>
+  </p:clrMapOvr>
+</p:sld>
+</file>
+
 <file path=ppt/slides/slide6.xml><?xml version="1.0" encoding="utf-8"?>
 <p:sld xmlns:a="http://schemas.openxmlformats.org/drawingml/2006/main" xmlns:r="http://schemas.openxmlformats.org/officeDocument/2006/relationships" xmlns:p="http://schemas.openxmlformats.org/presentationml/2006/main">
   <p:cSld>
@@ -35700,6 +39372,3954 @@
       </p:par>
     </p:tnLst>
   </p:timing>
+</p:sld>
+</file>
+
+<file path=ppt/slides/slide60.xml><?xml version="1.0" encoding="utf-8"?>
+<p:sld xmlns:a="http://schemas.openxmlformats.org/drawingml/2006/main" xmlns:r="http://schemas.openxmlformats.org/officeDocument/2006/relationships" xmlns:p="http://schemas.openxmlformats.org/presentationml/2006/main">
+  <p:cSld>
+    <p:spTree>
+      <p:nvGrpSpPr>
+        <p:cNvPr id="1" name=""/>
+        <p:cNvGrpSpPr/>
+        <p:nvPr/>
+      </p:nvGrpSpPr>
+      <p:grpSpPr>
+        <a:xfrm>
+          <a:off x="0" y="0"/>
+          <a:ext cx="0" cy="0"/>
+          <a:chOff x="0" y="0"/>
+          <a:chExt cx="0" cy="0"/>
+        </a:xfrm>
+      </p:grpSpPr>
+      <p:sp>
+        <p:nvSpPr>
+          <p:cNvPr id="4" name="TextBox 3"/>
+          <p:cNvSpPr txBox="1"/>
+          <p:nvPr/>
+        </p:nvSpPr>
+        <p:spPr>
+          <a:xfrm>
+            <a:off x="353568" y="182880"/>
+            <a:ext cx="3618876" cy="646331"/>
+          </a:xfrm>
+          <a:prstGeom prst="rect">
+            <a:avLst/>
+          </a:prstGeom>
+          <a:noFill/>
+        </p:spPr>
+        <p:txBody>
+          <a:bodyPr wrap="none" rtlCol="0">
+            <a:spAutoFit/>
+          </a:bodyPr>
+          <a:lstStyle/>
+          <a:p>
+            <a:r>
+              <a:rPr lang="en-US" b="1" dirty="0" smtClean="0"/>
+              <a:t>String In Java</a:t>
+            </a:r>
+          </a:p>
+          <a:p>
+            <a:r>
+              <a:rPr lang="en-US" dirty="0" smtClean="0"/>
+              <a:t>Strings are </a:t>
+            </a:r>
+            <a:r>
+              <a:rPr lang="en-US" dirty="0"/>
+              <a:t>a sequence of characters.</a:t>
+            </a:r>
+          </a:p>
+        </p:txBody>
+      </p:sp>
+      <p:sp>
+        <p:nvSpPr>
+          <p:cNvPr id="5" name="TextBox 4"/>
+          <p:cNvSpPr txBox="1"/>
+          <p:nvPr/>
+        </p:nvSpPr>
+        <p:spPr>
+          <a:xfrm>
+            <a:off x="353568" y="950976"/>
+            <a:ext cx="4608890" cy="2308324"/>
+          </a:xfrm>
+          <a:prstGeom prst="rect">
+            <a:avLst/>
+          </a:prstGeom>
+          <a:noFill/>
+        </p:spPr>
+        <p:txBody>
+          <a:bodyPr wrap="none" rtlCol="0">
+            <a:spAutoFit/>
+          </a:bodyPr>
+          <a:lstStyle/>
+          <a:p>
+            <a:r>
+              <a:rPr lang="en-US" b="1" dirty="0">
+                <a:solidFill>
+                  <a:srgbClr val="92D050"/>
+                </a:solidFill>
+              </a:rPr>
+              <a:t>public class </a:t>
+            </a:r>
+            <a:r>
+              <a:rPr lang="en-US" b="1" dirty="0" err="1">
+                <a:solidFill>
+                  <a:srgbClr val="92D050"/>
+                </a:solidFill>
+              </a:rPr>
+              <a:t>StringDemo</a:t>
+            </a:r>
+            <a:r>
+              <a:rPr lang="en-US" b="1" dirty="0">
+                <a:solidFill>
+                  <a:srgbClr val="92D050"/>
+                </a:solidFill>
+              </a:rPr>
+              <a:t> {</a:t>
+            </a:r>
+          </a:p>
+          <a:p>
+            <a:r>
+              <a:rPr lang="en-US" b="1" dirty="0">
+                <a:solidFill>
+                  <a:srgbClr val="7030A0"/>
+                </a:solidFill>
+              </a:rPr>
+              <a:t>public static void main(String </a:t>
+            </a:r>
+            <a:r>
+              <a:rPr lang="en-US" b="1" dirty="0" err="1">
+                <a:solidFill>
+                  <a:srgbClr val="7030A0"/>
+                </a:solidFill>
+              </a:rPr>
+              <a:t>args</a:t>
+            </a:r>
+            <a:r>
+              <a:rPr lang="en-US" b="1" dirty="0">
+                <a:solidFill>
+                  <a:srgbClr val="7030A0"/>
+                </a:solidFill>
+              </a:rPr>
+              <a:t>[]) {</a:t>
+            </a:r>
+          </a:p>
+          <a:p>
+            <a:r>
+              <a:rPr lang="en-US" dirty="0"/>
+              <a:t>      char[] </a:t>
+            </a:r>
+            <a:r>
+              <a:rPr lang="en-US" dirty="0" err="1"/>
+              <a:t>helloArray</a:t>
+            </a:r>
+            <a:r>
+              <a:rPr lang="en-US" dirty="0"/>
+              <a:t> = { 'h', 'e', 'l', 'l', 'o', '.' };</a:t>
+            </a:r>
+          </a:p>
+          <a:p>
+            <a:r>
+              <a:rPr lang="en-US" dirty="0"/>
+              <a:t>      String </a:t>
+            </a:r>
+            <a:r>
+              <a:rPr lang="en-US" dirty="0" err="1"/>
+              <a:t>helloString</a:t>
+            </a:r>
+            <a:r>
+              <a:rPr lang="en-US" dirty="0"/>
+              <a:t> = new String(</a:t>
+            </a:r>
+            <a:r>
+              <a:rPr lang="en-US" dirty="0" err="1"/>
+              <a:t>helloArray</a:t>
+            </a:r>
+            <a:r>
+              <a:rPr lang="en-US" dirty="0"/>
+              <a:t>);  </a:t>
+            </a:r>
+          </a:p>
+          <a:p>
+            <a:r>
+              <a:rPr lang="en-US" dirty="0"/>
+              <a:t>      </a:t>
+            </a:r>
+            <a:r>
+              <a:rPr lang="en-US" dirty="0" err="1"/>
+              <a:t>System.out.println</a:t>
+            </a:r>
+            <a:r>
+              <a:rPr lang="en-US" dirty="0"/>
+              <a:t>( </a:t>
+            </a:r>
+            <a:r>
+              <a:rPr lang="en-US" dirty="0" err="1"/>
+              <a:t>helloString</a:t>
+            </a:r>
+            <a:r>
+              <a:rPr lang="en-US" dirty="0"/>
+              <a:t> );</a:t>
+            </a:r>
+          </a:p>
+          <a:p>
+            <a:r>
+              <a:rPr lang="en-US" dirty="0"/>
+              <a:t>  }</a:t>
+            </a:r>
+          </a:p>
+          <a:p>
+            <a:r>
+              <a:rPr lang="en-US" dirty="0"/>
+              <a:t>}</a:t>
+            </a:r>
+          </a:p>
+          <a:p>
+            <a:endParaRPr lang="en-US" dirty="0"/>
+          </a:p>
+        </p:txBody>
+      </p:sp>
+      <p:sp>
+        <p:nvSpPr>
+          <p:cNvPr id="6" name="TextBox 5"/>
+          <p:cNvSpPr txBox="1"/>
+          <p:nvPr/>
+        </p:nvSpPr>
+        <p:spPr>
+          <a:xfrm>
+            <a:off x="487680" y="2903559"/>
+            <a:ext cx="934871" cy="646331"/>
+          </a:xfrm>
+          <a:prstGeom prst="rect">
+            <a:avLst/>
+          </a:prstGeom>
+          <a:noFill/>
+        </p:spPr>
+        <p:txBody>
+          <a:bodyPr wrap="none" rtlCol="0">
+            <a:spAutoFit/>
+          </a:bodyPr>
+          <a:lstStyle/>
+          <a:p>
+            <a:r>
+              <a:rPr lang="en-US" b="1" dirty="0" smtClean="0"/>
+              <a:t>Output:</a:t>
+            </a:r>
+          </a:p>
+          <a:p>
+            <a:r>
+              <a:rPr lang="en-US" dirty="0"/>
+              <a:t>hello.</a:t>
+            </a:r>
+          </a:p>
+        </p:txBody>
+      </p:sp>
+      <p:sp>
+        <p:nvSpPr>
+          <p:cNvPr id="14" name="TextBox 13"/>
+          <p:cNvSpPr txBox="1"/>
+          <p:nvPr/>
+        </p:nvSpPr>
+        <p:spPr>
+          <a:xfrm>
+            <a:off x="4632961" y="280416"/>
+            <a:ext cx="7351776" cy="7294305"/>
+          </a:xfrm>
+          <a:prstGeom prst="rect">
+            <a:avLst/>
+          </a:prstGeom>
+          <a:noFill/>
+        </p:spPr>
+        <p:txBody>
+          <a:bodyPr wrap="square" rtlCol="0">
+            <a:spAutoFit/>
+          </a:bodyPr>
+          <a:lstStyle/>
+          <a:p>
+            <a:r>
+              <a:rPr lang="en-US" b="1" u="sng" dirty="0" smtClean="0">
+                <a:hlinkClick r:id="rId2"/>
+              </a:rPr>
+              <a:t>String Methods:</a:t>
+            </a:r>
+          </a:p>
+          <a:p>
+            <a:endParaRPr lang="en-US" u="sng" dirty="0" smtClean="0">
+              <a:solidFill>
+                <a:srgbClr val="00B050"/>
+              </a:solidFill>
+              <a:hlinkClick r:id="rId2"/>
+            </a:endParaRPr>
+          </a:p>
+          <a:p>
+            <a:r>
+              <a:rPr lang="en-US" b="1" dirty="0" smtClean="0">
+                <a:hlinkClick r:id="rId2"/>
+              </a:rPr>
+              <a:t>char </a:t>
+            </a:r>
+            <a:r>
+              <a:rPr lang="en-US" b="1" dirty="0">
+                <a:hlinkClick r:id="rId2"/>
+              </a:rPr>
+              <a:t>charAt(int index)</a:t>
+            </a:r>
+            <a:endParaRPr lang="en-US" dirty="0"/>
+          </a:p>
+          <a:p>
+            <a:r>
+              <a:rPr lang="en-US" dirty="0"/>
+              <a:t>Returns the character at the specified index</a:t>
+            </a:r>
+            <a:r>
+              <a:rPr lang="en-US" dirty="0" smtClean="0"/>
+              <a:t>.</a:t>
+            </a:r>
+          </a:p>
+          <a:p>
+            <a:r>
+              <a:rPr lang="en-US" b="1" dirty="0">
+                <a:hlinkClick r:id="rId3"/>
+              </a:rPr>
+              <a:t>int compareTo(Object o)</a:t>
+            </a:r>
+            <a:endParaRPr lang="en-US" dirty="0"/>
+          </a:p>
+          <a:p>
+            <a:r>
+              <a:rPr lang="en-US" dirty="0"/>
+              <a:t>Compares this String to another Object.</a:t>
+            </a:r>
+          </a:p>
+          <a:p>
+            <a:r>
+              <a:rPr lang="en-US" b="1" dirty="0">
+                <a:hlinkClick r:id="rId4"/>
+              </a:rPr>
+              <a:t>int compareTo(String anotherString)</a:t>
+            </a:r>
+            <a:endParaRPr lang="en-US" dirty="0"/>
+          </a:p>
+          <a:p>
+            <a:r>
+              <a:rPr lang="en-US" dirty="0"/>
+              <a:t>Compares two strings lexicographically.</a:t>
+            </a:r>
+          </a:p>
+          <a:p>
+            <a:r>
+              <a:rPr lang="en-US" b="1" dirty="0">
+                <a:hlinkClick r:id="rId5"/>
+              </a:rPr>
+              <a:t>int compareToIgnoreCase(String str)</a:t>
+            </a:r>
+            <a:endParaRPr lang="en-US" dirty="0"/>
+          </a:p>
+          <a:p>
+            <a:r>
+              <a:rPr lang="en-US" dirty="0"/>
+              <a:t>Compares two strings lexicographically, ignoring case differences.</a:t>
+            </a:r>
+          </a:p>
+          <a:p>
+            <a:r>
+              <a:rPr lang="en-US" b="1" dirty="0">
+                <a:hlinkClick r:id="rId6"/>
+              </a:rPr>
+              <a:t>String concat(String str)</a:t>
+            </a:r>
+            <a:endParaRPr lang="en-US" dirty="0"/>
+          </a:p>
+          <a:p>
+            <a:r>
+              <a:rPr lang="en-US" dirty="0"/>
+              <a:t>Concatenates the specified string to the end of this string.</a:t>
+            </a:r>
+          </a:p>
+          <a:p>
+            <a:r>
+              <a:rPr lang="en-US" b="1" dirty="0">
+                <a:hlinkClick r:id="rId7"/>
+              </a:rPr>
+              <a:t>boolean contentEquals(StringBuffer sb)</a:t>
+            </a:r>
+            <a:endParaRPr lang="en-US" dirty="0"/>
+          </a:p>
+          <a:p>
+            <a:r>
+              <a:rPr lang="en-US" dirty="0"/>
+              <a:t>Returns true if and only if this String represents the same sequence of characters as the specified </a:t>
+            </a:r>
+            <a:r>
+              <a:rPr lang="en-US" dirty="0" err="1"/>
+              <a:t>StringBuffer</a:t>
+            </a:r>
+            <a:r>
+              <a:rPr lang="en-US" dirty="0"/>
+              <a:t>.</a:t>
+            </a:r>
+          </a:p>
+          <a:p>
+            <a:r>
+              <a:rPr lang="en-US" b="1" dirty="0">
+                <a:hlinkClick r:id="rId8"/>
+              </a:rPr>
+              <a:t>static String copyValueOf(char[] data)</a:t>
+            </a:r>
+            <a:endParaRPr lang="en-US" dirty="0"/>
+          </a:p>
+          <a:p>
+            <a:r>
+              <a:rPr lang="en-US" dirty="0"/>
+              <a:t>Returns a String that represents the character sequence in the array specified</a:t>
+            </a:r>
+            <a:r>
+              <a:rPr lang="en-US" dirty="0" smtClean="0"/>
+              <a:t>.</a:t>
+            </a:r>
+          </a:p>
+          <a:p>
+            <a:r>
+              <a:rPr lang="en-US" b="1" dirty="0">
+                <a:hlinkClick r:id="rId9"/>
+              </a:rPr>
+              <a:t>static String copyValueOf(char[] data, int offset, int count)</a:t>
+            </a:r>
+            <a:endParaRPr lang="en-US" dirty="0"/>
+          </a:p>
+          <a:p>
+            <a:r>
+              <a:rPr lang="en-US" dirty="0"/>
+              <a:t>Returns a String that represents the character sequence in the array specified.</a:t>
+            </a:r>
+          </a:p>
+          <a:p>
+            <a:r>
+              <a:rPr lang="en-US" b="1" dirty="0">
+                <a:hlinkClick r:id="rId10"/>
+              </a:rPr>
+              <a:t>boolean endsWith(String suffix)</a:t>
+            </a:r>
+            <a:endParaRPr lang="en-US" dirty="0"/>
+          </a:p>
+          <a:p>
+            <a:r>
+              <a:rPr lang="en-US" dirty="0"/>
+              <a:t>Tests if this string ends with the specified suffix.</a:t>
+            </a:r>
+          </a:p>
+          <a:p>
+            <a:endParaRPr lang="en-US" dirty="0"/>
+          </a:p>
+          <a:p>
+            <a:endParaRPr lang="en-US" dirty="0" smtClean="0"/>
+          </a:p>
+          <a:p>
+            <a:endParaRPr lang="en-US" dirty="0"/>
+          </a:p>
+        </p:txBody>
+      </p:sp>
+      <p:sp>
+        <p:nvSpPr>
+          <p:cNvPr id="15" name="TextBox 14"/>
+          <p:cNvSpPr txBox="1"/>
+          <p:nvPr/>
+        </p:nvSpPr>
+        <p:spPr>
+          <a:xfrm>
+            <a:off x="139134" y="3549890"/>
+            <a:ext cx="4047744" cy="3693319"/>
+          </a:xfrm>
+          <a:prstGeom prst="rect">
+            <a:avLst/>
+          </a:prstGeom>
+          <a:noFill/>
+        </p:spPr>
+        <p:txBody>
+          <a:bodyPr wrap="square" rtlCol="0">
+            <a:spAutoFit/>
+          </a:bodyPr>
+          <a:lstStyle/>
+          <a:p>
+            <a:r>
+              <a:rPr lang="en-US" b="1" dirty="0">
+                <a:solidFill>
+                  <a:srgbClr val="00B050"/>
+                </a:solidFill>
+              </a:rPr>
+              <a:t>public class </a:t>
+            </a:r>
+            <a:r>
+              <a:rPr lang="en-US" b="1" dirty="0" err="1">
+                <a:solidFill>
+                  <a:srgbClr val="00B050"/>
+                </a:solidFill>
+              </a:rPr>
+              <a:t>Testimmutablestring</a:t>
+            </a:r>
+            <a:r>
+              <a:rPr lang="en-US" b="1" dirty="0">
+                <a:solidFill>
+                  <a:srgbClr val="00B050"/>
+                </a:solidFill>
+              </a:rPr>
+              <a:t> {</a:t>
+            </a:r>
+          </a:p>
+          <a:p>
+            <a:pPr lvl="1"/>
+            <a:r>
+              <a:rPr lang="en-US" b="1" dirty="0">
+                <a:solidFill>
+                  <a:srgbClr val="7030A0"/>
+                </a:solidFill>
+              </a:rPr>
+              <a:t>public static void main(String </a:t>
+            </a:r>
+            <a:r>
+              <a:rPr lang="en-US" b="1" dirty="0" err="1">
+                <a:solidFill>
+                  <a:srgbClr val="7030A0"/>
+                </a:solidFill>
+              </a:rPr>
+              <a:t>args</a:t>
+            </a:r>
+            <a:r>
+              <a:rPr lang="en-US" b="1" dirty="0">
+                <a:solidFill>
+                  <a:srgbClr val="7030A0"/>
+                </a:solidFill>
+              </a:rPr>
+              <a:t>[]) {</a:t>
+            </a:r>
+          </a:p>
+          <a:p>
+            <a:pPr lvl="2"/>
+            <a:r>
+              <a:rPr lang="en-US" dirty="0"/>
+              <a:t>String s = "Java";</a:t>
+            </a:r>
+          </a:p>
+          <a:p>
+            <a:pPr lvl="2"/>
+            <a:r>
+              <a:rPr lang="en-US" dirty="0" err="1"/>
+              <a:t>s.concat</a:t>
+            </a:r>
+            <a:r>
+              <a:rPr lang="en-US" dirty="0"/>
+              <a:t>(" Test");</a:t>
+            </a:r>
+          </a:p>
+          <a:p>
+            <a:pPr lvl="2"/>
+            <a:r>
+              <a:rPr lang="en-US" dirty="0"/>
+              <a:t>// </a:t>
+            </a:r>
+            <a:r>
+              <a:rPr lang="en-US" u="sng" dirty="0" err="1"/>
+              <a:t>concat</a:t>
+            </a:r>
+            <a:r>
+              <a:rPr lang="en-US" dirty="0"/>
+              <a:t>() method appends the string at the end</a:t>
+            </a:r>
+          </a:p>
+          <a:p>
+            <a:pPr lvl="2"/>
+            <a:r>
+              <a:rPr lang="en-US" dirty="0" err="1"/>
+              <a:t>System.out.println</a:t>
+            </a:r>
+            <a:r>
+              <a:rPr lang="en-US" dirty="0"/>
+              <a:t>(s);</a:t>
+            </a:r>
+          </a:p>
+          <a:p>
+            <a:pPr lvl="2"/>
+            <a:r>
+              <a:rPr lang="en-US" dirty="0"/>
+              <a:t>// will print Java because strings are immutable objects</a:t>
+            </a:r>
+          </a:p>
+          <a:p>
+            <a:pPr lvl="1"/>
+            <a:r>
+              <a:rPr lang="en-US" dirty="0"/>
+              <a:t>}</a:t>
+            </a:r>
+          </a:p>
+          <a:p>
+            <a:r>
+              <a:rPr lang="en-US" dirty="0"/>
+              <a:t>}</a:t>
+            </a:r>
+          </a:p>
+          <a:p>
+            <a:endParaRPr lang="en-US" dirty="0"/>
+          </a:p>
+        </p:txBody>
+      </p:sp>
+    </p:spTree>
+    <p:extLst>
+      <p:ext uri="{BB962C8B-B14F-4D97-AF65-F5344CB8AC3E}">
+        <p14:creationId xmlns:p14="http://schemas.microsoft.com/office/powerpoint/2010/main" val="1204480386"/>
+      </p:ext>
+    </p:extLst>
+  </p:cSld>
+  <p:clrMapOvr>
+    <a:masterClrMapping/>
+  </p:clrMapOvr>
+</p:sld>
+</file>
+
+<file path=ppt/slides/slide61.xml><?xml version="1.0" encoding="utf-8"?>
+<p:sld xmlns:a="http://schemas.openxmlformats.org/drawingml/2006/main" xmlns:r="http://schemas.openxmlformats.org/officeDocument/2006/relationships" xmlns:p="http://schemas.openxmlformats.org/presentationml/2006/main">
+  <p:cSld>
+    <p:spTree>
+      <p:nvGrpSpPr>
+        <p:cNvPr id="1" name=""/>
+        <p:cNvGrpSpPr/>
+        <p:nvPr/>
+      </p:nvGrpSpPr>
+      <p:grpSpPr>
+        <a:xfrm>
+          <a:off x="0" y="0"/>
+          <a:ext cx="0" cy="0"/>
+          <a:chOff x="0" y="0"/>
+          <a:chExt cx="0" cy="0"/>
+        </a:xfrm>
+      </p:grpSpPr>
+      <p:sp>
+        <p:nvSpPr>
+          <p:cNvPr id="4" name="TextBox 3"/>
+          <p:cNvSpPr txBox="1"/>
+          <p:nvPr/>
+        </p:nvSpPr>
+        <p:spPr>
+          <a:xfrm>
+            <a:off x="451105" y="231648"/>
+            <a:ext cx="11241024" cy="6186309"/>
+          </a:xfrm>
+          <a:prstGeom prst="rect">
+            <a:avLst/>
+          </a:prstGeom>
+          <a:noFill/>
+        </p:spPr>
+        <p:txBody>
+          <a:bodyPr wrap="square" rtlCol="0">
+            <a:spAutoFit/>
+          </a:bodyPr>
+          <a:lstStyle/>
+          <a:p>
+            <a:r>
+              <a:rPr lang="en-US" b="1" dirty="0">
+                <a:hlinkClick r:id="rId2"/>
+              </a:rPr>
+              <a:t>boolean equals(Object anObject)</a:t>
+            </a:r>
+            <a:endParaRPr lang="en-US" dirty="0"/>
+          </a:p>
+          <a:p>
+            <a:r>
+              <a:rPr lang="en-US" dirty="0"/>
+              <a:t>Compares this string to the specified object.</a:t>
+            </a:r>
+          </a:p>
+          <a:p>
+            <a:r>
+              <a:rPr lang="en-US" b="1" dirty="0">
+                <a:hlinkClick r:id="rId3"/>
+              </a:rPr>
+              <a:t>boolean equalsIgnoreCase(String anotherString)</a:t>
+            </a:r>
+            <a:endParaRPr lang="en-US" dirty="0"/>
+          </a:p>
+          <a:p>
+            <a:r>
+              <a:rPr lang="en-US" dirty="0"/>
+              <a:t>Compares this String to another String, ignoring case considerations.</a:t>
+            </a:r>
+          </a:p>
+          <a:p>
+            <a:r>
+              <a:rPr lang="en-US" b="1" dirty="0">
+                <a:hlinkClick r:id="rId4"/>
+              </a:rPr>
+              <a:t>void getChars(int srcBegin, int srcEnd, char[] dst, int dstBegin)</a:t>
+            </a:r>
+            <a:endParaRPr lang="en-US" dirty="0"/>
+          </a:p>
+          <a:p>
+            <a:r>
+              <a:rPr lang="en-US" dirty="0"/>
+              <a:t>Copies characters from this string into the destination character array.</a:t>
+            </a:r>
+          </a:p>
+          <a:p>
+            <a:r>
+              <a:rPr lang="en-US" b="1" dirty="0">
+                <a:hlinkClick r:id="rId5"/>
+              </a:rPr>
+              <a:t>int hashCode()</a:t>
+            </a:r>
+            <a:endParaRPr lang="en-US" dirty="0"/>
+          </a:p>
+          <a:p>
+            <a:r>
+              <a:rPr lang="en-US" dirty="0"/>
+              <a:t>Returns a hash code for this string.</a:t>
+            </a:r>
+          </a:p>
+          <a:p>
+            <a:r>
+              <a:rPr lang="en-US" b="1" dirty="0">
+                <a:hlinkClick r:id="rId6"/>
+              </a:rPr>
+              <a:t>int indexOf(int ch, int fromIndex)</a:t>
+            </a:r>
+            <a:endParaRPr lang="en-US" dirty="0"/>
+          </a:p>
+          <a:p>
+            <a:r>
+              <a:rPr lang="en-US" dirty="0"/>
+              <a:t>Returns the index within this string of the first occurrence of the specified character, starting the search at the specified index.</a:t>
+            </a:r>
+          </a:p>
+          <a:p>
+            <a:r>
+              <a:rPr lang="en-US" b="1" dirty="0">
+                <a:hlinkClick r:id="rId7"/>
+              </a:rPr>
+              <a:t>int indexOf(String str)</a:t>
+            </a:r>
+            <a:endParaRPr lang="en-US" dirty="0"/>
+          </a:p>
+          <a:p>
+            <a:r>
+              <a:rPr lang="en-US" dirty="0"/>
+              <a:t>Returns the index within this string of the first occurrence of the specified substring.</a:t>
+            </a:r>
+          </a:p>
+          <a:p>
+            <a:r>
+              <a:rPr lang="en-US" b="1" dirty="0">
+                <a:hlinkClick r:id="rId8"/>
+              </a:rPr>
+              <a:t>int lastIndexOf(int ch)</a:t>
+            </a:r>
+            <a:endParaRPr lang="en-US" dirty="0"/>
+          </a:p>
+          <a:p>
+            <a:r>
+              <a:rPr lang="en-US" dirty="0"/>
+              <a:t>Returns the index within this string of the last occurrence of the specified character.</a:t>
+            </a:r>
+          </a:p>
+          <a:p>
+            <a:r>
+              <a:rPr lang="en-US" b="1" dirty="0">
+                <a:hlinkClick r:id="rId9"/>
+              </a:rPr>
+              <a:t>int length()</a:t>
+            </a:r>
+            <a:endParaRPr lang="en-US" dirty="0"/>
+          </a:p>
+          <a:p>
+            <a:r>
+              <a:rPr lang="en-US" dirty="0"/>
+              <a:t>Returns the length of this string.</a:t>
+            </a:r>
+          </a:p>
+          <a:p>
+            <a:r>
+              <a:rPr lang="en-US" b="1" dirty="0">
+                <a:hlinkClick r:id="rId10"/>
+              </a:rPr>
+              <a:t>String replace(char oldChar, char newChar)</a:t>
+            </a:r>
+            <a:endParaRPr lang="en-US" dirty="0"/>
+          </a:p>
+          <a:p>
+            <a:r>
+              <a:rPr lang="en-US" dirty="0"/>
+              <a:t>Returns a new string resulting from replacing all occurrences of </a:t>
+            </a:r>
+            <a:r>
+              <a:rPr lang="en-US" dirty="0" err="1"/>
+              <a:t>oldChar</a:t>
+            </a:r>
+            <a:r>
+              <a:rPr lang="en-US" dirty="0"/>
+              <a:t> in this string with </a:t>
+            </a:r>
+            <a:r>
+              <a:rPr lang="en-US" dirty="0" err="1"/>
+              <a:t>newChar</a:t>
+            </a:r>
+            <a:r>
+              <a:rPr lang="en-US" dirty="0"/>
+              <a:t>.</a:t>
+            </a:r>
+          </a:p>
+          <a:p>
+            <a:r>
+              <a:rPr lang="en-US" b="1" dirty="0">
+                <a:hlinkClick r:id="rId11"/>
+              </a:rPr>
+              <a:t>String replaceAll(String regex, String replacement</a:t>
+            </a:r>
+            <a:endParaRPr lang="en-US" dirty="0"/>
+          </a:p>
+          <a:p>
+            <a:r>
+              <a:rPr lang="en-US" dirty="0"/>
+              <a:t>Replaces each substring of this string that matches the given regular expression with the given replacement.</a:t>
+            </a:r>
+          </a:p>
+          <a:p>
+            <a:endParaRPr lang="en-US" dirty="0"/>
+          </a:p>
+        </p:txBody>
+      </p:sp>
+    </p:spTree>
+    <p:extLst>
+      <p:ext uri="{BB962C8B-B14F-4D97-AF65-F5344CB8AC3E}">
+        <p14:creationId xmlns:p14="http://schemas.microsoft.com/office/powerpoint/2010/main" val="905160219"/>
+      </p:ext>
+    </p:extLst>
+  </p:cSld>
+  <p:clrMapOvr>
+    <a:masterClrMapping/>
+  </p:clrMapOvr>
+</p:sld>
+</file>
+
+<file path=ppt/slides/slide62.xml><?xml version="1.0" encoding="utf-8"?>
+<p:sld xmlns:a="http://schemas.openxmlformats.org/drawingml/2006/main" xmlns:r="http://schemas.openxmlformats.org/officeDocument/2006/relationships" xmlns:p="http://schemas.openxmlformats.org/presentationml/2006/main">
+  <p:cSld>
+    <p:spTree>
+      <p:nvGrpSpPr>
+        <p:cNvPr id="1" name=""/>
+        <p:cNvGrpSpPr/>
+        <p:nvPr/>
+      </p:nvGrpSpPr>
+      <p:grpSpPr>
+        <a:xfrm>
+          <a:off x="0" y="0"/>
+          <a:ext cx="0" cy="0"/>
+          <a:chOff x="0" y="0"/>
+          <a:chExt cx="0" cy="0"/>
+        </a:xfrm>
+      </p:grpSpPr>
+      <p:sp>
+        <p:nvSpPr>
+          <p:cNvPr id="4" name="TextBox 3"/>
+          <p:cNvSpPr txBox="1"/>
+          <p:nvPr/>
+        </p:nvSpPr>
+        <p:spPr>
+          <a:xfrm>
+            <a:off x="694944" y="304800"/>
+            <a:ext cx="10594310" cy="6463308"/>
+          </a:xfrm>
+          <a:prstGeom prst="rect">
+            <a:avLst/>
+          </a:prstGeom>
+          <a:noFill/>
+        </p:spPr>
+        <p:txBody>
+          <a:bodyPr wrap="none" rtlCol="0">
+            <a:spAutoFit/>
+          </a:bodyPr>
+          <a:lstStyle/>
+          <a:p>
+            <a:r>
+              <a:rPr lang="en-US" b="1" dirty="0">
+                <a:hlinkClick r:id="rId2"/>
+              </a:rPr>
+              <a:t>String replaceFirst(String regex, String replacement)</a:t>
+            </a:r>
+            <a:endParaRPr lang="en-US" dirty="0"/>
+          </a:p>
+          <a:p>
+            <a:r>
+              <a:rPr lang="en-US" dirty="0"/>
+              <a:t>Replaces the first substring of this string that matches the given regular expression with the given replacement.</a:t>
+            </a:r>
+          </a:p>
+          <a:p>
+            <a:r>
+              <a:rPr lang="en-US" b="1" dirty="0">
+                <a:hlinkClick r:id="rId3"/>
+              </a:rPr>
+              <a:t>String[] split(String regex)</a:t>
+            </a:r>
+            <a:endParaRPr lang="en-US" dirty="0"/>
+          </a:p>
+          <a:p>
+            <a:r>
+              <a:rPr lang="en-US" dirty="0"/>
+              <a:t>Splits this string around matches of the given regular expression.</a:t>
+            </a:r>
+          </a:p>
+          <a:p>
+            <a:r>
+              <a:rPr lang="en-US" b="1" dirty="0">
+                <a:hlinkClick r:id="rId4"/>
+              </a:rPr>
+              <a:t>boolean startsWith(String prefix)</a:t>
+            </a:r>
+            <a:endParaRPr lang="en-US" dirty="0"/>
+          </a:p>
+          <a:p>
+            <a:r>
+              <a:rPr lang="en-US" dirty="0"/>
+              <a:t>Tests if this string starts with the specified prefix.</a:t>
+            </a:r>
+          </a:p>
+          <a:p>
+            <a:r>
+              <a:rPr lang="en-US" b="1" dirty="0">
+                <a:hlinkClick r:id="rId5"/>
+              </a:rPr>
+              <a:t>boolean startsWith(String prefix, int toffset)</a:t>
+            </a:r>
+            <a:endParaRPr lang="en-US" dirty="0"/>
+          </a:p>
+          <a:p>
+            <a:r>
+              <a:rPr lang="en-US" dirty="0"/>
+              <a:t>Tests if this string starts with the specified prefix beginning a specified index.</a:t>
+            </a:r>
+          </a:p>
+          <a:p>
+            <a:r>
+              <a:rPr lang="en-US" b="1" dirty="0">
+                <a:hlinkClick r:id="rId6"/>
+              </a:rPr>
+              <a:t>String substring(int beginIndex)</a:t>
+            </a:r>
+            <a:endParaRPr lang="en-US" dirty="0"/>
+          </a:p>
+          <a:p>
+            <a:r>
+              <a:rPr lang="en-US" dirty="0"/>
+              <a:t>Returns a new string that is a substring of this string.</a:t>
+            </a:r>
+          </a:p>
+          <a:p>
+            <a:r>
+              <a:rPr lang="en-US" b="1" dirty="0">
+                <a:hlinkClick r:id="rId7"/>
+              </a:rPr>
+              <a:t>String substring(int beginIndex, int endIndex)</a:t>
+            </a:r>
+            <a:endParaRPr lang="en-US" dirty="0"/>
+          </a:p>
+          <a:p>
+            <a:r>
+              <a:rPr lang="en-US" dirty="0"/>
+              <a:t>Returns a new string that is a substring of this string.</a:t>
+            </a:r>
+          </a:p>
+          <a:p>
+            <a:r>
+              <a:rPr lang="en-US" b="1" dirty="0">
+                <a:hlinkClick r:id="rId8"/>
+              </a:rPr>
+              <a:t>char[] toCharArray()</a:t>
+            </a:r>
+            <a:endParaRPr lang="en-US" dirty="0"/>
+          </a:p>
+          <a:p>
+            <a:r>
+              <a:rPr lang="en-US" dirty="0"/>
+              <a:t>Converts this string to a new character array.</a:t>
+            </a:r>
+          </a:p>
+          <a:p>
+            <a:r>
+              <a:rPr lang="en-US" b="1" dirty="0">
+                <a:hlinkClick r:id="rId9"/>
+              </a:rPr>
+              <a:t>String toLowerCase()</a:t>
+            </a:r>
+            <a:endParaRPr lang="en-US" dirty="0"/>
+          </a:p>
+          <a:p>
+            <a:r>
+              <a:rPr lang="en-US" dirty="0"/>
+              <a:t>Converts all of the characters in this String to lower case using the rules of the default locale.</a:t>
+            </a:r>
+          </a:p>
+          <a:p>
+            <a:r>
+              <a:rPr lang="en-US" b="1" dirty="0">
+                <a:hlinkClick r:id="rId10"/>
+              </a:rPr>
+              <a:t>String toLowerCase(Locale locale)</a:t>
+            </a:r>
+            <a:endParaRPr lang="en-US" dirty="0"/>
+          </a:p>
+          <a:p>
+            <a:r>
+              <a:rPr lang="en-US" dirty="0"/>
+              <a:t>Converts all of the characters in this String to lower case using the rules of the given Locale.</a:t>
+            </a:r>
+          </a:p>
+          <a:p>
+            <a:r>
+              <a:rPr lang="en-US" b="1" dirty="0">
+                <a:hlinkClick r:id="rId11"/>
+              </a:rPr>
+              <a:t>String toUpperCase()</a:t>
+            </a:r>
+            <a:endParaRPr lang="en-US" dirty="0"/>
+          </a:p>
+          <a:p>
+            <a:r>
+              <a:rPr lang="en-US" dirty="0"/>
+              <a:t>Converts all of the characters in this String to upper case using the rules of the default locale.</a:t>
+            </a:r>
+          </a:p>
+          <a:p>
+            <a:r>
+              <a:rPr lang="en-US" b="1" dirty="0">
+                <a:hlinkClick r:id="rId12"/>
+              </a:rPr>
+              <a:t>String trim()</a:t>
+            </a:r>
+            <a:endParaRPr lang="en-US" dirty="0"/>
+          </a:p>
+          <a:p>
+            <a:r>
+              <a:rPr lang="en-US" dirty="0"/>
+              <a:t>Returns a copy of the string, with leading and trailing whitespace omitted.</a:t>
+            </a:r>
+          </a:p>
+          <a:p>
+            <a:endParaRPr lang="en-US" dirty="0"/>
+          </a:p>
+        </p:txBody>
+      </p:sp>
+    </p:spTree>
+    <p:extLst>
+      <p:ext uri="{BB962C8B-B14F-4D97-AF65-F5344CB8AC3E}">
+        <p14:creationId xmlns:p14="http://schemas.microsoft.com/office/powerpoint/2010/main" val="262946400"/>
+      </p:ext>
+    </p:extLst>
+  </p:cSld>
+  <p:clrMapOvr>
+    <a:masterClrMapping/>
+  </p:clrMapOvr>
+</p:sld>
+</file>
+
+<file path=ppt/slides/slide63.xml><?xml version="1.0" encoding="utf-8"?>
+<p:sld xmlns:a="http://schemas.openxmlformats.org/drawingml/2006/main" xmlns:r="http://schemas.openxmlformats.org/officeDocument/2006/relationships" xmlns:p="http://schemas.openxmlformats.org/presentationml/2006/main">
+  <p:cSld>
+    <p:bg>
+      <p:bgPr>
+        <a:noFill/>
+        <a:effectLst/>
+      </p:bgPr>
+    </p:bg>
+    <p:spTree>
+      <p:nvGrpSpPr>
+        <p:cNvPr id="1" name=""/>
+        <p:cNvGrpSpPr/>
+        <p:nvPr/>
+      </p:nvGrpSpPr>
+      <p:grpSpPr>
+        <a:xfrm>
+          <a:off x="0" y="0"/>
+          <a:ext cx="0" cy="0"/>
+          <a:chOff x="0" y="0"/>
+          <a:chExt cx="0" cy="0"/>
+        </a:xfrm>
+      </p:grpSpPr>
+      <p:sp>
+        <p:nvSpPr>
+          <p:cNvPr id="4" name="TextBox 3"/>
+          <p:cNvSpPr txBox="1"/>
+          <p:nvPr/>
+        </p:nvSpPr>
+        <p:spPr>
+          <a:xfrm>
+            <a:off x="707136" y="292608"/>
+            <a:ext cx="11180064" cy="2308324"/>
+          </a:xfrm>
+          <a:prstGeom prst="rect">
+            <a:avLst/>
+          </a:prstGeom>
+          <a:noFill/>
+        </p:spPr>
+        <p:txBody>
+          <a:bodyPr wrap="square" rtlCol="0">
+            <a:spAutoFit/>
+          </a:bodyPr>
+          <a:lstStyle/>
+          <a:p>
+            <a:r>
+              <a:rPr lang="en-US" b="1" dirty="0"/>
+              <a:t>Difference between == and .equals() method in Java</a:t>
+            </a:r>
+          </a:p>
+          <a:p>
+            <a:pPr marL="742950" lvl="1" indent="-285750" fontAlgn="base">
+              <a:buFont typeface="Arial" charset="0"/>
+              <a:buChar char="•"/>
+            </a:pPr>
+            <a:r>
+              <a:rPr lang="en-US" dirty="0"/>
+              <a:t>In general both equals() and “==” operator in Java are used to compare objects to check equality but here are some of the differences between the two:</a:t>
+            </a:r>
+          </a:p>
+          <a:p>
+            <a:pPr marL="742950" lvl="1" indent="-285750" fontAlgn="base">
+              <a:buFont typeface="Arial" charset="0"/>
+              <a:buChar char="•"/>
+            </a:pPr>
+            <a:r>
+              <a:rPr lang="en-US" dirty="0"/>
+              <a:t>Main difference between .equals() method and == operator is that one is method and other is operator.</a:t>
+            </a:r>
+          </a:p>
+          <a:p>
+            <a:pPr marL="742950" lvl="1" indent="-285750" fontAlgn="base">
+              <a:buFont typeface="Arial" charset="0"/>
+              <a:buChar char="•"/>
+            </a:pPr>
+            <a:r>
+              <a:rPr lang="en-US" dirty="0"/>
+              <a:t>We can use == operators for reference comparison (</a:t>
+            </a:r>
+            <a:r>
+              <a:rPr lang="en-US" b="1" dirty="0"/>
+              <a:t>address comparison</a:t>
+            </a:r>
+            <a:r>
+              <a:rPr lang="en-US" dirty="0"/>
+              <a:t>) and .equals() method for </a:t>
+            </a:r>
+            <a:r>
+              <a:rPr lang="en-US" b="1" dirty="0"/>
+              <a:t>content comparison</a:t>
+            </a:r>
+            <a:r>
+              <a:rPr lang="en-US" dirty="0"/>
+              <a:t>. In simple words, == checks if both objects point to the same memory location whereas .equals() evaluates to the comparison of values in the objects.</a:t>
+            </a:r>
+          </a:p>
+          <a:p>
+            <a:endParaRPr lang="en-US" dirty="0"/>
+          </a:p>
+        </p:txBody>
+      </p:sp>
+      <p:graphicFrame>
+        <p:nvGraphicFramePr>
+          <p:cNvPr id="6" name="Table 5"/>
+          <p:cNvGraphicFramePr>
+            <a:graphicFrameLocks noGrp="1"/>
+          </p:cNvGraphicFramePr>
+          <p:nvPr>
+            <p:extLst>
+              <p:ext uri="{D42A27DB-BD31-4B8C-83A1-F6EECF244321}">
+                <p14:modId xmlns:p14="http://schemas.microsoft.com/office/powerpoint/2010/main" val="1015913832"/>
+              </p:ext>
+            </p:extLst>
+          </p:nvPr>
+        </p:nvGraphicFramePr>
+        <p:xfrm>
+          <a:off x="707136" y="2600932"/>
+          <a:ext cx="7168896" cy="3035808"/>
+        </p:xfrm>
+        <a:graphic>
+          <a:graphicData uri="http://schemas.openxmlformats.org/drawingml/2006/table">
+            <a:tbl>
+              <a:tblPr/>
+              <a:tblGrid>
+                <a:gridCol w="7168896"/>
+              </a:tblGrid>
+              <a:tr h="3035808">
+                <a:tc>
+                  <a:txBody>
+                    <a:bodyPr/>
+                    <a:lstStyle/>
+                    <a:p>
+                      <a:pPr algn="l" rtl="0" fontAlgn="base"/>
+                      <a:r>
+                        <a:rPr lang="en-US" sz="1800" b="0" i="0" dirty="0">
+                          <a:effectLst/>
+                          <a:latin typeface="Consolas" charset="0"/>
+                        </a:rPr>
+                        <a:t>// Java program to understand </a:t>
+                      </a:r>
+                    </a:p>
+                    <a:p>
+                      <a:pPr algn="l" rtl="0" fontAlgn="base"/>
+                      <a:r>
+                        <a:rPr lang="en-US" sz="1800" b="0" i="0" dirty="0">
+                          <a:effectLst/>
+                          <a:latin typeface="Consolas" charset="0"/>
+                        </a:rPr>
+                        <a:t>// the concept of == operator</a:t>
+                      </a:r>
+                    </a:p>
+                    <a:p>
+                      <a:pPr algn="l" rtl="0" fontAlgn="base"/>
+                      <a:r>
+                        <a:rPr lang="en-US" sz="1800" b="1" i="0" dirty="0">
+                          <a:solidFill>
+                            <a:schemeClr val="accent6"/>
+                          </a:solidFill>
+                          <a:effectLst/>
+                          <a:latin typeface="Consolas" charset="0"/>
+                        </a:rPr>
+                        <a:t>public class Test {</a:t>
+                      </a:r>
+                    </a:p>
+                    <a:p>
+                      <a:pPr algn="l" rtl="0" fontAlgn="base"/>
+                      <a:r>
+                        <a:rPr lang="en-US" sz="1800" b="0" i="0" dirty="0">
+                          <a:effectLst/>
+                          <a:latin typeface="Consolas" charset="0"/>
+                        </a:rPr>
+                        <a:t>    </a:t>
+                      </a:r>
+                      <a:r>
+                        <a:rPr lang="en-US" sz="1800" b="1" i="0" dirty="0">
+                          <a:solidFill>
+                            <a:srgbClr val="7030A0"/>
+                          </a:solidFill>
+                          <a:effectLst/>
+                          <a:latin typeface="Consolas" charset="0"/>
+                        </a:rPr>
+                        <a:t>public static void main(String[] </a:t>
+                      </a:r>
+                      <a:r>
+                        <a:rPr lang="en-US" sz="1800" b="1" i="0" dirty="0" err="1">
+                          <a:solidFill>
+                            <a:srgbClr val="7030A0"/>
+                          </a:solidFill>
+                          <a:effectLst/>
+                          <a:latin typeface="Consolas" charset="0"/>
+                        </a:rPr>
+                        <a:t>args</a:t>
+                      </a:r>
+                      <a:r>
+                        <a:rPr lang="en-US" sz="1800" b="1" i="0" dirty="0">
+                          <a:solidFill>
+                            <a:srgbClr val="7030A0"/>
+                          </a:solidFill>
+                          <a:effectLst/>
+                          <a:latin typeface="Consolas" charset="0"/>
+                        </a:rPr>
+                        <a:t>)</a:t>
+                      </a:r>
+                    </a:p>
+                    <a:p>
+                      <a:pPr algn="l" rtl="0" fontAlgn="base"/>
+                      <a:r>
+                        <a:rPr lang="en-US" sz="1800" b="0" i="0" dirty="0">
+                          <a:effectLst/>
+                          <a:latin typeface="Consolas" charset="0"/>
+                        </a:rPr>
+                        <a:t>    {</a:t>
+                      </a:r>
+                    </a:p>
+                    <a:p>
+                      <a:pPr algn="l" rtl="0" fontAlgn="base"/>
+                      <a:r>
+                        <a:rPr lang="en-US" sz="1800" b="0" i="0" dirty="0">
+                          <a:effectLst/>
+                          <a:latin typeface="Consolas" charset="0"/>
+                        </a:rPr>
+                        <a:t>        String s1 = new String("HELLO");</a:t>
+                      </a:r>
+                    </a:p>
+                    <a:p>
+                      <a:pPr algn="l" rtl="0" fontAlgn="base"/>
+                      <a:r>
+                        <a:rPr lang="en-US" sz="1800" b="0" i="0" dirty="0">
+                          <a:effectLst/>
+                          <a:latin typeface="Consolas" charset="0"/>
+                        </a:rPr>
+                        <a:t>        String s2 = new String("HELLO");</a:t>
+                      </a:r>
+                    </a:p>
+                    <a:p>
+                      <a:pPr algn="l" rtl="0" fontAlgn="base"/>
+                      <a:r>
+                        <a:rPr lang="en-US" sz="1800" b="0" i="0" dirty="0">
+                          <a:effectLst/>
+                          <a:latin typeface="Consolas" charset="0"/>
+                        </a:rPr>
+                        <a:t>        </a:t>
+                      </a:r>
+                      <a:r>
+                        <a:rPr lang="en-US" sz="1800" b="0" i="0" dirty="0" err="1">
+                          <a:effectLst/>
+                          <a:latin typeface="Consolas" charset="0"/>
+                        </a:rPr>
+                        <a:t>System.out.println</a:t>
+                      </a:r>
+                      <a:r>
+                        <a:rPr lang="en-US" sz="1800" b="0" i="0" dirty="0">
+                          <a:effectLst/>
+                          <a:latin typeface="Consolas" charset="0"/>
+                        </a:rPr>
+                        <a:t>(s1 == s2);</a:t>
+                      </a:r>
+                    </a:p>
+                    <a:p>
+                      <a:pPr algn="l" rtl="0" fontAlgn="base"/>
+                      <a:r>
+                        <a:rPr lang="en-US" sz="1800" b="0" i="0" dirty="0">
+                          <a:effectLst/>
+                          <a:latin typeface="Consolas" charset="0"/>
+                        </a:rPr>
+                        <a:t>        </a:t>
+                      </a:r>
+                      <a:r>
+                        <a:rPr lang="en-US" sz="1800" b="0" i="0" dirty="0" err="1">
+                          <a:effectLst/>
+                          <a:latin typeface="Consolas" charset="0"/>
+                        </a:rPr>
+                        <a:t>System.out.println</a:t>
+                      </a:r>
+                      <a:r>
+                        <a:rPr lang="en-US" sz="1800" b="0" i="0" dirty="0">
+                          <a:effectLst/>
+                          <a:latin typeface="Consolas" charset="0"/>
+                        </a:rPr>
+                        <a:t>(s1.equals(s2));</a:t>
+                      </a:r>
+                    </a:p>
+                    <a:p>
+                      <a:pPr algn="l" rtl="0" fontAlgn="base"/>
+                      <a:r>
+                        <a:rPr lang="en-US" sz="1800" b="0" i="0" dirty="0">
+                          <a:effectLst/>
+                          <a:latin typeface="Consolas" charset="0"/>
+                        </a:rPr>
+                        <a:t>    }</a:t>
+                      </a:r>
+                    </a:p>
+                    <a:p>
+                      <a:pPr algn="l" rtl="0" fontAlgn="base"/>
+                      <a:r>
+                        <a:rPr lang="en-US" sz="1800" b="0" i="0" dirty="0">
+                          <a:effectLst/>
+                          <a:latin typeface="Consolas" charset="0"/>
+                        </a:rPr>
+                        <a:t>}</a:t>
+                      </a:r>
+                    </a:p>
+                  </a:txBody>
+                  <a:tcPr marL="0" marR="0" marT="0" marB="0" anchor="ctr">
+                    <a:lnL>
+                      <a:noFill/>
+                    </a:lnL>
+                    <a:lnR>
+                      <a:noFill/>
+                    </a:lnR>
+                    <a:lnT>
+                      <a:noFill/>
+                    </a:lnT>
+                    <a:lnB>
+                      <a:noFill/>
+                    </a:lnB>
+                  </a:tcPr>
+                </a:tc>
+              </a:tr>
+            </a:tbl>
+          </a:graphicData>
+        </a:graphic>
+      </p:graphicFrame>
+      <p:sp>
+        <p:nvSpPr>
+          <p:cNvPr id="7" name="TextBox 6"/>
+          <p:cNvSpPr txBox="1"/>
+          <p:nvPr/>
+        </p:nvSpPr>
+        <p:spPr>
+          <a:xfrm>
+            <a:off x="707136" y="5803392"/>
+            <a:ext cx="960969" cy="923330"/>
+          </a:xfrm>
+          <a:prstGeom prst="rect">
+            <a:avLst/>
+          </a:prstGeom>
+          <a:noFill/>
+        </p:spPr>
+        <p:txBody>
+          <a:bodyPr wrap="none" rtlCol="0">
+            <a:spAutoFit/>
+          </a:bodyPr>
+          <a:lstStyle/>
+          <a:p>
+            <a:r>
+              <a:rPr lang="en-US" b="1" dirty="0" smtClean="0"/>
+              <a:t>Output:</a:t>
+            </a:r>
+          </a:p>
+          <a:p>
+            <a:pPr marL="285750" indent="-285750">
+              <a:buFont typeface="Arial" charset="0"/>
+              <a:buChar char="•"/>
+            </a:pPr>
+            <a:r>
+              <a:rPr lang="en-US" dirty="0"/>
+              <a:t>false </a:t>
+            </a:r>
+            <a:endParaRPr lang="en-US" dirty="0" smtClean="0"/>
+          </a:p>
+          <a:p>
+            <a:pPr marL="285750" indent="-285750">
+              <a:buFont typeface="Arial" charset="0"/>
+              <a:buChar char="•"/>
+            </a:pPr>
+            <a:r>
+              <a:rPr lang="en-US" dirty="0" smtClean="0"/>
+              <a:t>true</a:t>
+            </a:r>
+            <a:endParaRPr lang="en-US" dirty="0"/>
+          </a:p>
+        </p:txBody>
+      </p:sp>
+    </p:spTree>
+    <p:extLst>
+      <p:ext uri="{BB962C8B-B14F-4D97-AF65-F5344CB8AC3E}">
+        <p14:creationId xmlns:p14="http://schemas.microsoft.com/office/powerpoint/2010/main" val="1838693211"/>
+      </p:ext>
+    </p:extLst>
+  </p:cSld>
+  <p:clrMapOvr>
+    <a:masterClrMapping/>
+  </p:clrMapOvr>
+</p:sld>
+</file>
+
+<file path=ppt/slides/slide64.xml><?xml version="1.0" encoding="utf-8"?>
+<p:sld xmlns:a="http://schemas.openxmlformats.org/drawingml/2006/main" xmlns:r="http://schemas.openxmlformats.org/officeDocument/2006/relationships" xmlns:p="http://schemas.openxmlformats.org/presentationml/2006/main">
+  <p:cSld>
+    <p:bg>
+      <p:bgPr>
+        <a:noFill/>
+        <a:effectLst/>
+      </p:bgPr>
+    </p:bg>
+    <p:spTree>
+      <p:nvGrpSpPr>
+        <p:cNvPr id="1" name=""/>
+        <p:cNvGrpSpPr/>
+        <p:nvPr/>
+      </p:nvGrpSpPr>
+      <p:grpSpPr>
+        <a:xfrm>
+          <a:off x="0" y="0"/>
+          <a:ext cx="0" cy="0"/>
+          <a:chOff x="0" y="0"/>
+          <a:chExt cx="0" cy="0"/>
+        </a:xfrm>
+      </p:grpSpPr>
+      <p:sp>
+        <p:nvSpPr>
+          <p:cNvPr id="4" name="TextBox 3"/>
+          <p:cNvSpPr txBox="1"/>
+          <p:nvPr/>
+        </p:nvSpPr>
+        <p:spPr>
+          <a:xfrm>
+            <a:off x="816864" y="377952"/>
+            <a:ext cx="4303776" cy="4801314"/>
+          </a:xfrm>
+          <a:prstGeom prst="rect">
+            <a:avLst/>
+          </a:prstGeom>
+          <a:noFill/>
+        </p:spPr>
+        <p:txBody>
+          <a:bodyPr wrap="square" rtlCol="0">
+            <a:spAutoFit/>
+          </a:bodyPr>
+          <a:lstStyle/>
+          <a:p>
+            <a:pPr fontAlgn="base"/>
+            <a:r>
+              <a:rPr lang="pl-PL" b="1" dirty="0" err="1">
+                <a:solidFill>
+                  <a:schemeClr val="accent6"/>
+                </a:solidFill>
+              </a:rPr>
+              <a:t>class</a:t>
+            </a:r>
+            <a:r>
+              <a:rPr lang="pl-PL" b="1" dirty="0">
+                <a:solidFill>
+                  <a:schemeClr val="accent6"/>
+                </a:solidFill>
+              </a:rPr>
+              <a:t> Test {</a:t>
+            </a:r>
+          </a:p>
+          <a:p>
+            <a:pPr fontAlgn="base"/>
+            <a:r>
+              <a:rPr lang="pl-PL" dirty="0"/>
+              <a:t>    public </a:t>
+            </a:r>
+            <a:r>
+              <a:rPr lang="pl-PL" dirty="0" err="1"/>
+              <a:t>static</a:t>
+            </a:r>
+            <a:r>
+              <a:rPr lang="pl-PL" dirty="0"/>
+              <a:t> </a:t>
+            </a:r>
+            <a:r>
+              <a:rPr lang="pl-PL" dirty="0" err="1"/>
+              <a:t>void</a:t>
+            </a:r>
+            <a:r>
+              <a:rPr lang="pl-PL" dirty="0"/>
+              <a:t> </a:t>
+            </a:r>
+            <a:r>
+              <a:rPr lang="pl-PL" dirty="0" err="1"/>
+              <a:t>main</a:t>
+            </a:r>
+            <a:r>
+              <a:rPr lang="pl-PL" dirty="0"/>
+              <a:t>(String[] </a:t>
+            </a:r>
+            <a:r>
+              <a:rPr lang="pl-PL" dirty="0" err="1"/>
+              <a:t>args</a:t>
+            </a:r>
+            <a:r>
+              <a:rPr lang="pl-PL" dirty="0"/>
+              <a:t>)</a:t>
+            </a:r>
+          </a:p>
+          <a:p>
+            <a:pPr fontAlgn="base"/>
+            <a:r>
+              <a:rPr lang="pl-PL" dirty="0"/>
+              <a:t>    {</a:t>
+            </a:r>
+          </a:p>
+          <a:p>
+            <a:pPr fontAlgn="base"/>
+            <a:r>
+              <a:rPr lang="pl-PL" dirty="0"/>
+              <a:t>        // </a:t>
+            </a:r>
+            <a:r>
+              <a:rPr lang="pl-PL" dirty="0" err="1"/>
+              <a:t>integer-type</a:t>
+            </a:r>
+            <a:endParaRPr lang="pl-PL" dirty="0"/>
+          </a:p>
+          <a:p>
+            <a:pPr fontAlgn="base"/>
+            <a:r>
+              <a:rPr lang="pl-PL" dirty="0"/>
+              <a:t>        </a:t>
+            </a:r>
+            <a:r>
+              <a:rPr lang="pl-PL" dirty="0" err="1"/>
+              <a:t>System.out.println</a:t>
+            </a:r>
+            <a:r>
+              <a:rPr lang="pl-PL" dirty="0"/>
+              <a:t>(10 == 20);</a:t>
+            </a:r>
+          </a:p>
+          <a:p>
+            <a:pPr fontAlgn="base"/>
+            <a:r>
+              <a:rPr lang="pl-PL" dirty="0"/>
+              <a:t> </a:t>
+            </a:r>
+          </a:p>
+          <a:p>
+            <a:pPr fontAlgn="base"/>
+            <a:r>
+              <a:rPr lang="pl-PL" dirty="0"/>
+              <a:t>        // char-</a:t>
+            </a:r>
+            <a:r>
+              <a:rPr lang="pl-PL" dirty="0" err="1"/>
+              <a:t>type</a:t>
+            </a:r>
+            <a:endParaRPr lang="pl-PL" dirty="0"/>
+          </a:p>
+          <a:p>
+            <a:pPr fontAlgn="base"/>
+            <a:r>
+              <a:rPr lang="pl-PL" dirty="0"/>
+              <a:t>        </a:t>
+            </a:r>
+            <a:r>
+              <a:rPr lang="pl-PL" dirty="0" err="1"/>
+              <a:t>System.out.println</a:t>
+            </a:r>
+            <a:r>
+              <a:rPr lang="pl-PL" dirty="0"/>
+              <a:t>('a' == 'b');</a:t>
+            </a:r>
+          </a:p>
+          <a:p>
+            <a:pPr fontAlgn="base"/>
+            <a:r>
+              <a:rPr lang="pl-PL" dirty="0"/>
+              <a:t> </a:t>
+            </a:r>
+          </a:p>
+          <a:p>
+            <a:pPr fontAlgn="base"/>
+            <a:r>
+              <a:rPr lang="pl-PL" dirty="0"/>
+              <a:t>        // char and </a:t>
+            </a:r>
+            <a:r>
+              <a:rPr lang="pl-PL" dirty="0" err="1"/>
+              <a:t>double</a:t>
+            </a:r>
+            <a:r>
+              <a:rPr lang="pl-PL" dirty="0"/>
+              <a:t> </a:t>
+            </a:r>
+            <a:r>
+              <a:rPr lang="pl-PL" dirty="0" err="1"/>
+              <a:t>type</a:t>
+            </a:r>
+            <a:endParaRPr lang="pl-PL" dirty="0"/>
+          </a:p>
+          <a:p>
+            <a:pPr fontAlgn="base"/>
+            <a:r>
+              <a:rPr lang="pl-PL" dirty="0"/>
+              <a:t>        </a:t>
+            </a:r>
+            <a:r>
+              <a:rPr lang="pl-PL" dirty="0" err="1"/>
+              <a:t>System.out.println</a:t>
+            </a:r>
+            <a:r>
+              <a:rPr lang="pl-PL" dirty="0"/>
+              <a:t>('a' == 97.0);</a:t>
+            </a:r>
+          </a:p>
+          <a:p>
+            <a:pPr fontAlgn="base"/>
+            <a:r>
+              <a:rPr lang="pl-PL" dirty="0"/>
+              <a:t> </a:t>
+            </a:r>
+          </a:p>
+          <a:p>
+            <a:pPr fontAlgn="base"/>
+            <a:r>
+              <a:rPr lang="pl-PL" dirty="0"/>
+              <a:t>        // </a:t>
+            </a:r>
+            <a:r>
+              <a:rPr lang="pl-PL" dirty="0" err="1"/>
+              <a:t>boolean</a:t>
+            </a:r>
+            <a:r>
+              <a:rPr lang="pl-PL" dirty="0"/>
+              <a:t> </a:t>
+            </a:r>
+            <a:r>
+              <a:rPr lang="pl-PL" dirty="0" err="1"/>
+              <a:t>type</a:t>
+            </a:r>
+            <a:endParaRPr lang="pl-PL" dirty="0"/>
+          </a:p>
+          <a:p>
+            <a:pPr fontAlgn="base"/>
+            <a:r>
+              <a:rPr lang="pl-PL" dirty="0"/>
+              <a:t>        </a:t>
+            </a:r>
+            <a:r>
+              <a:rPr lang="pl-PL" dirty="0" err="1"/>
+              <a:t>System.out.println</a:t>
+            </a:r>
+            <a:r>
+              <a:rPr lang="pl-PL" dirty="0"/>
+              <a:t>(</a:t>
+            </a:r>
+            <a:r>
+              <a:rPr lang="pl-PL" dirty="0" err="1"/>
+              <a:t>true</a:t>
+            </a:r>
+            <a:r>
+              <a:rPr lang="pl-PL" dirty="0"/>
+              <a:t> == </a:t>
+            </a:r>
+            <a:r>
+              <a:rPr lang="pl-PL" dirty="0" err="1"/>
+              <a:t>true</a:t>
+            </a:r>
+            <a:r>
+              <a:rPr lang="pl-PL" dirty="0"/>
+              <a:t>);</a:t>
+            </a:r>
+          </a:p>
+          <a:p>
+            <a:pPr fontAlgn="base"/>
+            <a:r>
+              <a:rPr lang="pl-PL" dirty="0"/>
+              <a:t>    }</a:t>
+            </a:r>
+          </a:p>
+          <a:p>
+            <a:pPr fontAlgn="base"/>
+            <a:r>
+              <a:rPr lang="pl-PL" dirty="0"/>
+              <a:t>}</a:t>
+            </a:r>
+          </a:p>
+          <a:p>
+            <a:endParaRPr lang="en-US" dirty="0"/>
+          </a:p>
+        </p:txBody>
+      </p:sp>
+      <p:sp>
+        <p:nvSpPr>
+          <p:cNvPr id="5" name="TextBox 4"/>
+          <p:cNvSpPr txBox="1"/>
+          <p:nvPr/>
+        </p:nvSpPr>
+        <p:spPr>
+          <a:xfrm>
+            <a:off x="816864" y="4986528"/>
+            <a:ext cx="960969" cy="1477328"/>
+          </a:xfrm>
+          <a:prstGeom prst="rect">
+            <a:avLst/>
+          </a:prstGeom>
+          <a:noFill/>
+        </p:spPr>
+        <p:txBody>
+          <a:bodyPr wrap="none" rtlCol="0">
+            <a:spAutoFit/>
+          </a:bodyPr>
+          <a:lstStyle/>
+          <a:p>
+            <a:r>
+              <a:rPr lang="en-US" b="1" dirty="0" smtClean="0"/>
+              <a:t>Output:</a:t>
+            </a:r>
+          </a:p>
+          <a:p>
+            <a:pPr marL="285750" indent="-285750">
+              <a:buFont typeface="Arial" charset="0"/>
+              <a:buChar char="•"/>
+            </a:pPr>
+            <a:r>
+              <a:rPr lang="en-US" dirty="0"/>
+              <a:t>false </a:t>
+            </a:r>
+            <a:endParaRPr lang="en-US" dirty="0" smtClean="0"/>
+          </a:p>
+          <a:p>
+            <a:pPr marL="285750" indent="-285750">
+              <a:buFont typeface="Arial" charset="0"/>
+              <a:buChar char="•"/>
+            </a:pPr>
+            <a:r>
+              <a:rPr lang="en-US" dirty="0" smtClean="0"/>
+              <a:t>false </a:t>
+            </a:r>
+          </a:p>
+          <a:p>
+            <a:pPr marL="285750" indent="-285750">
+              <a:buFont typeface="Arial" charset="0"/>
+              <a:buChar char="•"/>
+            </a:pPr>
+            <a:r>
+              <a:rPr lang="en-US" dirty="0" smtClean="0"/>
+              <a:t>true </a:t>
+            </a:r>
+          </a:p>
+          <a:p>
+            <a:pPr marL="285750" indent="-285750">
+              <a:buFont typeface="Arial" charset="0"/>
+              <a:buChar char="•"/>
+            </a:pPr>
+            <a:r>
+              <a:rPr lang="en-US" dirty="0" smtClean="0"/>
+              <a:t>true</a:t>
+            </a:r>
+            <a:endParaRPr lang="en-US" dirty="0"/>
+          </a:p>
+        </p:txBody>
+      </p:sp>
+      <p:graphicFrame>
+        <p:nvGraphicFramePr>
+          <p:cNvPr id="7" name="Table 6"/>
+          <p:cNvGraphicFramePr>
+            <a:graphicFrameLocks noGrp="1"/>
+          </p:cNvGraphicFramePr>
+          <p:nvPr>
+            <p:extLst>
+              <p:ext uri="{D42A27DB-BD31-4B8C-83A1-F6EECF244321}">
+                <p14:modId xmlns:p14="http://schemas.microsoft.com/office/powerpoint/2010/main" val="2118629664"/>
+              </p:ext>
+            </p:extLst>
+          </p:nvPr>
+        </p:nvGraphicFramePr>
+        <p:xfrm>
+          <a:off x="5120640" y="377952"/>
+          <a:ext cx="4835206" cy="4663440"/>
+        </p:xfrm>
+        <a:graphic>
+          <a:graphicData uri="http://schemas.openxmlformats.org/drawingml/2006/table">
+            <a:tbl>
+              <a:tblPr/>
+              <a:tblGrid>
+                <a:gridCol w="4835206"/>
+              </a:tblGrid>
+              <a:tr h="4351338">
+                <a:tc>
+                  <a:txBody>
+                    <a:bodyPr/>
+                    <a:lstStyle/>
+                    <a:p>
+                      <a:pPr algn="l" rtl="0" fontAlgn="base"/>
+                      <a:r>
+                        <a:rPr lang="en-US" sz="1800" b="1" i="0" dirty="0">
+                          <a:solidFill>
+                            <a:srgbClr val="7030A0"/>
+                          </a:solidFill>
+                          <a:effectLst/>
+                          <a:latin typeface="+mn-lt"/>
+                        </a:rPr>
+                        <a:t>public class Test {</a:t>
+                      </a:r>
+                    </a:p>
+                    <a:p>
+                      <a:pPr algn="l" rtl="0" fontAlgn="base"/>
+                      <a:r>
+                        <a:rPr lang="en-US" sz="1800" b="0" i="0" dirty="0">
+                          <a:effectLst/>
+                          <a:latin typeface="+mn-lt"/>
+                        </a:rPr>
+                        <a:t>    public static void main(String[] </a:t>
+                      </a:r>
+                      <a:r>
+                        <a:rPr lang="en-US" sz="1800" b="0" i="0" dirty="0" err="1">
+                          <a:effectLst/>
+                          <a:latin typeface="+mn-lt"/>
+                        </a:rPr>
+                        <a:t>args</a:t>
+                      </a:r>
+                      <a:r>
+                        <a:rPr lang="en-US" sz="1800" b="0" i="0" dirty="0">
+                          <a:effectLst/>
+                          <a:latin typeface="+mn-lt"/>
+                        </a:rPr>
+                        <a:t>)</a:t>
+                      </a:r>
+                    </a:p>
+                    <a:p>
+                      <a:pPr algn="l" rtl="0" fontAlgn="base"/>
+                      <a:r>
+                        <a:rPr lang="en-US" sz="1800" b="0" i="0" dirty="0">
+                          <a:effectLst/>
+                          <a:latin typeface="+mn-lt"/>
+                        </a:rPr>
+                        <a:t>    {</a:t>
+                      </a:r>
+                    </a:p>
+                    <a:p>
+                      <a:pPr algn="l" rtl="0" fontAlgn="base"/>
+                      <a:r>
+                        <a:rPr lang="en-US" sz="1800" b="0" i="0" dirty="0">
+                          <a:effectLst/>
+                          <a:latin typeface="+mn-lt"/>
+                        </a:rPr>
+                        <a:t>        Thread t1 = new Thread();</a:t>
+                      </a:r>
+                    </a:p>
+                    <a:p>
+                      <a:pPr algn="l" rtl="0" fontAlgn="base"/>
+                      <a:r>
+                        <a:rPr lang="en-US" sz="1800" b="0" i="0" dirty="0">
+                          <a:effectLst/>
+                          <a:latin typeface="+mn-lt"/>
+                        </a:rPr>
+                        <a:t>        Thread t2 = new Thread();</a:t>
+                      </a:r>
+                    </a:p>
+                    <a:p>
+                      <a:pPr algn="l" rtl="0" fontAlgn="base"/>
+                      <a:r>
+                        <a:rPr lang="en-US" sz="1800" b="0" i="0" dirty="0">
+                          <a:effectLst/>
+                          <a:latin typeface="+mn-lt"/>
+                        </a:rPr>
+                        <a:t>        Thread t3 = t1;</a:t>
+                      </a:r>
+                    </a:p>
+                    <a:p>
+                      <a:pPr algn="l" rtl="0" fontAlgn="base"/>
+                      <a:r>
+                        <a:rPr lang="en-US" sz="1800" b="0" i="0" dirty="0">
+                          <a:effectLst/>
+                          <a:latin typeface="+mn-lt"/>
+                        </a:rPr>
+                        <a:t> </a:t>
+                      </a:r>
+                    </a:p>
+                    <a:p>
+                      <a:pPr algn="l" rtl="0" fontAlgn="base"/>
+                      <a:r>
+                        <a:rPr lang="en-US" sz="1800" b="0" i="0" dirty="0">
+                          <a:effectLst/>
+                          <a:latin typeface="+mn-lt"/>
+                        </a:rPr>
+                        <a:t>        String s1 = new String("GEEKS");</a:t>
+                      </a:r>
+                    </a:p>
+                    <a:p>
+                      <a:pPr algn="l" rtl="0" fontAlgn="base"/>
+                      <a:r>
+                        <a:rPr lang="en-US" sz="1800" b="0" i="0" dirty="0">
+                          <a:effectLst/>
+                          <a:latin typeface="+mn-lt"/>
+                        </a:rPr>
+                        <a:t>        String s2 = new String("GEEKS");</a:t>
+                      </a:r>
+                    </a:p>
+                    <a:p>
+                      <a:pPr algn="l" rtl="0" fontAlgn="base"/>
+                      <a:r>
+                        <a:rPr lang="en-US" sz="1800" b="0" i="0" dirty="0">
+                          <a:effectLst/>
+                          <a:latin typeface="+mn-lt"/>
+                        </a:rPr>
+                        <a:t> </a:t>
+                      </a:r>
+                    </a:p>
+                    <a:p>
+                      <a:pPr algn="l" rtl="0" fontAlgn="base"/>
+                      <a:r>
+                        <a:rPr lang="en-US" sz="1800" b="0" i="0" dirty="0">
+                          <a:effectLst/>
+                          <a:latin typeface="+mn-lt"/>
+                        </a:rPr>
+                        <a:t>        </a:t>
+                      </a:r>
+                      <a:r>
+                        <a:rPr lang="en-US" sz="1800" b="0" i="0" dirty="0" err="1">
+                          <a:effectLst/>
+                          <a:latin typeface="+mn-lt"/>
+                        </a:rPr>
+                        <a:t>System.out.println</a:t>
+                      </a:r>
+                      <a:r>
+                        <a:rPr lang="en-US" sz="1800" b="0" i="0" dirty="0">
+                          <a:effectLst/>
+                          <a:latin typeface="+mn-lt"/>
+                        </a:rPr>
+                        <a:t>(t1 == t3);</a:t>
+                      </a:r>
+                    </a:p>
+                    <a:p>
+                      <a:pPr algn="l" rtl="0" fontAlgn="base"/>
+                      <a:r>
+                        <a:rPr lang="en-US" sz="1800" b="0" i="0" dirty="0">
+                          <a:effectLst/>
+                          <a:latin typeface="+mn-lt"/>
+                        </a:rPr>
+                        <a:t>        </a:t>
+                      </a:r>
+                      <a:r>
+                        <a:rPr lang="en-US" sz="1800" b="0" i="0" dirty="0" err="1">
+                          <a:effectLst/>
+                          <a:latin typeface="+mn-lt"/>
+                        </a:rPr>
+                        <a:t>System.out.println</a:t>
+                      </a:r>
+                      <a:r>
+                        <a:rPr lang="en-US" sz="1800" b="0" i="0" dirty="0">
+                          <a:effectLst/>
+                          <a:latin typeface="+mn-lt"/>
+                        </a:rPr>
+                        <a:t>(t1 == t2);</a:t>
+                      </a:r>
+                    </a:p>
+                    <a:p>
+                      <a:pPr algn="l" rtl="0" fontAlgn="base"/>
+                      <a:r>
+                        <a:rPr lang="en-US" sz="1800" b="0" i="0" dirty="0">
+                          <a:effectLst/>
+                          <a:latin typeface="+mn-lt"/>
+                        </a:rPr>
+                        <a:t> </a:t>
+                      </a:r>
+                    </a:p>
+                    <a:p>
+                      <a:pPr algn="l" rtl="0" fontAlgn="base"/>
+                      <a:r>
+                        <a:rPr lang="en-US" sz="1800" b="0" i="0" dirty="0">
+                          <a:effectLst/>
+                          <a:latin typeface="+mn-lt"/>
+                        </a:rPr>
+                        <a:t>        </a:t>
+                      </a:r>
+                      <a:r>
+                        <a:rPr lang="en-US" sz="1800" b="0" i="0" dirty="0" err="1">
+                          <a:effectLst/>
+                          <a:latin typeface="+mn-lt"/>
+                        </a:rPr>
+                        <a:t>System.out.println</a:t>
+                      </a:r>
+                      <a:r>
+                        <a:rPr lang="en-US" sz="1800" b="0" i="0" dirty="0">
+                          <a:effectLst/>
+                          <a:latin typeface="+mn-lt"/>
+                        </a:rPr>
+                        <a:t>(t1.equals(t2));</a:t>
+                      </a:r>
+                    </a:p>
+                    <a:p>
+                      <a:pPr algn="l" rtl="0" fontAlgn="base"/>
+                      <a:r>
+                        <a:rPr lang="en-US" sz="1800" b="0" i="0" dirty="0">
+                          <a:effectLst/>
+                          <a:latin typeface="+mn-lt"/>
+                        </a:rPr>
+                        <a:t>        </a:t>
+                      </a:r>
+                      <a:r>
+                        <a:rPr lang="en-US" sz="1800" b="0" i="0" dirty="0" err="1">
+                          <a:effectLst/>
+                          <a:latin typeface="+mn-lt"/>
+                        </a:rPr>
+                        <a:t>System.out.println</a:t>
+                      </a:r>
+                      <a:r>
+                        <a:rPr lang="en-US" sz="1800" b="0" i="0" dirty="0">
+                          <a:effectLst/>
+                          <a:latin typeface="+mn-lt"/>
+                        </a:rPr>
+                        <a:t>(s1.equals(s2));</a:t>
+                      </a:r>
+                    </a:p>
+                    <a:p>
+                      <a:pPr algn="l" rtl="0" fontAlgn="base"/>
+                      <a:r>
+                        <a:rPr lang="en-US" sz="1800" b="0" i="0" dirty="0">
+                          <a:effectLst/>
+                          <a:latin typeface="+mn-lt"/>
+                        </a:rPr>
+                        <a:t>    }</a:t>
+                      </a:r>
+                    </a:p>
+                    <a:p>
+                      <a:pPr algn="l" rtl="0" fontAlgn="base"/>
+                      <a:r>
+                        <a:rPr lang="en-US" sz="1800" b="0" i="0" dirty="0">
+                          <a:effectLst/>
+                          <a:latin typeface="+mn-lt"/>
+                        </a:rPr>
+                        <a:t>}</a:t>
+                      </a:r>
+                    </a:p>
+                  </a:txBody>
+                  <a:tcPr marL="0" marR="0" marT="0" marB="0" anchor="ctr">
+                    <a:lnL>
+                      <a:noFill/>
+                    </a:lnL>
+                    <a:lnR>
+                      <a:noFill/>
+                    </a:lnR>
+                    <a:lnT>
+                      <a:noFill/>
+                    </a:lnT>
+                    <a:lnB>
+                      <a:noFill/>
+                    </a:lnB>
+                  </a:tcPr>
+                </a:tc>
+              </a:tr>
+            </a:tbl>
+          </a:graphicData>
+        </a:graphic>
+      </p:graphicFrame>
+      <p:sp>
+        <p:nvSpPr>
+          <p:cNvPr id="8" name="TextBox 7"/>
+          <p:cNvSpPr txBox="1"/>
+          <p:nvPr/>
+        </p:nvSpPr>
+        <p:spPr>
+          <a:xfrm>
+            <a:off x="5230368" y="5179266"/>
+            <a:ext cx="960969" cy="1477328"/>
+          </a:xfrm>
+          <a:prstGeom prst="rect">
+            <a:avLst/>
+          </a:prstGeom>
+          <a:noFill/>
+        </p:spPr>
+        <p:txBody>
+          <a:bodyPr wrap="none" rtlCol="0">
+            <a:spAutoFit/>
+          </a:bodyPr>
+          <a:lstStyle/>
+          <a:p>
+            <a:r>
+              <a:rPr lang="en-US" b="1" dirty="0" smtClean="0"/>
+              <a:t>Output:</a:t>
+            </a:r>
+          </a:p>
+          <a:p>
+            <a:pPr marL="285750" indent="-285750">
+              <a:buFont typeface="Arial" charset="0"/>
+              <a:buChar char="•"/>
+            </a:pPr>
+            <a:r>
+              <a:rPr lang="en-US" dirty="0"/>
+              <a:t>true </a:t>
+            </a:r>
+            <a:endParaRPr lang="en-US" dirty="0" smtClean="0"/>
+          </a:p>
+          <a:p>
+            <a:pPr marL="285750" indent="-285750">
+              <a:buFont typeface="Arial" charset="0"/>
+              <a:buChar char="•"/>
+            </a:pPr>
+            <a:r>
+              <a:rPr lang="en-US" dirty="0" smtClean="0"/>
+              <a:t>false </a:t>
+            </a:r>
+          </a:p>
+          <a:p>
+            <a:pPr marL="285750" indent="-285750">
+              <a:buFont typeface="Arial" charset="0"/>
+              <a:buChar char="•"/>
+            </a:pPr>
+            <a:r>
+              <a:rPr lang="en-US" dirty="0" smtClean="0"/>
+              <a:t>false </a:t>
+            </a:r>
+          </a:p>
+          <a:p>
+            <a:pPr marL="285750" indent="-285750">
+              <a:buFont typeface="Arial" charset="0"/>
+              <a:buChar char="•"/>
+            </a:pPr>
+            <a:r>
+              <a:rPr lang="en-US" dirty="0" smtClean="0"/>
+              <a:t>true</a:t>
+            </a:r>
+            <a:endParaRPr lang="en-US" dirty="0"/>
+          </a:p>
+        </p:txBody>
+      </p:sp>
+    </p:spTree>
+    <p:extLst>
+      <p:ext uri="{BB962C8B-B14F-4D97-AF65-F5344CB8AC3E}">
+        <p14:creationId xmlns:p14="http://schemas.microsoft.com/office/powerpoint/2010/main" val="1968780774"/>
+      </p:ext>
+    </p:extLst>
+  </p:cSld>
+  <p:clrMapOvr>
+    <a:masterClrMapping/>
+  </p:clrMapOvr>
+</p:sld>
+</file>
+
+<file path=ppt/slides/slide65.xml><?xml version="1.0" encoding="utf-8"?>
+<p:sld xmlns:a="http://schemas.openxmlformats.org/drawingml/2006/main" xmlns:r="http://schemas.openxmlformats.org/officeDocument/2006/relationships" xmlns:p="http://schemas.openxmlformats.org/presentationml/2006/main">
+  <p:cSld>
+    <p:spTree>
+      <p:nvGrpSpPr>
+        <p:cNvPr id="1" name=""/>
+        <p:cNvGrpSpPr/>
+        <p:nvPr/>
+      </p:nvGrpSpPr>
+      <p:grpSpPr>
+        <a:xfrm>
+          <a:off x="0" y="0"/>
+          <a:ext cx="0" cy="0"/>
+          <a:chOff x="0" y="0"/>
+          <a:chExt cx="0" cy="0"/>
+        </a:xfrm>
+      </p:grpSpPr>
+      <p:sp>
+        <p:nvSpPr>
+          <p:cNvPr id="4" name="TextBox 3"/>
+          <p:cNvSpPr txBox="1"/>
+          <p:nvPr/>
+        </p:nvSpPr>
+        <p:spPr>
+          <a:xfrm>
+            <a:off x="609601" y="304800"/>
+            <a:ext cx="11009376" cy="1200329"/>
+          </a:xfrm>
+          <a:prstGeom prst="rect">
+            <a:avLst/>
+          </a:prstGeom>
+          <a:noFill/>
+        </p:spPr>
+        <p:txBody>
+          <a:bodyPr wrap="square" rtlCol="0">
+            <a:spAutoFit/>
+          </a:bodyPr>
+          <a:lstStyle/>
+          <a:p>
+            <a:r>
+              <a:rPr lang="en-US" b="1" dirty="0"/>
+              <a:t>Java </a:t>
+            </a:r>
+            <a:r>
+              <a:rPr lang="en-US" b="1" dirty="0" err="1"/>
+              <a:t>StringBuffer</a:t>
+            </a:r>
+            <a:r>
+              <a:rPr lang="en-US" b="1" dirty="0"/>
+              <a:t> class</a:t>
+            </a:r>
+          </a:p>
+          <a:p>
+            <a:pPr lvl="1"/>
+            <a:r>
+              <a:rPr lang="en-US" dirty="0"/>
+              <a:t>Java </a:t>
+            </a:r>
+            <a:r>
+              <a:rPr lang="en-US" dirty="0" err="1"/>
+              <a:t>StringBuffer</a:t>
+            </a:r>
+            <a:r>
+              <a:rPr lang="en-US" dirty="0"/>
+              <a:t> class is used to create mutable (modifiable) string. The </a:t>
+            </a:r>
+            <a:r>
+              <a:rPr lang="en-US" dirty="0" err="1"/>
+              <a:t>StringBuffer</a:t>
+            </a:r>
+            <a:r>
+              <a:rPr lang="en-US" dirty="0"/>
+              <a:t> class in java is same as String class except it is mutable i.e. it can be changed.</a:t>
+            </a:r>
+          </a:p>
+          <a:p>
+            <a:endParaRPr lang="en-US" dirty="0"/>
+          </a:p>
+        </p:txBody>
+      </p:sp>
+      <p:sp>
+        <p:nvSpPr>
+          <p:cNvPr id="5" name="TextBox 4"/>
+          <p:cNvSpPr txBox="1"/>
+          <p:nvPr/>
+        </p:nvSpPr>
+        <p:spPr>
+          <a:xfrm>
+            <a:off x="780288" y="1414272"/>
+            <a:ext cx="5872954" cy="2585323"/>
+          </a:xfrm>
+          <a:prstGeom prst="rect">
+            <a:avLst/>
+          </a:prstGeom>
+          <a:noFill/>
+        </p:spPr>
+        <p:txBody>
+          <a:bodyPr wrap="none" rtlCol="0">
+            <a:spAutoFit/>
+          </a:bodyPr>
+          <a:lstStyle/>
+          <a:p>
+            <a:r>
+              <a:rPr lang="en-US" b="1" dirty="0">
+                <a:solidFill>
+                  <a:srgbClr val="7030A0"/>
+                </a:solidFill>
+              </a:rPr>
+              <a:t>class </a:t>
+            </a:r>
+            <a:r>
+              <a:rPr lang="en-US" b="1" dirty="0" err="1">
+                <a:solidFill>
+                  <a:srgbClr val="7030A0"/>
+                </a:solidFill>
+              </a:rPr>
+              <a:t>StringBufferExample</a:t>
+            </a:r>
+            <a:r>
+              <a:rPr lang="en-US" b="1" dirty="0">
+                <a:solidFill>
+                  <a:srgbClr val="7030A0"/>
+                </a:solidFill>
+              </a:rPr>
+              <a:t> {</a:t>
+            </a:r>
+          </a:p>
+          <a:p>
+            <a:pPr lvl="1"/>
+            <a:r>
+              <a:rPr lang="en-US" b="1" dirty="0">
+                <a:solidFill>
+                  <a:srgbClr val="00B050"/>
+                </a:solidFill>
+              </a:rPr>
+              <a:t>public static void main(String </a:t>
+            </a:r>
+            <a:r>
+              <a:rPr lang="en-US" b="1" dirty="0" err="1">
+                <a:solidFill>
+                  <a:srgbClr val="00B050"/>
+                </a:solidFill>
+              </a:rPr>
+              <a:t>args</a:t>
+            </a:r>
+            <a:r>
+              <a:rPr lang="en-US" b="1" dirty="0">
+                <a:solidFill>
+                  <a:srgbClr val="00B050"/>
+                </a:solidFill>
+              </a:rPr>
+              <a:t>[]) {</a:t>
+            </a:r>
+          </a:p>
+          <a:p>
+            <a:pPr lvl="2"/>
+            <a:r>
+              <a:rPr lang="en-US" dirty="0" err="1"/>
+              <a:t>StringBuffer</a:t>
+            </a:r>
+            <a:r>
+              <a:rPr lang="en-US" dirty="0"/>
+              <a:t> </a:t>
+            </a:r>
+            <a:r>
+              <a:rPr lang="en-US" dirty="0" err="1"/>
+              <a:t>sb</a:t>
+            </a:r>
+            <a:r>
+              <a:rPr lang="en-US" dirty="0"/>
+              <a:t> = new </a:t>
+            </a:r>
+            <a:r>
+              <a:rPr lang="en-US" dirty="0" err="1"/>
+              <a:t>StringBuffer</a:t>
+            </a:r>
+            <a:r>
+              <a:rPr lang="en-US" dirty="0"/>
+              <a:t>("Java");</a:t>
+            </a:r>
+          </a:p>
+          <a:p>
+            <a:pPr lvl="2"/>
+            <a:r>
+              <a:rPr lang="en-US" dirty="0" err="1"/>
+              <a:t>sb.append</a:t>
+            </a:r>
+            <a:r>
+              <a:rPr lang="en-US" dirty="0"/>
+              <a:t>("Test");// now original string is changed</a:t>
+            </a:r>
+          </a:p>
+          <a:p>
+            <a:pPr lvl="2"/>
+            <a:r>
+              <a:rPr lang="en-US" dirty="0" err="1"/>
+              <a:t>System.out.println</a:t>
+            </a:r>
+            <a:r>
+              <a:rPr lang="en-US" dirty="0"/>
+              <a:t>(</a:t>
+            </a:r>
+            <a:r>
+              <a:rPr lang="en-US" dirty="0" err="1"/>
+              <a:t>sb</a:t>
+            </a:r>
+            <a:r>
+              <a:rPr lang="en-US" dirty="0" smtClean="0"/>
+              <a:t>);</a:t>
+            </a:r>
+          </a:p>
+          <a:p>
+            <a:pPr lvl="2"/>
+            <a:r>
+              <a:rPr lang="en-US" dirty="0" smtClean="0"/>
+              <a:t>// </a:t>
+            </a:r>
+            <a:r>
+              <a:rPr lang="en-US" dirty="0"/>
+              <a:t>prints </a:t>
+            </a:r>
+            <a:r>
+              <a:rPr lang="en-US" dirty="0" smtClean="0"/>
+              <a:t>Java Test</a:t>
+            </a:r>
+            <a:endParaRPr lang="en-US" dirty="0"/>
+          </a:p>
+          <a:p>
+            <a:pPr lvl="1"/>
+            <a:r>
+              <a:rPr lang="en-US" dirty="0"/>
+              <a:t>}</a:t>
+            </a:r>
+          </a:p>
+          <a:p>
+            <a:r>
+              <a:rPr lang="en-US" dirty="0"/>
+              <a:t>}</a:t>
+            </a:r>
+          </a:p>
+          <a:p>
+            <a:endParaRPr lang="en-US" dirty="0"/>
+          </a:p>
+        </p:txBody>
+      </p:sp>
+      <p:sp>
+        <p:nvSpPr>
+          <p:cNvPr id="6" name="TextBox 5"/>
+          <p:cNvSpPr txBox="1"/>
+          <p:nvPr/>
+        </p:nvSpPr>
+        <p:spPr>
+          <a:xfrm>
+            <a:off x="780289" y="3779520"/>
+            <a:ext cx="10570464" cy="1200329"/>
+          </a:xfrm>
+          <a:prstGeom prst="rect">
+            <a:avLst/>
+          </a:prstGeom>
+          <a:noFill/>
+        </p:spPr>
+        <p:txBody>
+          <a:bodyPr wrap="square" rtlCol="0">
+            <a:spAutoFit/>
+          </a:bodyPr>
+          <a:lstStyle/>
+          <a:p>
+            <a:r>
+              <a:rPr lang="en-US" b="1" dirty="0"/>
+              <a:t>Java </a:t>
+            </a:r>
+            <a:r>
+              <a:rPr lang="en-US" b="1" dirty="0" err="1"/>
+              <a:t>StringBuilder</a:t>
+            </a:r>
+            <a:r>
+              <a:rPr lang="en-US" b="1" dirty="0"/>
+              <a:t> class</a:t>
+            </a:r>
+          </a:p>
+          <a:p>
+            <a:pPr lvl="1"/>
+            <a:r>
+              <a:rPr lang="en-US" dirty="0"/>
+              <a:t>Java </a:t>
+            </a:r>
+            <a:r>
+              <a:rPr lang="en-US" dirty="0" err="1"/>
+              <a:t>StringBuilder</a:t>
+            </a:r>
+            <a:r>
+              <a:rPr lang="en-US" dirty="0"/>
+              <a:t> class is used to create mutable (modifiable) string. The Java </a:t>
+            </a:r>
+            <a:r>
+              <a:rPr lang="en-US" dirty="0" err="1"/>
+              <a:t>StringBuilder</a:t>
+            </a:r>
+            <a:r>
+              <a:rPr lang="en-US" dirty="0"/>
+              <a:t> class is same as </a:t>
+            </a:r>
+            <a:r>
+              <a:rPr lang="en-US" dirty="0" err="1"/>
+              <a:t>StringBuffer</a:t>
+            </a:r>
+            <a:r>
+              <a:rPr lang="en-US" dirty="0"/>
+              <a:t> class except that it is non-synchronized. It is available since JDK 1.5.</a:t>
+            </a:r>
+          </a:p>
+          <a:p>
+            <a:endParaRPr lang="en-US" dirty="0"/>
+          </a:p>
+        </p:txBody>
+      </p:sp>
+    </p:spTree>
+    <p:extLst>
+      <p:ext uri="{BB962C8B-B14F-4D97-AF65-F5344CB8AC3E}">
+        <p14:creationId xmlns:p14="http://schemas.microsoft.com/office/powerpoint/2010/main" val="382411941"/>
+      </p:ext>
+    </p:extLst>
+  </p:cSld>
+  <p:clrMapOvr>
+    <a:masterClrMapping/>
+  </p:clrMapOvr>
+</p:sld>
+</file>
+
+<file path=ppt/slides/slide66.xml><?xml version="1.0" encoding="utf-8"?>
+<p:sld xmlns:a="http://schemas.openxmlformats.org/drawingml/2006/main" xmlns:r="http://schemas.openxmlformats.org/officeDocument/2006/relationships" xmlns:p="http://schemas.openxmlformats.org/presentationml/2006/main">
+  <p:cSld>
+    <p:spTree>
+      <p:nvGrpSpPr>
+        <p:cNvPr id="1" name=""/>
+        <p:cNvGrpSpPr/>
+        <p:nvPr/>
+      </p:nvGrpSpPr>
+      <p:grpSpPr>
+        <a:xfrm>
+          <a:off x="0" y="0"/>
+          <a:ext cx="0" cy="0"/>
+          <a:chOff x="0" y="0"/>
+          <a:chExt cx="0" cy="0"/>
+        </a:xfrm>
+      </p:grpSpPr>
+      <p:sp>
+        <p:nvSpPr>
+          <p:cNvPr id="4" name="TextBox 3"/>
+          <p:cNvSpPr txBox="1"/>
+          <p:nvPr/>
+        </p:nvSpPr>
+        <p:spPr>
+          <a:xfrm>
+            <a:off x="853441" y="0"/>
+            <a:ext cx="10619232" cy="2585323"/>
+          </a:xfrm>
+          <a:prstGeom prst="rect">
+            <a:avLst/>
+          </a:prstGeom>
+          <a:noFill/>
+        </p:spPr>
+        <p:txBody>
+          <a:bodyPr wrap="square" rtlCol="0">
+            <a:spAutoFit/>
+          </a:bodyPr>
+          <a:lstStyle/>
+          <a:p>
+            <a:pPr fontAlgn="base"/>
+            <a:r>
+              <a:rPr lang="en-US" b="1" dirty="0"/>
+              <a:t>Multithreading in Java</a:t>
+            </a:r>
+          </a:p>
+          <a:p>
+            <a:pPr lvl="1" fontAlgn="base"/>
+            <a:r>
+              <a:rPr lang="en-US" dirty="0" smtClean="0"/>
+              <a:t>Multithreading </a:t>
+            </a:r>
+            <a:r>
+              <a:rPr lang="en-US" dirty="0"/>
+              <a:t>is a Java feature that allows concurrent execution of two or more parts of a program for maximum utilization of CPU. Each part of such program is called a thread. So, threads are light-weight processes within a </a:t>
+            </a:r>
+            <a:r>
+              <a:rPr lang="en-US" dirty="0" smtClean="0"/>
+              <a:t>process.</a:t>
+            </a:r>
+            <a:endParaRPr lang="en-US" dirty="0"/>
+          </a:p>
+          <a:p>
+            <a:pPr lvl="1" fontAlgn="base"/>
+            <a:endParaRPr lang="en-US" dirty="0"/>
+          </a:p>
+          <a:p>
+            <a:pPr lvl="1" fontAlgn="base"/>
+            <a:r>
+              <a:rPr lang="en-US" b="1" dirty="0" smtClean="0"/>
+              <a:t>Threads </a:t>
+            </a:r>
+            <a:r>
+              <a:rPr lang="en-US" b="1" dirty="0"/>
+              <a:t>can be created by using two mechanisms :</a:t>
+            </a:r>
+            <a:r>
+              <a:rPr lang="en-US" dirty="0"/>
+              <a:t/>
+            </a:r>
+            <a:br>
+              <a:rPr lang="en-US" dirty="0"/>
+            </a:br>
+            <a:r>
+              <a:rPr lang="en-US" dirty="0"/>
+              <a:t>1. Extending the Thread class</a:t>
+            </a:r>
+            <a:br>
+              <a:rPr lang="en-US" dirty="0"/>
+            </a:br>
+            <a:r>
+              <a:rPr lang="en-US" dirty="0"/>
+              <a:t>2. Implementing the Runnable Interface</a:t>
+            </a:r>
+          </a:p>
+          <a:p>
+            <a:endParaRPr lang="en-US" dirty="0"/>
+          </a:p>
+        </p:txBody>
+      </p:sp>
+      <p:sp>
+        <p:nvSpPr>
+          <p:cNvPr id="5" name="TextBox 4"/>
+          <p:cNvSpPr txBox="1"/>
+          <p:nvPr/>
+        </p:nvSpPr>
+        <p:spPr>
+          <a:xfrm>
+            <a:off x="853441" y="2622518"/>
+            <a:ext cx="8429615" cy="4524315"/>
+          </a:xfrm>
+          <a:prstGeom prst="rect">
+            <a:avLst/>
+          </a:prstGeom>
+          <a:noFill/>
+        </p:spPr>
+        <p:txBody>
+          <a:bodyPr wrap="none" rtlCol="0">
+            <a:spAutoFit/>
+          </a:bodyPr>
+          <a:lstStyle/>
+          <a:p>
+            <a:r>
+              <a:rPr lang="en-US" b="1" dirty="0">
+                <a:solidFill>
+                  <a:srgbClr val="7030A0"/>
+                </a:solidFill>
+              </a:rPr>
+              <a:t>public class </a:t>
+            </a:r>
+            <a:r>
+              <a:rPr lang="en-US" b="1" dirty="0" err="1">
+                <a:solidFill>
+                  <a:srgbClr val="7030A0"/>
+                </a:solidFill>
+              </a:rPr>
+              <a:t>MultithreadingDemo</a:t>
+            </a:r>
+            <a:r>
+              <a:rPr lang="en-US" b="1" dirty="0">
+                <a:solidFill>
+                  <a:srgbClr val="7030A0"/>
+                </a:solidFill>
+              </a:rPr>
+              <a:t> extends Thread {</a:t>
+            </a:r>
+          </a:p>
+          <a:p>
+            <a:pPr lvl="1"/>
+            <a:r>
+              <a:rPr lang="en-US" dirty="0"/>
+              <a:t>public void run() {</a:t>
+            </a:r>
+          </a:p>
+          <a:p>
+            <a:pPr lvl="2"/>
+            <a:r>
+              <a:rPr lang="en-US" dirty="0"/>
+              <a:t>try {</a:t>
+            </a:r>
+          </a:p>
+          <a:p>
+            <a:pPr lvl="2"/>
+            <a:r>
+              <a:rPr lang="en-US" dirty="0"/>
+              <a:t>// Displaying the thread that is running</a:t>
+            </a:r>
+          </a:p>
+          <a:p>
+            <a:pPr lvl="2"/>
+            <a:r>
+              <a:rPr lang="en-US" dirty="0" err="1"/>
+              <a:t>System.out.println</a:t>
+            </a:r>
+            <a:r>
+              <a:rPr lang="en-US" dirty="0"/>
+              <a:t>("Thread " + </a:t>
+            </a:r>
+            <a:r>
+              <a:rPr lang="en-US" dirty="0" err="1"/>
+              <a:t>Thread.currentThread</a:t>
+            </a:r>
+            <a:r>
+              <a:rPr lang="en-US" dirty="0"/>
+              <a:t>().</a:t>
+            </a:r>
+            <a:r>
+              <a:rPr lang="en-US" dirty="0" err="1"/>
+              <a:t>getId</a:t>
+            </a:r>
+            <a:r>
+              <a:rPr lang="en-US" dirty="0"/>
+              <a:t>() + " is running");</a:t>
+            </a:r>
+          </a:p>
+          <a:p>
+            <a:pPr lvl="2"/>
+            <a:r>
+              <a:rPr lang="en-US" dirty="0"/>
+              <a:t>} catch (Exception e) {</a:t>
+            </a:r>
+          </a:p>
+          <a:p>
+            <a:pPr lvl="2"/>
+            <a:r>
+              <a:rPr lang="en-US" dirty="0"/>
+              <a:t>// Throwing an exception</a:t>
+            </a:r>
+          </a:p>
+          <a:p>
+            <a:pPr lvl="2"/>
+            <a:r>
+              <a:rPr lang="en-US" dirty="0" err="1"/>
+              <a:t>System.out.println</a:t>
+            </a:r>
+            <a:r>
+              <a:rPr lang="en-US" dirty="0"/>
+              <a:t>("Exception is caught");</a:t>
+            </a:r>
+          </a:p>
+          <a:p>
+            <a:pPr lvl="2"/>
+            <a:r>
+              <a:rPr lang="en-US" dirty="0"/>
+              <a:t>}</a:t>
+            </a:r>
+          </a:p>
+          <a:p>
+            <a:pPr lvl="1"/>
+            <a:r>
+              <a:rPr lang="en-US" dirty="0"/>
+              <a:t>}</a:t>
+            </a:r>
+          </a:p>
+          <a:p>
+            <a:pPr lvl="1"/>
+            <a:r>
+              <a:rPr lang="en-US" b="1" dirty="0"/>
+              <a:t>public static void main(String[] </a:t>
+            </a:r>
+            <a:r>
+              <a:rPr lang="en-US" b="1" dirty="0" err="1"/>
+              <a:t>args</a:t>
+            </a:r>
+            <a:r>
+              <a:rPr lang="en-US" b="1" dirty="0"/>
+              <a:t>) {</a:t>
+            </a:r>
+          </a:p>
+          <a:p>
+            <a:pPr lvl="2"/>
+            <a:r>
+              <a:rPr lang="en-US" dirty="0"/>
+              <a:t>for (</a:t>
+            </a:r>
+            <a:r>
+              <a:rPr lang="en-US" dirty="0" err="1"/>
+              <a:t>int</a:t>
+            </a:r>
+            <a:r>
+              <a:rPr lang="en-US" dirty="0"/>
+              <a:t> </a:t>
+            </a:r>
+            <a:r>
+              <a:rPr lang="en-US" dirty="0" err="1"/>
+              <a:t>i</a:t>
+            </a:r>
+            <a:r>
+              <a:rPr lang="en-US" dirty="0"/>
+              <a:t> = 0; </a:t>
+            </a:r>
+            <a:r>
+              <a:rPr lang="en-US" dirty="0" err="1"/>
+              <a:t>i</a:t>
+            </a:r>
+            <a:r>
+              <a:rPr lang="en-US" dirty="0"/>
+              <a:t> &lt; 8; </a:t>
+            </a:r>
+            <a:r>
+              <a:rPr lang="en-US" dirty="0" err="1"/>
+              <a:t>i</a:t>
+            </a:r>
+            <a:r>
+              <a:rPr lang="en-US" dirty="0"/>
+              <a:t>++) {</a:t>
+            </a:r>
+          </a:p>
+          <a:p>
+            <a:pPr lvl="2"/>
+            <a:r>
+              <a:rPr lang="en-US" dirty="0" err="1"/>
+              <a:t>MultithreadingDemo</a:t>
+            </a:r>
+            <a:r>
+              <a:rPr lang="en-US" dirty="0"/>
+              <a:t> object = new </a:t>
+            </a:r>
+            <a:r>
+              <a:rPr lang="en-US" dirty="0" err="1"/>
+              <a:t>MultithreadingDemo</a:t>
+            </a:r>
+            <a:r>
+              <a:rPr lang="en-US" dirty="0"/>
+              <a:t>();</a:t>
+            </a:r>
+          </a:p>
+          <a:p>
+            <a:pPr lvl="2"/>
+            <a:r>
+              <a:rPr lang="en-US" dirty="0" err="1"/>
+              <a:t>object.start</a:t>
+            </a:r>
+            <a:r>
+              <a:rPr lang="en-US" dirty="0"/>
+              <a:t>();</a:t>
+            </a:r>
+          </a:p>
+          <a:p>
+            <a:pPr lvl="2"/>
+            <a:r>
+              <a:rPr lang="en-US" dirty="0" smtClean="0"/>
+              <a:t>}}}</a:t>
+            </a:r>
+            <a:endParaRPr lang="en-US" dirty="0"/>
+          </a:p>
+          <a:p>
+            <a:endParaRPr lang="en-US" dirty="0"/>
+          </a:p>
+        </p:txBody>
+      </p:sp>
+      <p:sp>
+        <p:nvSpPr>
+          <p:cNvPr id="6" name="TextBox 5"/>
+          <p:cNvSpPr txBox="1"/>
+          <p:nvPr/>
+        </p:nvSpPr>
+        <p:spPr>
+          <a:xfrm>
+            <a:off x="9283056" y="3962400"/>
+            <a:ext cx="2328671" cy="2585323"/>
+          </a:xfrm>
+          <a:prstGeom prst="rect">
+            <a:avLst/>
+          </a:prstGeom>
+          <a:noFill/>
+        </p:spPr>
+        <p:txBody>
+          <a:bodyPr wrap="square" rtlCol="0">
+            <a:spAutoFit/>
+          </a:bodyPr>
+          <a:lstStyle/>
+          <a:p>
+            <a:r>
+              <a:rPr lang="en-US" b="1" dirty="0" smtClean="0"/>
+              <a:t>Output:</a:t>
+            </a:r>
+          </a:p>
+          <a:p>
+            <a:r>
+              <a:rPr lang="en-US" dirty="0"/>
+              <a:t>Thread 8 is running Thread 9 is running Thread 10 is running Thread 11 is running Thread 12 is running Thread 13 is running Thread 14 is running Thread 15 is running</a:t>
+            </a:r>
+          </a:p>
+        </p:txBody>
+      </p:sp>
+    </p:spTree>
+    <p:extLst>
+      <p:ext uri="{BB962C8B-B14F-4D97-AF65-F5344CB8AC3E}">
+        <p14:creationId xmlns:p14="http://schemas.microsoft.com/office/powerpoint/2010/main" val="1783333909"/>
+      </p:ext>
+    </p:extLst>
+  </p:cSld>
+  <p:clrMapOvr>
+    <a:masterClrMapping/>
+  </p:clrMapOvr>
+</p:sld>
+</file>
+
+<file path=ppt/slides/slide67.xml><?xml version="1.0" encoding="utf-8"?>
+<p:sld xmlns:a="http://schemas.openxmlformats.org/drawingml/2006/main" xmlns:r="http://schemas.openxmlformats.org/officeDocument/2006/relationships" xmlns:p="http://schemas.openxmlformats.org/presentationml/2006/main">
+  <p:cSld>
+    <p:spTree>
+      <p:nvGrpSpPr>
+        <p:cNvPr id="1" name=""/>
+        <p:cNvGrpSpPr/>
+        <p:nvPr/>
+      </p:nvGrpSpPr>
+      <p:grpSpPr>
+        <a:xfrm>
+          <a:off x="0" y="0"/>
+          <a:ext cx="0" cy="0"/>
+          <a:chOff x="0" y="0"/>
+          <a:chExt cx="0" cy="0"/>
+        </a:xfrm>
+      </p:grpSpPr>
+      <p:sp>
+        <p:nvSpPr>
+          <p:cNvPr id="4" name="TextBox 3"/>
+          <p:cNvSpPr txBox="1"/>
+          <p:nvPr/>
+        </p:nvSpPr>
+        <p:spPr>
+          <a:xfrm>
+            <a:off x="829056" y="292608"/>
+            <a:ext cx="8429615" cy="6463308"/>
+          </a:xfrm>
+          <a:prstGeom prst="rect">
+            <a:avLst/>
+          </a:prstGeom>
+          <a:noFill/>
+        </p:spPr>
+        <p:txBody>
+          <a:bodyPr wrap="none" rtlCol="0">
+            <a:spAutoFit/>
+          </a:bodyPr>
+          <a:lstStyle/>
+          <a:p>
+            <a:r>
+              <a:rPr lang="en-US" dirty="0"/>
+              <a:t>//Java code for thread creation by implementing</a:t>
+            </a:r>
+          </a:p>
+          <a:p>
+            <a:r>
+              <a:rPr lang="en-US" dirty="0"/>
+              <a:t>//the Runnable Interface</a:t>
+            </a:r>
+          </a:p>
+          <a:p>
+            <a:r>
+              <a:rPr lang="en-US" b="1" dirty="0">
+                <a:solidFill>
+                  <a:srgbClr val="7030A0"/>
+                </a:solidFill>
+              </a:rPr>
+              <a:t>public class </a:t>
+            </a:r>
+            <a:r>
+              <a:rPr lang="en-US" b="1" dirty="0" err="1">
+                <a:solidFill>
+                  <a:srgbClr val="7030A0"/>
+                </a:solidFill>
+              </a:rPr>
+              <a:t>MultithreadingDemo</a:t>
+            </a:r>
+            <a:r>
+              <a:rPr lang="en-US" b="1" dirty="0">
+                <a:solidFill>
+                  <a:srgbClr val="7030A0"/>
+                </a:solidFill>
+              </a:rPr>
+              <a:t> implements Runnable {</a:t>
+            </a:r>
+          </a:p>
+          <a:p>
+            <a:pPr lvl="1"/>
+            <a:r>
+              <a:rPr lang="en-US" dirty="0"/>
+              <a:t>public void run() {</a:t>
+            </a:r>
+          </a:p>
+          <a:p>
+            <a:pPr lvl="2"/>
+            <a:r>
+              <a:rPr lang="en-US" dirty="0"/>
+              <a:t>try {</a:t>
+            </a:r>
+          </a:p>
+          <a:p>
+            <a:pPr lvl="2"/>
+            <a:r>
+              <a:rPr lang="en-US" dirty="0"/>
+              <a:t>// Displaying the thread that is running</a:t>
+            </a:r>
+          </a:p>
+          <a:p>
+            <a:pPr lvl="2"/>
+            <a:r>
+              <a:rPr lang="en-US" dirty="0" err="1"/>
+              <a:t>System.out.println</a:t>
+            </a:r>
+            <a:r>
+              <a:rPr lang="en-US" dirty="0"/>
+              <a:t>("Thread " + </a:t>
+            </a:r>
+            <a:r>
+              <a:rPr lang="en-US" dirty="0" err="1"/>
+              <a:t>Thread.currentThread</a:t>
+            </a:r>
+            <a:r>
+              <a:rPr lang="en-US" dirty="0"/>
+              <a:t>().</a:t>
+            </a:r>
+            <a:r>
+              <a:rPr lang="en-US" dirty="0" err="1"/>
+              <a:t>getId</a:t>
+            </a:r>
+            <a:r>
+              <a:rPr lang="en-US" dirty="0"/>
+              <a:t>() + " is running");</a:t>
+            </a:r>
+          </a:p>
+          <a:p>
+            <a:pPr lvl="2"/>
+            <a:r>
+              <a:rPr lang="en-US" dirty="0"/>
+              <a:t/>
+            </a:r>
+            <a:br>
+              <a:rPr lang="en-US" dirty="0"/>
+            </a:br>
+            <a:endParaRPr lang="en-US" dirty="0"/>
+          </a:p>
+          <a:p>
+            <a:pPr lvl="2"/>
+            <a:r>
+              <a:rPr lang="en-US" dirty="0"/>
+              <a:t>} catch (Exception e) {</a:t>
+            </a:r>
+          </a:p>
+          <a:p>
+            <a:pPr lvl="2"/>
+            <a:r>
+              <a:rPr lang="en-US" dirty="0"/>
+              <a:t>// Throwing an exception</a:t>
+            </a:r>
+          </a:p>
+          <a:p>
+            <a:pPr lvl="2"/>
+            <a:r>
+              <a:rPr lang="en-US" dirty="0" err="1"/>
+              <a:t>System.out.println</a:t>
+            </a:r>
+            <a:r>
+              <a:rPr lang="en-US" dirty="0"/>
+              <a:t>("Exception is caught");</a:t>
+            </a:r>
+          </a:p>
+          <a:p>
+            <a:pPr lvl="2"/>
+            <a:r>
+              <a:rPr lang="en-US" dirty="0"/>
+              <a:t>}</a:t>
+            </a:r>
+          </a:p>
+          <a:p>
+            <a:pPr lvl="1"/>
+            <a:r>
+              <a:rPr lang="en-US" dirty="0"/>
+              <a:t>}</a:t>
+            </a:r>
+          </a:p>
+          <a:p>
+            <a:pPr lvl="1"/>
+            <a:r>
+              <a:rPr lang="en-US" b="1" dirty="0">
+                <a:solidFill>
+                  <a:srgbClr val="00B050"/>
+                </a:solidFill>
+              </a:rPr>
+              <a:t>public static void main(String[] </a:t>
+            </a:r>
+            <a:r>
+              <a:rPr lang="en-US" b="1" dirty="0" err="1">
+                <a:solidFill>
+                  <a:srgbClr val="00B050"/>
+                </a:solidFill>
+              </a:rPr>
+              <a:t>args</a:t>
+            </a:r>
+            <a:r>
+              <a:rPr lang="en-US" b="1" dirty="0">
+                <a:solidFill>
+                  <a:srgbClr val="00B050"/>
+                </a:solidFill>
+              </a:rPr>
+              <a:t>) {</a:t>
+            </a:r>
+          </a:p>
+          <a:p>
+            <a:pPr lvl="2"/>
+            <a:r>
+              <a:rPr lang="en-US" dirty="0" err="1"/>
+              <a:t>int</a:t>
+            </a:r>
+            <a:r>
+              <a:rPr lang="en-US" dirty="0"/>
+              <a:t> </a:t>
+            </a:r>
+            <a:r>
+              <a:rPr lang="en-US" u="sng" dirty="0"/>
+              <a:t>n</a:t>
+            </a:r>
+            <a:r>
+              <a:rPr lang="en-US" dirty="0"/>
+              <a:t> = 8; // Number of threads</a:t>
+            </a:r>
+          </a:p>
+          <a:p>
+            <a:pPr lvl="2"/>
+            <a:r>
+              <a:rPr lang="en-US" dirty="0"/>
+              <a:t>for (</a:t>
+            </a:r>
+            <a:r>
+              <a:rPr lang="en-US" dirty="0" err="1"/>
+              <a:t>int</a:t>
+            </a:r>
+            <a:r>
+              <a:rPr lang="en-US" dirty="0"/>
+              <a:t> </a:t>
+            </a:r>
+            <a:r>
+              <a:rPr lang="en-US" dirty="0" err="1"/>
+              <a:t>i</a:t>
+            </a:r>
+            <a:r>
+              <a:rPr lang="en-US" dirty="0"/>
+              <a:t> = 0; </a:t>
+            </a:r>
+            <a:r>
+              <a:rPr lang="en-US" dirty="0" err="1"/>
+              <a:t>i</a:t>
+            </a:r>
+            <a:r>
+              <a:rPr lang="en-US" dirty="0"/>
+              <a:t> &lt; 8; </a:t>
+            </a:r>
+            <a:r>
+              <a:rPr lang="en-US" dirty="0" err="1"/>
+              <a:t>i</a:t>
+            </a:r>
+            <a:r>
+              <a:rPr lang="en-US" dirty="0"/>
+              <a:t>++) {</a:t>
+            </a:r>
+          </a:p>
+          <a:p>
+            <a:pPr lvl="2"/>
+            <a:r>
+              <a:rPr lang="en-US" dirty="0"/>
+              <a:t>Thread object = new Thread(new </a:t>
+            </a:r>
+            <a:r>
+              <a:rPr lang="en-US" dirty="0" err="1"/>
+              <a:t>MultithreadingDemo</a:t>
+            </a:r>
+            <a:r>
+              <a:rPr lang="en-US" dirty="0"/>
+              <a:t>());</a:t>
+            </a:r>
+          </a:p>
+          <a:p>
+            <a:pPr lvl="2"/>
+            <a:r>
+              <a:rPr lang="en-US" dirty="0" err="1"/>
+              <a:t>object.start</a:t>
+            </a:r>
+            <a:r>
+              <a:rPr lang="en-US" dirty="0"/>
+              <a:t>();</a:t>
+            </a:r>
+          </a:p>
+          <a:p>
+            <a:pPr lvl="1"/>
+            <a:r>
+              <a:rPr lang="en-US" dirty="0"/>
+              <a:t>}</a:t>
+            </a:r>
+          </a:p>
+          <a:p>
+            <a:pPr lvl="1"/>
+            <a:r>
+              <a:rPr lang="en-US" dirty="0"/>
+              <a:t>}</a:t>
+            </a:r>
+          </a:p>
+          <a:p>
+            <a:r>
+              <a:rPr lang="en-US" dirty="0"/>
+              <a:t>}</a:t>
+            </a:r>
+          </a:p>
+          <a:p>
+            <a:endParaRPr lang="en-US" dirty="0"/>
+          </a:p>
+        </p:txBody>
+      </p:sp>
+    </p:spTree>
+    <p:extLst>
+      <p:ext uri="{BB962C8B-B14F-4D97-AF65-F5344CB8AC3E}">
+        <p14:creationId xmlns:p14="http://schemas.microsoft.com/office/powerpoint/2010/main" val="1988790562"/>
+      </p:ext>
+    </p:extLst>
+  </p:cSld>
+  <p:clrMapOvr>
+    <a:masterClrMapping/>
+  </p:clrMapOvr>
+</p:sld>
+</file>
+
+<file path=ppt/slides/slide68.xml><?xml version="1.0" encoding="utf-8"?>
+<p:sld xmlns:a="http://schemas.openxmlformats.org/drawingml/2006/main" xmlns:r="http://schemas.openxmlformats.org/officeDocument/2006/relationships" xmlns:p="http://schemas.openxmlformats.org/presentationml/2006/main">
+  <p:cSld>
+    <p:spTree>
+      <p:nvGrpSpPr>
+        <p:cNvPr id="1" name=""/>
+        <p:cNvGrpSpPr/>
+        <p:nvPr/>
+      </p:nvGrpSpPr>
+      <p:grpSpPr>
+        <a:xfrm>
+          <a:off x="0" y="0"/>
+          <a:ext cx="0" cy="0"/>
+          <a:chOff x="0" y="0"/>
+          <a:chExt cx="0" cy="0"/>
+        </a:xfrm>
+      </p:grpSpPr>
+      <p:sp>
+        <p:nvSpPr>
+          <p:cNvPr id="4" name="TextBox 3"/>
+          <p:cNvSpPr txBox="1"/>
+          <p:nvPr/>
+        </p:nvSpPr>
+        <p:spPr>
+          <a:xfrm>
+            <a:off x="975361" y="560832"/>
+            <a:ext cx="9009888" cy="2862322"/>
+          </a:xfrm>
+          <a:prstGeom prst="rect">
+            <a:avLst/>
+          </a:prstGeom>
+          <a:noFill/>
+        </p:spPr>
+        <p:txBody>
+          <a:bodyPr wrap="square" rtlCol="0">
+            <a:spAutoFit/>
+          </a:bodyPr>
+          <a:lstStyle/>
+          <a:p>
+            <a:pPr fontAlgn="base"/>
+            <a:r>
+              <a:rPr lang="en-US" b="1" dirty="0"/>
+              <a:t>Lifecycle and States of a Thread in Java</a:t>
+            </a:r>
+          </a:p>
+          <a:p>
+            <a:pPr fontAlgn="base"/>
+            <a:r>
+              <a:rPr lang="en-US" dirty="0" smtClean="0"/>
+              <a:t>A</a:t>
+            </a:r>
+            <a:r>
+              <a:rPr lang="en-US" dirty="0"/>
+              <a:t> </a:t>
+            </a:r>
+            <a:r>
+              <a:rPr lang="en-US" dirty="0">
+                <a:hlinkClick r:id="rId2"/>
+              </a:rPr>
+              <a:t>thread</a:t>
+            </a:r>
+            <a:r>
+              <a:rPr lang="en-US" dirty="0"/>
+              <a:t> in Java at any point of time exists in any one of the following states. A thread lies only in one of the shown states at any instant:</a:t>
+            </a:r>
+          </a:p>
+          <a:p>
+            <a:endParaRPr lang="en-US" dirty="0" smtClean="0"/>
+          </a:p>
+          <a:p>
+            <a:pPr marL="285750" indent="-285750">
+              <a:buFont typeface="Arial" charset="0"/>
+              <a:buChar char="•"/>
+            </a:pPr>
+            <a:r>
+              <a:rPr lang="en-US" dirty="0"/>
+              <a:t>New</a:t>
+            </a:r>
+          </a:p>
+          <a:p>
+            <a:pPr marL="285750" indent="-285750">
+              <a:buFont typeface="Arial" charset="0"/>
+              <a:buChar char="•"/>
+            </a:pPr>
+            <a:r>
+              <a:rPr lang="en-US" dirty="0"/>
+              <a:t>Runnable</a:t>
+            </a:r>
+          </a:p>
+          <a:p>
+            <a:pPr marL="285750" indent="-285750">
+              <a:buFont typeface="Arial" charset="0"/>
+              <a:buChar char="•"/>
+            </a:pPr>
+            <a:r>
+              <a:rPr lang="en-US" dirty="0"/>
+              <a:t>Running</a:t>
+            </a:r>
+          </a:p>
+          <a:p>
+            <a:pPr marL="285750" indent="-285750">
+              <a:buFont typeface="Arial" charset="0"/>
+              <a:buChar char="•"/>
+            </a:pPr>
+            <a:r>
+              <a:rPr lang="en-US" dirty="0"/>
+              <a:t>Non-Runnable (Blocked)</a:t>
+            </a:r>
+          </a:p>
+          <a:p>
+            <a:pPr marL="285750" indent="-285750">
+              <a:buFont typeface="Arial" charset="0"/>
+              <a:buChar char="•"/>
+            </a:pPr>
+            <a:r>
+              <a:rPr lang="en-US" dirty="0"/>
+              <a:t>Terminated</a:t>
+            </a:r>
+          </a:p>
+          <a:p>
+            <a:endParaRPr lang="en-US" dirty="0"/>
+          </a:p>
+        </p:txBody>
+      </p:sp>
+      <p:sp>
+        <p:nvSpPr>
+          <p:cNvPr id="11" name="TextBox 10"/>
+          <p:cNvSpPr txBox="1"/>
+          <p:nvPr/>
+        </p:nvSpPr>
+        <p:spPr>
+          <a:xfrm>
+            <a:off x="975361" y="3084576"/>
+            <a:ext cx="7205472" cy="4247317"/>
+          </a:xfrm>
+          <a:prstGeom prst="rect">
+            <a:avLst/>
+          </a:prstGeom>
+          <a:noFill/>
+        </p:spPr>
+        <p:txBody>
+          <a:bodyPr wrap="square" rtlCol="0">
+            <a:spAutoFit/>
+          </a:bodyPr>
+          <a:lstStyle/>
+          <a:p>
+            <a:r>
+              <a:rPr lang="en-US" b="1" dirty="0" smtClean="0"/>
+              <a:t>New:</a:t>
+            </a:r>
+            <a:r>
+              <a:rPr lang="en-US" b="1" dirty="0"/>
+              <a:t> </a:t>
+            </a:r>
+            <a:r>
+              <a:rPr lang="en-US" dirty="0"/>
+              <a:t>The thread is in new state if you create an instance of Thread class but before the invocation of start() method</a:t>
+            </a:r>
+            <a:r>
+              <a:rPr lang="en-US" dirty="0" smtClean="0"/>
+              <a:t>.</a:t>
+            </a:r>
+          </a:p>
+          <a:p>
+            <a:r>
+              <a:rPr lang="en-US" b="1" dirty="0" smtClean="0"/>
+              <a:t>Runnable:</a:t>
+            </a:r>
+            <a:r>
+              <a:rPr lang="en-US" b="1" dirty="0"/>
+              <a:t> </a:t>
+            </a:r>
+            <a:r>
+              <a:rPr lang="en-US" dirty="0"/>
+              <a:t>The thread is in runnable state after invocation of start() method, but the thread scheduler has not selected it to be the running thread.</a:t>
+            </a:r>
+          </a:p>
+          <a:p>
+            <a:r>
+              <a:rPr lang="en-US" b="1" dirty="0"/>
+              <a:t>Running</a:t>
+            </a:r>
+          </a:p>
+          <a:p>
+            <a:r>
+              <a:rPr lang="en-US" dirty="0"/>
+              <a:t>The thread is in running state if the thread scheduler has selected it.</a:t>
+            </a:r>
+          </a:p>
+          <a:p>
+            <a:r>
+              <a:rPr lang="en-US" b="1" dirty="0"/>
+              <a:t>Non-Runnable (Blocked)</a:t>
+            </a:r>
+          </a:p>
+          <a:p>
+            <a:r>
+              <a:rPr lang="en-US" dirty="0"/>
+              <a:t>This is the state when the thread is still alive, but is currently not eligible to run.</a:t>
+            </a:r>
+          </a:p>
+          <a:p>
+            <a:r>
+              <a:rPr lang="en-US" b="1" dirty="0"/>
+              <a:t>Terminated</a:t>
+            </a:r>
+          </a:p>
+          <a:p>
+            <a:r>
+              <a:rPr lang="en-US" dirty="0"/>
+              <a:t>A thread is in terminated or dead state when its run() method exits.</a:t>
+            </a:r>
+          </a:p>
+          <a:p>
+            <a:endParaRPr lang="en-US" dirty="0"/>
+          </a:p>
+          <a:p>
+            <a:endParaRPr lang="en-US" dirty="0"/>
+          </a:p>
+          <a:p>
+            <a:endParaRPr lang="en-US" dirty="0"/>
+          </a:p>
+        </p:txBody>
+      </p:sp>
+    </p:spTree>
+    <p:extLst>
+      <p:ext uri="{BB962C8B-B14F-4D97-AF65-F5344CB8AC3E}">
+        <p14:creationId xmlns:p14="http://schemas.microsoft.com/office/powerpoint/2010/main" val="1351649505"/>
+      </p:ext>
+    </p:extLst>
+  </p:cSld>
+  <p:clrMapOvr>
+    <a:masterClrMapping/>
+  </p:clrMapOvr>
+</p:sld>
+</file>
+
+<file path=ppt/slides/slide69.xml><?xml version="1.0" encoding="utf-8"?>
+<p:sld xmlns:a="http://schemas.openxmlformats.org/drawingml/2006/main" xmlns:r="http://schemas.openxmlformats.org/officeDocument/2006/relationships" xmlns:p="http://schemas.openxmlformats.org/presentationml/2006/main">
+  <p:cSld>
+    <p:spTree>
+      <p:nvGrpSpPr>
+        <p:cNvPr id="1" name=""/>
+        <p:cNvGrpSpPr/>
+        <p:nvPr/>
+      </p:nvGrpSpPr>
+      <p:grpSpPr>
+        <a:xfrm>
+          <a:off x="0" y="0"/>
+          <a:ext cx="0" cy="0"/>
+          <a:chOff x="0" y="0"/>
+          <a:chExt cx="0" cy="0"/>
+        </a:xfrm>
+      </p:grpSpPr>
+      <p:sp>
+        <p:nvSpPr>
+          <p:cNvPr id="4" name="TextBox 3"/>
+          <p:cNvSpPr txBox="1"/>
+          <p:nvPr/>
+        </p:nvSpPr>
+        <p:spPr>
+          <a:xfrm>
+            <a:off x="865632" y="0"/>
+            <a:ext cx="10216896" cy="7294305"/>
+          </a:xfrm>
+          <a:prstGeom prst="rect">
+            <a:avLst/>
+          </a:prstGeom>
+          <a:noFill/>
+        </p:spPr>
+        <p:txBody>
+          <a:bodyPr wrap="square" rtlCol="0">
+            <a:spAutoFit/>
+          </a:bodyPr>
+          <a:lstStyle/>
+          <a:p>
+            <a:r>
+              <a:rPr lang="en-US" b="1" dirty="0"/>
+              <a:t>public void run(): </a:t>
+            </a:r>
+            <a:r>
+              <a:rPr lang="en-US" dirty="0"/>
+              <a:t>is used to perform action for a thread.</a:t>
+            </a:r>
+          </a:p>
+          <a:p>
+            <a:r>
+              <a:rPr lang="en-US" b="1" dirty="0"/>
+              <a:t>public void start(): </a:t>
+            </a:r>
+            <a:r>
+              <a:rPr lang="en-US" dirty="0"/>
+              <a:t>starts the execution of the </a:t>
+            </a:r>
+            <a:r>
+              <a:rPr lang="en-US" dirty="0" err="1"/>
+              <a:t>thread.JVM</a:t>
+            </a:r>
+            <a:r>
+              <a:rPr lang="en-US" dirty="0"/>
+              <a:t> calls the run() method on the thread</a:t>
+            </a:r>
+            <a:r>
+              <a:rPr lang="en-US" dirty="0" smtClean="0"/>
+              <a:t>.</a:t>
+            </a:r>
+          </a:p>
+          <a:p>
+            <a:r>
+              <a:rPr lang="en-US" b="1" dirty="0"/>
+              <a:t>public </a:t>
+            </a:r>
+            <a:r>
+              <a:rPr lang="en-US" b="1" dirty="0" err="1"/>
+              <a:t>int</a:t>
+            </a:r>
+            <a:r>
+              <a:rPr lang="en-US" b="1" dirty="0"/>
+              <a:t> </a:t>
+            </a:r>
+            <a:r>
+              <a:rPr lang="en-US" b="1" dirty="0" err="1"/>
+              <a:t>getPriority</a:t>
+            </a:r>
+            <a:r>
+              <a:rPr lang="en-US" b="1" dirty="0"/>
+              <a:t>(): </a:t>
+            </a:r>
+            <a:r>
+              <a:rPr lang="en-US" dirty="0"/>
+              <a:t>returns the priority of the thread.</a:t>
+            </a:r>
+          </a:p>
+          <a:p>
+            <a:r>
+              <a:rPr lang="en-US" b="1" dirty="0"/>
+              <a:t>public </a:t>
+            </a:r>
+            <a:r>
+              <a:rPr lang="en-US" b="1" dirty="0" err="1"/>
+              <a:t>int</a:t>
+            </a:r>
+            <a:r>
+              <a:rPr lang="en-US" b="1" dirty="0"/>
+              <a:t> </a:t>
+            </a:r>
+            <a:r>
+              <a:rPr lang="en-US" b="1" dirty="0" err="1"/>
+              <a:t>setPriority</a:t>
+            </a:r>
+            <a:r>
+              <a:rPr lang="en-US" b="1" dirty="0"/>
+              <a:t>(</a:t>
+            </a:r>
+            <a:r>
+              <a:rPr lang="en-US" b="1" dirty="0" err="1"/>
+              <a:t>int</a:t>
+            </a:r>
+            <a:r>
+              <a:rPr lang="en-US" b="1" dirty="0"/>
+              <a:t> priority): </a:t>
+            </a:r>
+            <a:r>
+              <a:rPr lang="en-US" dirty="0"/>
+              <a:t>changes the priority of the thread.</a:t>
+            </a:r>
+          </a:p>
+          <a:p>
+            <a:r>
+              <a:rPr lang="en-US" b="1" dirty="0"/>
+              <a:t>public String </a:t>
+            </a:r>
+            <a:r>
+              <a:rPr lang="en-US" b="1" dirty="0" err="1"/>
+              <a:t>getName</a:t>
+            </a:r>
+            <a:r>
+              <a:rPr lang="en-US" b="1" dirty="0"/>
+              <a:t>(): </a:t>
+            </a:r>
+            <a:r>
+              <a:rPr lang="en-US" dirty="0"/>
+              <a:t>returns the name of the thread.</a:t>
+            </a:r>
+          </a:p>
+          <a:p>
+            <a:r>
+              <a:rPr lang="en-US" b="1" dirty="0"/>
+              <a:t>public void </a:t>
+            </a:r>
+            <a:r>
+              <a:rPr lang="en-US" b="1" dirty="0" err="1"/>
+              <a:t>setName</a:t>
+            </a:r>
+            <a:r>
+              <a:rPr lang="en-US" b="1" dirty="0"/>
+              <a:t>(String name): </a:t>
+            </a:r>
+            <a:r>
+              <a:rPr lang="en-US" dirty="0"/>
+              <a:t>changes the name of the thread</a:t>
+            </a:r>
+            <a:r>
+              <a:rPr lang="en-US" dirty="0" smtClean="0"/>
+              <a:t>.</a:t>
+            </a:r>
+            <a:endParaRPr lang="en-US" dirty="0"/>
+          </a:p>
+          <a:p>
+            <a:r>
+              <a:rPr lang="en-US" b="1" dirty="0"/>
+              <a:t>public void sleep(long </a:t>
+            </a:r>
+            <a:r>
+              <a:rPr lang="en-US" b="1" dirty="0" err="1"/>
+              <a:t>miliseconds</a:t>
+            </a:r>
+            <a:r>
+              <a:rPr lang="en-US" b="1" dirty="0"/>
+              <a:t>): </a:t>
+            </a:r>
+            <a:r>
+              <a:rPr lang="en-US" dirty="0"/>
+              <a:t>Causes the currently executing thread to sleep (temporarily cease execution) for the specified number of milliseconds.</a:t>
+            </a:r>
+          </a:p>
+          <a:p>
+            <a:r>
+              <a:rPr lang="en-US" b="1" dirty="0"/>
+              <a:t>public void join(): </a:t>
+            </a:r>
+            <a:r>
+              <a:rPr lang="en-US" dirty="0"/>
+              <a:t>waits for a thread to die.</a:t>
+            </a:r>
+          </a:p>
+          <a:p>
+            <a:r>
+              <a:rPr lang="en-US" b="1" dirty="0"/>
+              <a:t>public void join(long </a:t>
+            </a:r>
+            <a:r>
+              <a:rPr lang="en-US" b="1" dirty="0" err="1"/>
+              <a:t>miliseconds</a:t>
+            </a:r>
+            <a:r>
+              <a:rPr lang="en-US" b="1" dirty="0"/>
+              <a:t>): </a:t>
+            </a:r>
+            <a:r>
+              <a:rPr lang="en-US" dirty="0"/>
+              <a:t>waits for a thread to die for the specified </a:t>
+            </a:r>
+            <a:r>
+              <a:rPr lang="en-US" dirty="0" err="1"/>
+              <a:t>miliseconds</a:t>
+            </a:r>
+            <a:r>
+              <a:rPr lang="en-US" dirty="0"/>
+              <a:t>.</a:t>
+            </a:r>
+          </a:p>
+          <a:p>
+            <a:r>
+              <a:rPr lang="en-US" b="1" dirty="0" smtClean="0"/>
+              <a:t>public </a:t>
+            </a:r>
+            <a:r>
+              <a:rPr lang="en-US" b="1" dirty="0"/>
+              <a:t>Thread </a:t>
+            </a:r>
+            <a:r>
+              <a:rPr lang="en-US" b="1" dirty="0" err="1"/>
+              <a:t>currentThread</a:t>
+            </a:r>
+            <a:r>
+              <a:rPr lang="en-US" b="1" dirty="0"/>
+              <a:t>(): </a:t>
+            </a:r>
+            <a:r>
+              <a:rPr lang="en-US" dirty="0"/>
+              <a:t>returns the reference of currently executing thread.</a:t>
+            </a:r>
+          </a:p>
+          <a:p>
+            <a:r>
+              <a:rPr lang="en-US" b="1" dirty="0"/>
+              <a:t>public </a:t>
+            </a:r>
+            <a:r>
+              <a:rPr lang="en-US" b="1" dirty="0" err="1"/>
+              <a:t>int</a:t>
+            </a:r>
+            <a:r>
+              <a:rPr lang="en-US" b="1" dirty="0"/>
+              <a:t> </a:t>
+            </a:r>
+            <a:r>
+              <a:rPr lang="en-US" b="1" dirty="0" err="1"/>
+              <a:t>getId</a:t>
+            </a:r>
+            <a:r>
+              <a:rPr lang="en-US" b="1" dirty="0"/>
+              <a:t>(): </a:t>
+            </a:r>
+            <a:r>
+              <a:rPr lang="en-US" dirty="0"/>
+              <a:t>returns the id of the thread.</a:t>
+            </a:r>
+          </a:p>
+          <a:p>
+            <a:r>
+              <a:rPr lang="en-US" b="1" dirty="0"/>
+              <a:t>public </a:t>
+            </a:r>
+            <a:r>
+              <a:rPr lang="en-US" b="1" dirty="0" err="1"/>
+              <a:t>Thread.State</a:t>
+            </a:r>
+            <a:r>
+              <a:rPr lang="en-US" b="1" dirty="0"/>
+              <a:t> </a:t>
+            </a:r>
+            <a:r>
+              <a:rPr lang="en-US" b="1" dirty="0" err="1"/>
+              <a:t>getState</a:t>
+            </a:r>
+            <a:r>
+              <a:rPr lang="en-US" b="1" dirty="0"/>
+              <a:t>(): </a:t>
+            </a:r>
+            <a:r>
+              <a:rPr lang="en-US" dirty="0"/>
+              <a:t>returns the state of the thread.</a:t>
+            </a:r>
+          </a:p>
+          <a:p>
+            <a:r>
+              <a:rPr lang="en-US" b="1" dirty="0"/>
+              <a:t>public </a:t>
+            </a:r>
+            <a:r>
+              <a:rPr lang="en-US" b="1" dirty="0" err="1"/>
+              <a:t>boolean</a:t>
+            </a:r>
+            <a:r>
+              <a:rPr lang="en-US" b="1" dirty="0"/>
+              <a:t> </a:t>
+            </a:r>
+            <a:r>
+              <a:rPr lang="en-US" b="1" dirty="0" err="1"/>
+              <a:t>isAlive</a:t>
+            </a:r>
+            <a:r>
+              <a:rPr lang="en-US" b="1" dirty="0"/>
+              <a:t>(): </a:t>
+            </a:r>
+            <a:r>
+              <a:rPr lang="en-US" dirty="0"/>
+              <a:t>tests if the thread is alive.</a:t>
+            </a:r>
+          </a:p>
+          <a:p>
+            <a:r>
+              <a:rPr lang="en-US" b="1" dirty="0"/>
+              <a:t>public void yield(): </a:t>
+            </a:r>
+            <a:r>
+              <a:rPr lang="en-US" dirty="0"/>
+              <a:t>causes the currently executing thread object to temporarily pause and allow other threads to execute.</a:t>
+            </a:r>
+          </a:p>
+          <a:p>
+            <a:r>
+              <a:rPr lang="en-US" b="1" dirty="0"/>
+              <a:t>public void suspend(): </a:t>
+            </a:r>
+            <a:r>
+              <a:rPr lang="en-US" dirty="0"/>
+              <a:t>is used to suspend the thread(</a:t>
+            </a:r>
+            <a:r>
+              <a:rPr lang="en-US" dirty="0" err="1"/>
+              <a:t>depricated</a:t>
+            </a:r>
+            <a:r>
+              <a:rPr lang="en-US" dirty="0"/>
+              <a:t>).</a:t>
+            </a:r>
+          </a:p>
+          <a:p>
+            <a:r>
+              <a:rPr lang="en-US" b="1" dirty="0"/>
+              <a:t>public void resume(): </a:t>
+            </a:r>
+            <a:r>
+              <a:rPr lang="en-US" dirty="0"/>
+              <a:t>is used to resume the suspended thread(</a:t>
+            </a:r>
+            <a:r>
+              <a:rPr lang="en-US" dirty="0" err="1"/>
+              <a:t>depricated</a:t>
+            </a:r>
+            <a:r>
+              <a:rPr lang="en-US" dirty="0"/>
+              <a:t>).</a:t>
+            </a:r>
+          </a:p>
+          <a:p>
+            <a:r>
+              <a:rPr lang="en-US" b="1" dirty="0"/>
+              <a:t>public void stop(): </a:t>
+            </a:r>
+            <a:r>
+              <a:rPr lang="en-US" dirty="0"/>
+              <a:t>is used to stop the thread(</a:t>
+            </a:r>
+            <a:r>
+              <a:rPr lang="en-US" dirty="0" err="1"/>
+              <a:t>depricated</a:t>
+            </a:r>
+            <a:r>
+              <a:rPr lang="en-US" dirty="0"/>
+              <a:t>).</a:t>
+            </a:r>
+          </a:p>
+          <a:p>
+            <a:r>
+              <a:rPr lang="en-US" b="1" dirty="0"/>
+              <a:t>public </a:t>
+            </a:r>
+            <a:r>
+              <a:rPr lang="en-US" b="1" dirty="0" err="1"/>
+              <a:t>boolean</a:t>
+            </a:r>
+            <a:r>
+              <a:rPr lang="en-US" b="1" dirty="0"/>
+              <a:t> </a:t>
+            </a:r>
+            <a:r>
+              <a:rPr lang="en-US" b="1" dirty="0" err="1"/>
+              <a:t>isDaemon</a:t>
+            </a:r>
+            <a:r>
+              <a:rPr lang="en-US" b="1" dirty="0"/>
+              <a:t>(): </a:t>
+            </a:r>
+            <a:r>
+              <a:rPr lang="en-US" dirty="0"/>
+              <a:t>tests if the thread is a daemon thread.</a:t>
+            </a:r>
+          </a:p>
+          <a:p>
+            <a:r>
+              <a:rPr lang="en-US" b="1" dirty="0"/>
+              <a:t>public void </a:t>
+            </a:r>
+            <a:r>
+              <a:rPr lang="en-US" b="1" dirty="0" err="1"/>
+              <a:t>setDaemon</a:t>
+            </a:r>
+            <a:r>
+              <a:rPr lang="en-US" b="1" dirty="0"/>
+              <a:t>(</a:t>
+            </a:r>
+            <a:r>
+              <a:rPr lang="en-US" b="1" dirty="0" err="1"/>
+              <a:t>boolean</a:t>
+            </a:r>
+            <a:r>
+              <a:rPr lang="en-US" b="1" dirty="0"/>
+              <a:t> b): </a:t>
+            </a:r>
+            <a:r>
+              <a:rPr lang="en-US" dirty="0"/>
+              <a:t>marks the thread as daemon or user thread.</a:t>
+            </a:r>
+          </a:p>
+          <a:p>
+            <a:r>
+              <a:rPr lang="en-US" b="1" dirty="0"/>
+              <a:t>public void interrupt(): </a:t>
+            </a:r>
+            <a:r>
+              <a:rPr lang="en-US" dirty="0"/>
+              <a:t>interrupts the thread.</a:t>
+            </a:r>
+          </a:p>
+          <a:p>
+            <a:r>
+              <a:rPr lang="en-US" b="1" dirty="0"/>
+              <a:t>public </a:t>
+            </a:r>
+            <a:r>
+              <a:rPr lang="en-US" b="1" dirty="0" err="1"/>
+              <a:t>boolean</a:t>
+            </a:r>
+            <a:r>
+              <a:rPr lang="en-US" b="1" dirty="0"/>
+              <a:t> </a:t>
+            </a:r>
+            <a:r>
+              <a:rPr lang="en-US" b="1" dirty="0" err="1"/>
+              <a:t>isInterrupted</a:t>
+            </a:r>
+            <a:r>
+              <a:rPr lang="en-US" b="1" dirty="0"/>
+              <a:t>(): </a:t>
+            </a:r>
+            <a:r>
+              <a:rPr lang="en-US" dirty="0"/>
+              <a:t>tests if the thread has been interrupted.</a:t>
+            </a:r>
+          </a:p>
+          <a:p>
+            <a:r>
+              <a:rPr lang="en-US" b="1" dirty="0"/>
+              <a:t>public static </a:t>
+            </a:r>
+            <a:r>
+              <a:rPr lang="en-US" b="1" dirty="0" err="1"/>
+              <a:t>boolean</a:t>
+            </a:r>
+            <a:r>
+              <a:rPr lang="en-US" b="1" dirty="0"/>
+              <a:t> interrupted(): </a:t>
+            </a:r>
+            <a:r>
+              <a:rPr lang="en-US" dirty="0"/>
+              <a:t>tests if the current thread has been interrupted.</a:t>
+            </a:r>
+          </a:p>
+          <a:p>
+            <a:endParaRPr lang="en-US" dirty="0"/>
+          </a:p>
+        </p:txBody>
+      </p:sp>
+    </p:spTree>
+    <p:extLst>
+      <p:ext uri="{BB962C8B-B14F-4D97-AF65-F5344CB8AC3E}">
+        <p14:creationId xmlns:p14="http://schemas.microsoft.com/office/powerpoint/2010/main" val="441608929"/>
+      </p:ext>
+    </p:extLst>
+  </p:cSld>
+  <p:clrMapOvr>
+    <a:masterClrMapping/>
+  </p:clrMapOvr>
 </p:sld>
 </file>
 
